--- a/src/test/resources/ppt/Code design principals.pptx
+++ b/src/test/resources/ppt/Code design principals.pptx
@@ -5,7 +5,7 @@
     <p:sldMasterId id="2147483648" r:id="rId1"/>
   </p:sldMasterIdLst>
   <p:notesMasterIdLst>
-    <p:notesMasterId r:id="rId34"/>
+    <p:notesMasterId r:id="rId37"/>
   </p:notesMasterIdLst>
   <p:sldIdLst>
     <p:sldId id="256" r:id="rId2"/>
@@ -13,11 +13,11 @@
     <p:sldId id="276" r:id="rId4"/>
     <p:sldId id="260" r:id="rId5"/>
     <p:sldId id="259" r:id="rId6"/>
-    <p:sldId id="261" r:id="rId7"/>
-    <p:sldId id="262" r:id="rId8"/>
-    <p:sldId id="263" r:id="rId9"/>
-    <p:sldId id="264" r:id="rId10"/>
-    <p:sldId id="265" r:id="rId11"/>
+    <p:sldId id="290" r:id="rId7"/>
+    <p:sldId id="291" r:id="rId8"/>
+    <p:sldId id="292" r:id="rId9"/>
+    <p:sldId id="293" r:id="rId10"/>
+    <p:sldId id="294" r:id="rId11"/>
     <p:sldId id="266" r:id="rId12"/>
     <p:sldId id="269" r:id="rId13"/>
     <p:sldId id="267" r:id="rId14"/>
@@ -38,10 +38,13 @@
     <p:sldId id="284" r:id="rId29"/>
     <p:sldId id="287" r:id="rId30"/>
     <p:sldId id="286" r:id="rId31"/>
-    <p:sldId id="288" r:id="rId32"/>
-    <p:sldId id="285" r:id="rId33"/>
+    <p:sldId id="289" r:id="rId32"/>
+    <p:sldId id="296" r:id="rId33"/>
+    <p:sldId id="288" r:id="rId34"/>
+    <p:sldId id="285" r:id="rId35"/>
+    <p:sldId id="295" r:id="rId36"/>
   </p:sldIdLst>
-  <p:sldSz cx="9144000" cy="6858000" type="screen4x3"/>
+  <p:sldSz cx="12192000" cy="6858000"/>
   <p:notesSz cx="6858000" cy="9144000"/>
   <p:defaultTextStyle>
     <a:defPPr>
@@ -138,6 +141,22 @@
       </a:defRPr>
     </a:lvl9pPr>
   </p:defaultTextStyle>
+  <p:extLst>
+    <p:ext uri="{EFAFB233-063F-42B5-8137-9DF3F51BA10A}">
+      <p15:sldGuideLst xmlns:p15="http://schemas.microsoft.com/office/powerpoint/2012/main">
+        <p15:guide id="1" orient="horz" pos="2160" userDrawn="1">
+          <p15:clr>
+            <a:srgbClr val="A4A3A4"/>
+          </p15:clr>
+        </p15:guide>
+        <p15:guide id="2" pos="3840" userDrawn="1">
+          <p15:clr>
+            <a:srgbClr val="A4A3A4"/>
+          </p15:clr>
+        </p15:guide>
+      </p15:sldGuideLst>
+    </p:ext>
+  </p:extLst>
 </p:presentation>
 </file>
 
@@ -223,7 +242,7 @@
           <a:p>
             <a:fld id="{C9F56011-5AD1-4EEA-8015-1498334D3CFD}" type="datetimeFigureOut">
               <a:rPr lang="ru-RU" smtClean="0"/>
-              <a:t>30.08.2018</a:t>
+              <a:t>06.10.2018</a:t>
             </a:fld>
             <a:endParaRPr lang="ru-RU"/>
           </a:p>
@@ -241,8 +260,8 @@
         </p:nvSpPr>
         <p:spPr>
           <a:xfrm>
-            <a:off x="1143000" y="685800"/>
-            <a:ext cx="4572000" cy="3429000"/>
+            <a:off x="381000" y="685800"/>
+            <a:ext cx="6096000" cy="3429000"/>
           </a:xfrm>
           <a:prstGeom prst="rect">
             <a:avLst/>
@@ -518,7 +537,12 @@
             <p:ph type="sldImg"/>
           </p:nvPr>
         </p:nvSpPr>
-        <p:spPr/>
+        <p:spPr>
+          <a:xfrm>
+            <a:off x="381000" y="685800"/>
+            <a:ext cx="6096000" cy="3429000"/>
+          </a:xfrm>
+        </p:spPr>
       </p:sp>
       <p:sp>
         <p:nvSpPr>
@@ -602,7 +626,12 @@
             <p:ph type="sldImg"/>
           </p:nvPr>
         </p:nvSpPr>
-        <p:spPr/>
+        <p:spPr>
+          <a:xfrm>
+            <a:off x="381000" y="685800"/>
+            <a:ext cx="6096000" cy="3429000"/>
+          </a:xfrm>
+        </p:spPr>
       </p:sp>
       <p:sp>
         <p:nvSpPr>
@@ -641,6 +670,184 @@
             <a:fld id="{8D9B9714-9F14-40D5-B135-D9518C66CF6B}" type="slidenum">
               <a:rPr lang="ru-RU" smtClean="0"/>
               <a:t>31</a:t>
+            </a:fld>
+            <a:endParaRPr lang="ru-RU"/>
+          </a:p>
+        </p:txBody>
+      </p:sp>
+    </p:spTree>
+    <p:extLst>
+      <p:ext uri="{BB962C8B-B14F-4D97-AF65-F5344CB8AC3E}">
+        <p14:creationId xmlns:p14="http://schemas.microsoft.com/office/powerpoint/2010/main" val="642959288"/>
+      </p:ext>
+    </p:extLst>
+  </p:cSld>
+  <p:clrMapOvr>
+    <a:masterClrMapping/>
+  </p:clrMapOvr>
+</p:notes>
+</file>
+
+<file path=ppt/notesSlides/notesSlide3.xml><?xml version="1.0" encoding="utf-8"?>
+<p:notes xmlns:a="http://schemas.openxmlformats.org/drawingml/2006/main" xmlns:r="http://schemas.openxmlformats.org/officeDocument/2006/relationships" xmlns:p="http://schemas.openxmlformats.org/presentationml/2006/main">
+  <p:cSld>
+    <p:spTree>
+      <p:nvGrpSpPr>
+        <p:cNvPr id="1" name=""/>
+        <p:cNvGrpSpPr/>
+        <p:nvPr/>
+      </p:nvGrpSpPr>
+      <p:grpSpPr>
+        <a:xfrm>
+          <a:off x="0" y="0"/>
+          <a:ext cx="0" cy="0"/>
+          <a:chOff x="0" y="0"/>
+          <a:chExt cx="0" cy="0"/>
+        </a:xfrm>
+      </p:grpSpPr>
+      <p:sp>
+        <p:nvSpPr>
+          <p:cNvPr id="2" name="Образ слайда 1"/>
+          <p:cNvSpPr>
+            <a:spLocks noGrp="1" noRot="1" noChangeAspect="1"/>
+          </p:cNvSpPr>
+          <p:nvPr>
+            <p:ph type="sldImg"/>
+          </p:nvPr>
+        </p:nvSpPr>
+        <p:spPr>
+          <a:xfrm>
+            <a:off x="381000" y="685800"/>
+            <a:ext cx="6096000" cy="3429000"/>
+          </a:xfrm>
+        </p:spPr>
+      </p:sp>
+      <p:sp>
+        <p:nvSpPr>
+          <p:cNvPr id="3" name="Заметки 2"/>
+          <p:cNvSpPr>
+            <a:spLocks noGrp="1"/>
+          </p:cNvSpPr>
+          <p:nvPr>
+            <p:ph type="body" idx="1"/>
+          </p:nvPr>
+        </p:nvSpPr>
+        <p:spPr/>
+        <p:txBody>
+          <a:bodyPr/>
+          <a:lstStyle/>
+          <a:p>
+            <a:endParaRPr lang="ru-RU" dirty="0"/>
+          </a:p>
+        </p:txBody>
+      </p:sp>
+      <p:sp>
+        <p:nvSpPr>
+          <p:cNvPr id="4" name="Номер слайда 3"/>
+          <p:cNvSpPr>
+            <a:spLocks noGrp="1"/>
+          </p:cNvSpPr>
+          <p:nvPr>
+            <p:ph type="sldNum" sz="quarter" idx="10"/>
+          </p:nvPr>
+        </p:nvSpPr>
+        <p:spPr/>
+        <p:txBody>
+          <a:bodyPr/>
+          <a:lstStyle/>
+          <a:p>
+            <a:fld id="{8D9B9714-9F14-40D5-B135-D9518C66CF6B}" type="slidenum">
+              <a:rPr lang="ru-RU" smtClean="0"/>
+              <a:t>32</a:t>
+            </a:fld>
+            <a:endParaRPr lang="ru-RU"/>
+          </a:p>
+        </p:txBody>
+      </p:sp>
+    </p:spTree>
+    <p:extLst>
+      <p:ext uri="{BB962C8B-B14F-4D97-AF65-F5344CB8AC3E}">
+        <p14:creationId xmlns:p14="http://schemas.microsoft.com/office/powerpoint/2010/main" val="511949135"/>
+      </p:ext>
+    </p:extLst>
+  </p:cSld>
+  <p:clrMapOvr>
+    <a:masterClrMapping/>
+  </p:clrMapOvr>
+</p:notes>
+</file>
+
+<file path=ppt/notesSlides/notesSlide4.xml><?xml version="1.0" encoding="utf-8"?>
+<p:notes xmlns:a="http://schemas.openxmlformats.org/drawingml/2006/main" xmlns:r="http://schemas.openxmlformats.org/officeDocument/2006/relationships" xmlns:p="http://schemas.openxmlformats.org/presentationml/2006/main">
+  <p:cSld>
+    <p:spTree>
+      <p:nvGrpSpPr>
+        <p:cNvPr id="1" name=""/>
+        <p:cNvGrpSpPr/>
+        <p:nvPr/>
+      </p:nvGrpSpPr>
+      <p:grpSpPr>
+        <a:xfrm>
+          <a:off x="0" y="0"/>
+          <a:ext cx="0" cy="0"/>
+          <a:chOff x="0" y="0"/>
+          <a:chExt cx="0" cy="0"/>
+        </a:xfrm>
+      </p:grpSpPr>
+      <p:sp>
+        <p:nvSpPr>
+          <p:cNvPr id="2" name="Образ слайда 1"/>
+          <p:cNvSpPr>
+            <a:spLocks noGrp="1" noRot="1" noChangeAspect="1"/>
+          </p:cNvSpPr>
+          <p:nvPr>
+            <p:ph type="sldImg"/>
+          </p:nvPr>
+        </p:nvSpPr>
+        <p:spPr>
+          <a:xfrm>
+            <a:off x="381000" y="685800"/>
+            <a:ext cx="6096000" cy="3429000"/>
+          </a:xfrm>
+        </p:spPr>
+      </p:sp>
+      <p:sp>
+        <p:nvSpPr>
+          <p:cNvPr id="3" name="Заметки 2"/>
+          <p:cNvSpPr>
+            <a:spLocks noGrp="1"/>
+          </p:cNvSpPr>
+          <p:nvPr>
+            <p:ph type="body" idx="1"/>
+          </p:nvPr>
+        </p:nvSpPr>
+        <p:spPr/>
+        <p:txBody>
+          <a:bodyPr/>
+          <a:lstStyle/>
+          <a:p>
+            <a:endParaRPr lang="ru-RU" dirty="0"/>
+          </a:p>
+        </p:txBody>
+      </p:sp>
+      <p:sp>
+        <p:nvSpPr>
+          <p:cNvPr id="4" name="Номер слайда 3"/>
+          <p:cNvSpPr>
+            <a:spLocks noGrp="1"/>
+          </p:cNvSpPr>
+          <p:nvPr>
+            <p:ph type="sldNum" sz="quarter" idx="10"/>
+          </p:nvPr>
+        </p:nvSpPr>
+        <p:spPr/>
+        <p:txBody>
+          <a:bodyPr/>
+          <a:lstStyle/>
+          <a:p>
+            <a:fld id="{8D9B9714-9F14-40D5-B135-D9518C66CF6B}" type="slidenum">
+              <a:rPr lang="ru-RU" smtClean="0"/>
+              <a:t>33</a:t>
             </a:fld>
             <a:endParaRPr lang="ru-RU"/>
           </a:p>
@@ -688,8 +895,8 @@
         </p:nvSpPr>
         <p:spPr>
           <a:xfrm>
-            <a:off x="685800" y="2130425"/>
-            <a:ext cx="7772400" cy="1470025"/>
+            <a:off x="914400" y="2130426"/>
+            <a:ext cx="10363200" cy="1470025"/>
           </a:xfrm>
         </p:spPr>
         <p:txBody>
@@ -716,8 +923,8 @@
         </p:nvSpPr>
         <p:spPr>
           <a:xfrm>
-            <a:off x="1371600" y="3886200"/>
-            <a:ext cx="6400800" cy="1752600"/>
+            <a:off x="1828800" y="3886200"/>
+            <a:ext cx="8534400" cy="1752600"/>
           </a:xfrm>
         </p:spPr>
         <p:txBody>
@@ -840,7 +1047,7 @@
           <a:p>
             <a:fld id="{B4C71EC6-210F-42DE-9C53-41977AD35B3D}" type="datetimeFigureOut">
               <a:rPr lang="ru-RU" smtClean="0"/>
-              <a:t>30.08.2018</a:t>
+              <a:t>06.10.2018</a:t>
             </a:fld>
             <a:endParaRPr lang="ru-RU" dirty="0"/>
           </a:p>
@@ -1005,7 +1212,7 @@
           <a:p>
             <a:fld id="{B4C71EC6-210F-42DE-9C53-41977AD35B3D}" type="datetimeFigureOut">
               <a:rPr lang="ru-RU" smtClean="0"/>
-              <a:t>30.08.2018</a:t>
+              <a:t>06.10.2018</a:t>
             </a:fld>
             <a:endParaRPr lang="ru-RU" dirty="0"/>
           </a:p>
@@ -1090,8 +1297,8 @@
         </p:nvSpPr>
         <p:spPr>
           <a:xfrm>
-            <a:off x="6629400" y="274638"/>
-            <a:ext cx="2057400" cy="5851525"/>
+            <a:off x="8839200" y="274639"/>
+            <a:ext cx="2743200" cy="5851525"/>
           </a:xfrm>
         </p:spPr>
         <p:txBody>
@@ -1118,8 +1325,8 @@
         </p:nvSpPr>
         <p:spPr>
           <a:xfrm>
-            <a:off x="457200" y="274638"/>
-            <a:ext cx="6019800" cy="5851525"/>
+            <a:off x="609600" y="274639"/>
+            <a:ext cx="8026400" cy="5851525"/>
           </a:xfrm>
         </p:spPr>
         <p:txBody>
@@ -1180,7 +1387,7 @@
           <a:p>
             <a:fld id="{B4C71EC6-210F-42DE-9C53-41977AD35B3D}" type="datetimeFigureOut">
               <a:rPr lang="ru-RU" smtClean="0"/>
-              <a:t>30.08.2018</a:t>
+              <a:t>06.10.2018</a:t>
             </a:fld>
             <a:endParaRPr lang="ru-RU" dirty="0"/>
           </a:p>
@@ -1345,7 +1552,7 @@
           <a:p>
             <a:fld id="{B4C71EC6-210F-42DE-9C53-41977AD35B3D}" type="datetimeFigureOut">
               <a:rPr lang="ru-RU" smtClean="0"/>
-              <a:t>30.08.2018</a:t>
+              <a:t>06.10.2018</a:t>
             </a:fld>
             <a:endParaRPr lang="ru-RU" dirty="0"/>
           </a:p>
@@ -1430,8 +1637,8 @@
         </p:nvSpPr>
         <p:spPr>
           <a:xfrm>
-            <a:off x="722313" y="4406900"/>
-            <a:ext cx="7772400" cy="1362075"/>
+            <a:off x="963084" y="4406901"/>
+            <a:ext cx="10363200" cy="1362075"/>
           </a:xfrm>
         </p:spPr>
         <p:txBody>
@@ -1462,8 +1669,8 @@
         </p:nvSpPr>
         <p:spPr>
           <a:xfrm>
-            <a:off x="722313" y="2906713"/>
-            <a:ext cx="7772400" cy="1500187"/>
+            <a:off x="963084" y="2906713"/>
+            <a:ext cx="10363200" cy="1500187"/>
           </a:xfrm>
         </p:spPr>
         <p:txBody>
@@ -1586,7 +1793,7 @@
           <a:p>
             <a:fld id="{B4C71EC6-210F-42DE-9C53-41977AD35B3D}" type="datetimeFigureOut">
               <a:rPr lang="ru-RU" smtClean="0"/>
-              <a:t>30.08.2018</a:t>
+              <a:t>06.10.2018</a:t>
             </a:fld>
             <a:endParaRPr lang="ru-RU" dirty="0"/>
           </a:p>
@@ -1694,8 +1901,8 @@
         </p:nvSpPr>
         <p:spPr>
           <a:xfrm>
-            <a:off x="457200" y="1600200"/>
-            <a:ext cx="4038600" cy="4525963"/>
+            <a:off x="609600" y="1600201"/>
+            <a:ext cx="5384800" cy="4525963"/>
           </a:xfrm>
         </p:spPr>
         <p:txBody>
@@ -1779,8 +1986,8 @@
         </p:nvSpPr>
         <p:spPr>
           <a:xfrm>
-            <a:off x="4648200" y="1600200"/>
-            <a:ext cx="4038600" cy="4525963"/>
+            <a:off x="6197600" y="1600201"/>
+            <a:ext cx="5384800" cy="4525963"/>
           </a:xfrm>
         </p:spPr>
         <p:txBody>
@@ -1869,7 +2076,7 @@
           <a:p>
             <a:fld id="{B4C71EC6-210F-42DE-9C53-41977AD35B3D}" type="datetimeFigureOut">
               <a:rPr lang="ru-RU" smtClean="0"/>
-              <a:t>30.08.2018</a:t>
+              <a:t>06.10.2018</a:t>
             </a:fld>
             <a:endParaRPr lang="ru-RU" dirty="0"/>
           </a:p>
@@ -1981,8 +2188,8 @@
         </p:nvSpPr>
         <p:spPr>
           <a:xfrm>
-            <a:off x="457200" y="1535113"/>
-            <a:ext cx="4040188" cy="639762"/>
+            <a:off x="609600" y="1535113"/>
+            <a:ext cx="5386917" cy="639762"/>
           </a:xfrm>
         </p:spPr>
         <p:txBody>
@@ -2046,8 +2253,8 @@
         </p:nvSpPr>
         <p:spPr>
           <a:xfrm>
-            <a:off x="457200" y="2174875"/>
-            <a:ext cx="4040188" cy="3951288"/>
+            <a:off x="609600" y="2174875"/>
+            <a:ext cx="5386917" cy="3951288"/>
           </a:xfrm>
         </p:spPr>
         <p:txBody>
@@ -2131,8 +2338,8 @@
         </p:nvSpPr>
         <p:spPr>
           <a:xfrm>
-            <a:off x="4645025" y="1535113"/>
-            <a:ext cx="4041775" cy="639762"/>
+            <a:off x="6193368" y="1535113"/>
+            <a:ext cx="5389033" cy="639762"/>
           </a:xfrm>
         </p:spPr>
         <p:txBody>
@@ -2196,8 +2403,8 @@
         </p:nvSpPr>
         <p:spPr>
           <a:xfrm>
-            <a:off x="4645025" y="2174875"/>
-            <a:ext cx="4041775" cy="3951288"/>
+            <a:off x="6193368" y="2174875"/>
+            <a:ext cx="5389033" cy="3951288"/>
           </a:xfrm>
         </p:spPr>
         <p:txBody>
@@ -2286,7 +2493,7 @@
           <a:p>
             <a:fld id="{B4C71EC6-210F-42DE-9C53-41977AD35B3D}" type="datetimeFigureOut">
               <a:rPr lang="ru-RU" smtClean="0"/>
-              <a:t>30.08.2018</a:t>
+              <a:t>06.10.2018</a:t>
             </a:fld>
             <a:endParaRPr lang="ru-RU" dirty="0"/>
           </a:p>
@@ -2399,7 +2606,7 @@
           <a:p>
             <a:fld id="{B4C71EC6-210F-42DE-9C53-41977AD35B3D}" type="datetimeFigureOut">
               <a:rPr lang="ru-RU" smtClean="0"/>
-              <a:t>30.08.2018</a:t>
+              <a:t>06.10.2018</a:t>
             </a:fld>
             <a:endParaRPr lang="ru-RU" dirty="0"/>
           </a:p>
@@ -2489,7 +2696,7 @@
           <a:p>
             <a:fld id="{B4C71EC6-210F-42DE-9C53-41977AD35B3D}" type="datetimeFigureOut">
               <a:rPr lang="ru-RU" smtClean="0"/>
-              <a:t>30.08.2018</a:t>
+              <a:t>06.10.2018</a:t>
             </a:fld>
             <a:endParaRPr lang="ru-RU" dirty="0"/>
           </a:p>
@@ -2574,8 +2781,8 @@
         </p:nvSpPr>
         <p:spPr>
           <a:xfrm>
-            <a:off x="457200" y="273050"/>
-            <a:ext cx="3008313" cy="1162050"/>
+            <a:off x="609601" y="273050"/>
+            <a:ext cx="4011084" cy="1162050"/>
           </a:xfrm>
         </p:spPr>
         <p:txBody>
@@ -2606,8 +2813,8 @@
         </p:nvSpPr>
         <p:spPr>
           <a:xfrm>
-            <a:off x="3575050" y="273050"/>
-            <a:ext cx="5111750" cy="5853113"/>
+            <a:off x="4766733" y="273051"/>
+            <a:ext cx="6815667" cy="5853113"/>
           </a:xfrm>
         </p:spPr>
         <p:txBody>
@@ -2691,8 +2898,8 @@
         </p:nvSpPr>
         <p:spPr>
           <a:xfrm>
-            <a:off x="457200" y="1435100"/>
-            <a:ext cx="3008313" cy="4691063"/>
+            <a:off x="609601" y="1435101"/>
+            <a:ext cx="4011084" cy="4691063"/>
           </a:xfrm>
         </p:spPr>
         <p:txBody>
@@ -2761,7 +2968,7 @@
           <a:p>
             <a:fld id="{B4C71EC6-210F-42DE-9C53-41977AD35B3D}" type="datetimeFigureOut">
               <a:rPr lang="ru-RU" smtClean="0"/>
-              <a:t>30.08.2018</a:t>
+              <a:t>06.10.2018</a:t>
             </a:fld>
             <a:endParaRPr lang="ru-RU" dirty="0"/>
           </a:p>
@@ -2846,8 +3053,8 @@
         </p:nvSpPr>
         <p:spPr>
           <a:xfrm>
-            <a:off x="1792288" y="4800600"/>
-            <a:ext cx="5486400" cy="566738"/>
+            <a:off x="2389717" y="4800600"/>
+            <a:ext cx="7315200" cy="566738"/>
           </a:xfrm>
         </p:spPr>
         <p:txBody>
@@ -2878,8 +3085,8 @@
         </p:nvSpPr>
         <p:spPr>
           <a:xfrm>
-            <a:off x="1792288" y="612775"/>
-            <a:ext cx="5486400" cy="4114800"/>
+            <a:off x="2389717" y="612775"/>
+            <a:ext cx="7315200" cy="4114800"/>
           </a:xfrm>
         </p:spPr>
         <p:txBody>
@@ -2939,8 +3146,8 @@
         </p:nvSpPr>
         <p:spPr>
           <a:xfrm>
-            <a:off x="1792288" y="5367338"/>
-            <a:ext cx="5486400" cy="804862"/>
+            <a:off x="2389717" y="5367338"/>
+            <a:ext cx="7315200" cy="804862"/>
           </a:xfrm>
         </p:spPr>
         <p:txBody>
@@ -3009,7 +3216,7 @@
           <a:p>
             <a:fld id="{B4C71EC6-210F-42DE-9C53-41977AD35B3D}" type="datetimeFigureOut">
               <a:rPr lang="ru-RU" smtClean="0"/>
-              <a:t>30.08.2018</a:t>
+              <a:t>06.10.2018</a:t>
             </a:fld>
             <a:endParaRPr lang="ru-RU" dirty="0"/>
           </a:p>
@@ -3099,8 +3306,8 @@
         </p:nvSpPr>
         <p:spPr>
           <a:xfrm>
-            <a:off x="457200" y="274638"/>
-            <a:ext cx="8229600" cy="1143000"/>
+            <a:off x="609600" y="274638"/>
+            <a:ext cx="10972800" cy="1143000"/>
           </a:xfrm>
           <a:prstGeom prst="rect">
             <a:avLst/>
@@ -3132,8 +3339,8 @@
         </p:nvSpPr>
         <p:spPr>
           <a:xfrm>
-            <a:off x="457200" y="1600200"/>
-            <a:ext cx="8229600" cy="4525963"/>
+            <a:off x="609600" y="1600201"/>
+            <a:ext cx="10972800" cy="4525963"/>
           </a:xfrm>
           <a:prstGeom prst="rect">
             <a:avLst/>
@@ -3194,8 +3401,8 @@
         </p:nvSpPr>
         <p:spPr>
           <a:xfrm>
-            <a:off x="457200" y="6356350"/>
-            <a:ext cx="2133600" cy="365125"/>
+            <a:off x="609600" y="6356351"/>
+            <a:ext cx="2844800" cy="365125"/>
           </a:xfrm>
           <a:prstGeom prst="rect">
             <a:avLst/>
@@ -3217,7 +3424,7 @@
           <a:p>
             <a:fld id="{B4C71EC6-210F-42DE-9C53-41977AD35B3D}" type="datetimeFigureOut">
               <a:rPr lang="ru-RU" smtClean="0"/>
-              <a:t>30.08.2018</a:t>
+              <a:t>06.10.2018</a:t>
             </a:fld>
             <a:endParaRPr lang="ru-RU" dirty="0"/>
           </a:p>
@@ -3235,8 +3442,8 @@
         </p:nvSpPr>
         <p:spPr>
           <a:xfrm>
-            <a:off x="3124200" y="6356350"/>
-            <a:ext cx="2895600" cy="365125"/>
+            <a:off x="4165600" y="6356351"/>
+            <a:ext cx="3860800" cy="365125"/>
           </a:xfrm>
           <a:prstGeom prst="rect">
             <a:avLst/>
@@ -3272,8 +3479,8 @@
         </p:nvSpPr>
         <p:spPr>
           <a:xfrm>
-            <a:off x="6553200" y="6356350"/>
-            <a:ext cx="2133600" cy="365125"/>
+            <a:off x="8737600" y="6356351"/>
+            <a:ext cx="2844800" cy="365125"/>
           </a:xfrm>
           <a:prstGeom prst="rect">
             <a:avLst/>
@@ -3599,7 +3806,7 @@
         </p:nvSpPr>
         <p:spPr>
           <a:xfrm>
-            <a:off x="611560" y="260649"/>
+            <a:off x="2135560" y="260649"/>
             <a:ext cx="7772400" cy="720080"/>
           </a:xfrm>
         </p:spPr>
@@ -3629,13 +3836,13 @@
         </p:nvSpPr>
         <p:spPr>
           <a:xfrm>
-            <a:off x="611560" y="1196752"/>
-            <a:ext cx="7920880" cy="4658072"/>
+            <a:off x="407368" y="1196752"/>
+            <a:ext cx="11377264" cy="4658072"/>
           </a:xfrm>
         </p:spPr>
         <p:txBody>
           <a:bodyPr>
-            <a:normAutofit fontScale="92500" lnSpcReduction="20000"/>
+            <a:normAutofit fontScale="85000" lnSpcReduction="20000"/>
           </a:bodyPr>
           <a:lstStyle/>
           <a:p>
@@ -3657,7 +3864,15 @@
                   <a:schemeClr val="tx1"/>
                 </a:solidFill>
               </a:rPr>
-              <a:t>OOP principals</a:t>
+              <a:t>OOP </a:t>
+            </a:r>
+            <a:r>
+              <a:rPr lang="en-US" dirty="0" smtClean="0">
+                <a:solidFill>
+                  <a:schemeClr val="tx1"/>
+                </a:solidFill>
+              </a:rPr>
+              <a:t>principals</a:t>
             </a:r>
             <a:endParaRPr lang="ru-RU" dirty="0" smtClean="0">
               <a:solidFill>
@@ -3741,15 +3956,18 @@
                   <a:schemeClr val="tx1"/>
                 </a:solidFill>
               </a:rPr>
-              <a:t>Code and </a:t>
-            </a:r>
+              <a:t>Code and configuration</a:t>
+            </a:r>
+          </a:p>
+          <a:p>
+            <a:pPr algn="l"/>
             <a:r>
               <a:rPr lang="en-US" dirty="0" smtClean="0">
                 <a:solidFill>
                   <a:schemeClr val="tx1"/>
                 </a:solidFill>
               </a:rPr>
-              <a:t>configuration</a:t>
+              <a:t>Fail fast and fail safe</a:t>
             </a:r>
           </a:p>
           <a:p>
@@ -3823,7 +4041,7 @@
         </p:nvSpPr>
         <p:spPr>
           <a:xfrm>
-            <a:off x="611560" y="260649"/>
+            <a:off x="2135560" y="260649"/>
             <a:ext cx="7772400" cy="720080"/>
           </a:xfrm>
         </p:spPr>
@@ -3834,7 +4052,7 @@
           <a:lstStyle/>
           <a:p>
             <a:r>
-              <a:rPr lang="en-US" dirty="0" smtClean="0"/>
+              <a:rPr lang="en-US" dirty="0"/>
               <a:t>SOLID principals</a:t>
             </a:r>
             <a:endParaRPr lang="en-US" dirty="0"/>
@@ -3853,8 +4071,8 @@
         </p:nvSpPr>
         <p:spPr>
           <a:xfrm>
-            <a:off x="611560" y="1124744"/>
-            <a:ext cx="7920880" cy="4946104"/>
+            <a:off x="335360" y="1124744"/>
+            <a:ext cx="11377264" cy="4946104"/>
           </a:xfrm>
         </p:spPr>
         <p:txBody>
@@ -4038,7 +4256,7 @@
               </a:rPr>
               <a:t>ependency Inversion</a:t>
             </a:r>
-            <a:endParaRPr lang="en-US" sz="2000" dirty="0" smtClean="0">
+            <a:endParaRPr lang="en-US" sz="2000" dirty="0">
               <a:solidFill>
                 <a:schemeClr val="tx1"/>
               </a:solidFill>
@@ -4046,10 +4264,54 @@
           </a:p>
         </p:txBody>
       </p:sp>
+      <p:sp>
+        <p:nvSpPr>
+          <p:cNvPr id="6" name="Прямоугольник 3"/>
+          <p:cNvSpPr/>
+          <p:nvPr/>
+        </p:nvSpPr>
+        <p:spPr>
+          <a:xfrm>
+            <a:off x="9120336" y="6214863"/>
+            <a:ext cx="2439257" cy="276999"/>
+          </a:xfrm>
+          <a:prstGeom prst="rect">
+            <a:avLst/>
+          </a:prstGeom>
+        </p:spPr>
+        <p:txBody>
+          <a:bodyPr wrap="none">
+            <a:spAutoFit/>
+          </a:bodyPr>
+          <a:lstStyle/>
+          <a:p>
+            <a:r>
+              <a:rPr lang="en-US" sz="1200" dirty="0">
+                <a:solidFill>
+                  <a:schemeClr val="tx1">
+                    <a:lumMod val="50000"/>
+                    <a:lumOff val="50000"/>
+                  </a:schemeClr>
+                </a:solidFill>
+                <a:hlinkClick r:id="rId2"/>
+              </a:rPr>
+              <a:t>https://en.wikipedia.org/wiki/SOLID</a:t>
+            </a:r>
+            <a:endParaRPr lang="ru-RU" sz="1200" dirty="0">
+              <a:solidFill>
+                <a:schemeClr val="tx1">
+                  <a:lumMod val="50000"/>
+                  <a:lumOff val="50000"/>
+                </a:schemeClr>
+              </a:solidFill>
+            </a:endParaRPr>
+          </a:p>
+        </p:txBody>
+      </p:sp>
     </p:spTree>
     <p:extLst>
       <p:ext uri="{BB962C8B-B14F-4D97-AF65-F5344CB8AC3E}">
-        <p14:creationId xmlns:p14="http://schemas.microsoft.com/office/powerpoint/2010/main" val="2040319859"/>
+        <p14:creationId xmlns:p14="http://schemas.microsoft.com/office/powerpoint/2010/main" val="3370240516"/>
       </p:ext>
     </p:extLst>
   </p:cSld>
@@ -4088,7 +4350,7 @@
         </p:nvSpPr>
         <p:spPr>
           <a:xfrm>
-            <a:off x="611560" y="260649"/>
+            <a:off x="2135560" y="260649"/>
             <a:ext cx="7772400" cy="720080"/>
           </a:xfrm>
         </p:spPr>
@@ -4118,8 +4380,8 @@
         </p:nvSpPr>
         <p:spPr>
           <a:xfrm>
-            <a:off x="611560" y="1124744"/>
-            <a:ext cx="7920880" cy="4946104"/>
+            <a:off x="407368" y="1124744"/>
+            <a:ext cx="11305256" cy="4946104"/>
           </a:xfrm>
         </p:spPr>
         <p:txBody>
@@ -4137,7 +4399,7 @@
               </a:rPr>
               <a:t>A class should have one, and only one, reason to change.</a:t>
             </a:r>
-            <a:endParaRPr lang="en-US" sz="2000" dirty="0" smtClean="0">
+            <a:endParaRPr lang="en-US" sz="2000" dirty="0">
               <a:solidFill>
                 <a:schemeClr val="tx1"/>
               </a:solidFill>
@@ -4198,7 +4460,7 @@
         </p:blipFill>
         <p:spPr bwMode="auto">
           <a:xfrm>
-            <a:off x="899592" y="548680"/>
+            <a:off x="2423592" y="548680"/>
             <a:ext cx="7620000" cy="5715000"/>
           </a:xfrm>
           <a:prstGeom prst="rect">
@@ -4258,7 +4520,7 @@
         </p:nvSpPr>
         <p:spPr>
           <a:xfrm>
-            <a:off x="611560" y="260649"/>
+            <a:off x="2135560" y="260649"/>
             <a:ext cx="7772400" cy="720080"/>
           </a:xfrm>
         </p:spPr>
@@ -4289,8 +4551,8 @@
         </p:nvSpPr>
         <p:spPr>
           <a:xfrm>
-            <a:off x="611560" y="1124744"/>
-            <a:ext cx="7920880" cy="4946104"/>
+            <a:off x="479376" y="1124744"/>
+            <a:ext cx="9577064" cy="4946104"/>
           </a:xfrm>
         </p:spPr>
         <p:txBody>
@@ -4308,7 +4570,7 @@
               </a:rPr>
               <a:t>Software components should be open for extension, but closed for modification</a:t>
             </a:r>
-            <a:endParaRPr lang="en-US" sz="2000" dirty="0" smtClean="0">
+            <a:endParaRPr lang="en-US" sz="2000" dirty="0">
               <a:solidFill>
                 <a:schemeClr val="tx1"/>
               </a:solidFill>
@@ -4369,7 +4631,7 @@
         </p:blipFill>
         <p:spPr bwMode="auto">
           <a:xfrm>
-            <a:off x="762000" y="571500"/>
+            <a:off x="2286000" y="571500"/>
             <a:ext cx="7620000" cy="5715000"/>
           </a:xfrm>
           <a:prstGeom prst="rect">
@@ -4429,7 +4691,7 @@
         </p:nvSpPr>
         <p:spPr>
           <a:xfrm>
-            <a:off x="611560" y="260649"/>
+            <a:off x="2135560" y="260649"/>
             <a:ext cx="7772400" cy="720080"/>
           </a:xfrm>
         </p:spPr>
@@ -4464,8 +4726,8 @@
         </p:nvSpPr>
         <p:spPr>
           <a:xfrm>
-            <a:off x="611560" y="1124744"/>
-            <a:ext cx="7920880" cy="4946104"/>
+            <a:off x="407368" y="1124744"/>
+            <a:ext cx="11449272" cy="4946104"/>
           </a:xfrm>
         </p:spPr>
         <p:txBody>
@@ -4483,7 +4745,7 @@
               </a:rPr>
               <a:t>Methods that use references to the base classes must be able to use the objects of the derived classes without knowing it</a:t>
             </a:r>
-            <a:endParaRPr lang="en-US" sz="2000" dirty="0" smtClean="0">
+            <a:endParaRPr lang="en-US" sz="2000" dirty="0">
               <a:solidFill>
                 <a:schemeClr val="tx1"/>
               </a:solidFill>
@@ -4544,7 +4806,7 @@
         </p:blipFill>
         <p:spPr bwMode="auto">
           <a:xfrm>
-            <a:off x="762000" y="571500"/>
+            <a:off x="2286000" y="571500"/>
             <a:ext cx="7620000" cy="5715000"/>
           </a:xfrm>
           <a:prstGeom prst="rect">
@@ -4604,7 +4866,7 @@
         </p:nvSpPr>
         <p:spPr>
           <a:xfrm>
-            <a:off x="611560" y="260649"/>
+            <a:off x="2135560" y="260649"/>
             <a:ext cx="7772400" cy="720080"/>
           </a:xfrm>
         </p:spPr>
@@ -4635,8 +4897,8 @@
         </p:nvSpPr>
         <p:spPr>
           <a:xfrm>
-            <a:off x="611560" y="1124744"/>
-            <a:ext cx="7920880" cy="4946104"/>
+            <a:off x="407368" y="1124744"/>
+            <a:ext cx="9649072" cy="4946104"/>
           </a:xfrm>
         </p:spPr>
         <p:txBody>
@@ -4654,7 +4916,7 @@
               </a:rPr>
               <a:t>Many client specific interfaces are better than one general purpose interface</a:t>
             </a:r>
-            <a:endParaRPr lang="en-US" sz="2000" dirty="0" smtClean="0">
+            <a:endParaRPr lang="en-US" sz="2000" dirty="0">
               <a:solidFill>
                 <a:schemeClr val="tx1"/>
               </a:solidFill>
@@ -4715,7 +4977,7 @@
         </p:blipFill>
         <p:spPr bwMode="auto">
           <a:xfrm>
-            <a:off x="762000" y="571500"/>
+            <a:off x="2286000" y="571500"/>
             <a:ext cx="7620000" cy="5715000"/>
           </a:xfrm>
           <a:prstGeom prst="rect">
@@ -4775,7 +5037,7 @@
         </p:nvSpPr>
         <p:spPr>
           <a:xfrm>
-            <a:off x="611560" y="260649"/>
+            <a:off x="2135560" y="260649"/>
             <a:ext cx="7772400" cy="720080"/>
           </a:xfrm>
         </p:spPr>
@@ -4806,8 +5068,8 @@
         </p:nvSpPr>
         <p:spPr>
           <a:xfrm>
-            <a:off x="611560" y="1124744"/>
-            <a:ext cx="7920880" cy="4946104"/>
+            <a:off x="479376" y="1124744"/>
+            <a:ext cx="11233248" cy="4946104"/>
           </a:xfrm>
         </p:spPr>
         <p:txBody>
@@ -4829,7 +5091,7 @@
               <a:buChar char="•"/>
             </a:pPr>
             <a:r>
-              <a:rPr lang="en-US" sz="2000" dirty="0" smtClean="0">
+              <a:rPr lang="en-US" sz="2000" dirty="0">
                 <a:solidFill>
                   <a:schemeClr val="tx1"/>
                 </a:solidFill>
@@ -4872,7 +5134,7 @@
           </a:p>
           <a:p>
             <a:pPr algn="l"/>
-            <a:endParaRPr lang="en-US" sz="2000" dirty="0" smtClean="0">
+            <a:endParaRPr lang="en-US" sz="2000" dirty="0">
               <a:solidFill>
                 <a:schemeClr val="tx1"/>
               </a:solidFill>
@@ -4922,8 +5184,8 @@
         </p:nvSpPr>
         <p:spPr>
           <a:xfrm>
-            <a:off x="611560" y="260649"/>
-            <a:ext cx="7772400" cy="720080"/>
+            <a:off x="1559496" y="260649"/>
+            <a:ext cx="9433048" cy="720080"/>
           </a:xfrm>
         </p:spPr>
         <p:txBody>
@@ -4934,7 +5196,11 @@
           <a:p>
             <a:r>
               <a:rPr lang="en-US" dirty="0" smtClean="0"/>
-              <a:t>Why it is needed</a:t>
+              <a:t>Why </a:t>
+            </a:r>
+            <a:r>
+              <a:rPr lang="en-US" dirty="0" smtClean="0"/>
+              <a:t>do we need design principals</a:t>
             </a:r>
             <a:endParaRPr lang="en-US" dirty="0"/>
           </a:p>
@@ -4952,8 +5218,8 @@
         </p:nvSpPr>
         <p:spPr>
           <a:xfrm>
-            <a:off x="611560" y="1124744"/>
-            <a:ext cx="7920880" cy="4946104"/>
+            <a:off x="479376" y="1124744"/>
+            <a:ext cx="11233248" cy="432048"/>
           </a:xfrm>
         </p:spPr>
         <p:txBody>
@@ -4964,13 +5230,26 @@
           <a:p>
             <a:pPr algn="l"/>
             <a:r>
+              <a:rPr lang="en-US" sz="2000" dirty="0">
+                <a:solidFill>
+                  <a:schemeClr val="tx1"/>
+                </a:solidFill>
+              </a:rPr>
+              <a:t>Almost all tasks has already been solved and have a </a:t>
+            </a:r>
+            <a:r>
               <a:rPr lang="en-US" sz="2000" dirty="0" smtClean="0">
                 <a:solidFill>
                   <a:schemeClr val="tx1"/>
                 </a:solidFill>
               </a:rPr>
-              <a:t>Almost all tasks has already been solved and have a solution</a:t>
-            </a:r>
+              <a:t>solution</a:t>
+            </a:r>
+            <a:endParaRPr lang="en-US" sz="2000" dirty="0">
+              <a:solidFill>
+                <a:schemeClr val="tx1"/>
+              </a:solidFill>
+            </a:endParaRPr>
           </a:p>
           <a:p>
             <a:pPr algn="l"/>
@@ -4980,43 +5259,38 @@
               </a:solidFill>
             </a:endParaRPr>
           </a:p>
-          <a:p>
-            <a:pPr algn="l"/>
-            <a:endParaRPr lang="en-US" sz="2000" dirty="0" smtClean="0">
-              <a:solidFill>
-                <a:schemeClr val="tx1"/>
-              </a:solidFill>
-            </a:endParaRPr>
-          </a:p>
-          <a:p>
-            <a:pPr algn="l"/>
-            <a:r>
-              <a:rPr lang="en-US" sz="2000" dirty="0" smtClean="0">
-                <a:solidFill>
-                  <a:schemeClr val="tx1"/>
-                </a:solidFill>
-              </a:rPr>
-              <a:t>Test specification is not a document that describes code structure</a:t>
-            </a:r>
-          </a:p>
-          <a:p>
-            <a:pPr algn="l"/>
-            <a:endParaRPr lang="en-US" sz="2000" dirty="0">
-              <a:solidFill>
-                <a:schemeClr val="tx1"/>
-              </a:solidFill>
-            </a:endParaRPr>
-          </a:p>
-          <a:p>
-            <a:pPr algn="l"/>
-            <a:endParaRPr lang="en-US" sz="2000" dirty="0" smtClean="0">
-              <a:solidFill>
-                <a:schemeClr val="tx1"/>
-              </a:solidFill>
-            </a:endParaRPr>
-          </a:p>
-        </p:txBody>
-      </p:sp>
+        </p:txBody>
+      </p:sp>
+      <p:pic>
+        <p:nvPicPr>
+          <p:cNvPr id="4" name="Picture 3"/>
+          <p:cNvPicPr>
+            <a:picLocks noChangeAspect="1"/>
+          </p:cNvPicPr>
+          <p:nvPr/>
+        </p:nvPicPr>
+        <p:blipFill>
+          <a:blip r:embed="rId2">
+            <a:extLst>
+              <a:ext uri="{28A0092B-C50C-407E-A947-70E740481C1C}">
+                <a14:useLocalDpi xmlns:a14="http://schemas.microsoft.com/office/drawing/2010/main" val="0"/>
+              </a:ext>
+            </a:extLst>
+          </a:blip>
+          <a:stretch>
+            <a:fillRect/>
+          </a:stretch>
+        </p:blipFill>
+        <p:spPr>
+          <a:xfrm>
+            <a:off x="2973760" y="1988840"/>
+            <a:ext cx="6096000" cy="4572000"/>
+          </a:xfrm>
+          <a:prstGeom prst="rect">
+            <a:avLst/>
+          </a:prstGeom>
+        </p:spPr>
+      </p:pic>
     </p:spTree>
     <p:extLst>
       <p:ext uri="{BB962C8B-B14F-4D97-AF65-F5344CB8AC3E}">
@@ -5070,7 +5344,7 @@
         </p:blipFill>
         <p:spPr bwMode="auto">
           <a:xfrm>
-            <a:off x="762000" y="571500"/>
+            <a:off x="2286000" y="571500"/>
             <a:ext cx="7620000" cy="5715000"/>
           </a:xfrm>
           <a:prstGeom prst="rect">
@@ -5130,7 +5404,7 @@
         </p:nvSpPr>
         <p:spPr>
           <a:xfrm>
-            <a:off x="611560" y="260649"/>
+            <a:off x="2135560" y="260649"/>
             <a:ext cx="7772400" cy="720080"/>
           </a:xfrm>
         </p:spPr>
@@ -5161,8 +5435,8 @@
         </p:nvSpPr>
         <p:spPr>
           <a:xfrm>
-            <a:off x="611560" y="1124744"/>
-            <a:ext cx="7920880" cy="4946104"/>
+            <a:off x="479376" y="1124744"/>
+            <a:ext cx="11161240" cy="4946104"/>
           </a:xfrm>
         </p:spPr>
         <p:txBody>
@@ -5173,7 +5447,7 @@
           <a:p>
             <a:pPr algn="l"/>
             <a:r>
-              <a:rPr lang="en-US" sz="2000" dirty="0" smtClean="0">
+              <a:rPr lang="en-US" sz="2000" dirty="0">
                 <a:solidFill>
                   <a:schemeClr val="tx1"/>
                 </a:solidFill>
@@ -5189,7 +5463,7 @@
               <a:t>refers to the extent to which a class knows about the other </a:t>
             </a:r>
             <a:r>
-              <a:rPr lang="en-US" sz="2000" dirty="0" smtClean="0">
+              <a:rPr lang="en-US" sz="2000" dirty="0">
                 <a:solidFill>
                   <a:schemeClr val="tx1"/>
                 </a:solidFill>
@@ -5240,7 +5514,7 @@
               </a:rPr>
               <a:t>Loose Coupling(a good programming design)</a:t>
             </a:r>
-            <a:endParaRPr lang="en-US" sz="2000" dirty="0" smtClean="0">
+            <a:endParaRPr lang="en-US" sz="2000" dirty="0">
               <a:solidFill>
                 <a:schemeClr val="tx1"/>
               </a:solidFill>
@@ -5290,7 +5564,7 @@
         </p:nvSpPr>
         <p:spPr>
           <a:xfrm>
-            <a:off x="611560" y="260649"/>
+            <a:off x="2135560" y="260649"/>
             <a:ext cx="7772400" cy="720080"/>
           </a:xfrm>
         </p:spPr>
@@ -5321,8 +5595,8 @@
         </p:nvSpPr>
         <p:spPr>
           <a:xfrm>
-            <a:off x="611560" y="1124744"/>
-            <a:ext cx="7920880" cy="5616624"/>
+            <a:off x="479376" y="1124744"/>
+            <a:ext cx="11161240" cy="5616624"/>
           </a:xfrm>
         </p:spPr>
         <p:txBody>
@@ -5398,7 +5672,7 @@
           </a:p>
           <a:p>
             <a:pPr algn="l"/>
-            <a:endParaRPr lang="en-US" sz="2000" dirty="0" smtClean="0">
+            <a:endParaRPr lang="en-US" sz="2000" dirty="0">
               <a:solidFill>
                 <a:schemeClr val="tx1"/>
               </a:solidFill>
@@ -5406,7 +5680,7 @@
           </a:p>
           <a:p>
             <a:pPr algn="l"/>
-            <a:endParaRPr lang="en-US" sz="2000" dirty="0" smtClean="0">
+            <a:endParaRPr lang="en-US" sz="2000" dirty="0">
               <a:solidFill>
                 <a:schemeClr val="tx1"/>
               </a:solidFill>
@@ -5456,7 +5730,7 @@
         </p:nvSpPr>
         <p:spPr>
           <a:xfrm>
-            <a:off x="611560" y="260649"/>
+            <a:off x="2135560" y="260649"/>
             <a:ext cx="7772400" cy="720080"/>
           </a:xfrm>
         </p:spPr>
@@ -5487,8 +5761,8 @@
         </p:nvSpPr>
         <p:spPr>
           <a:xfrm>
-            <a:off x="611560" y="1124744"/>
-            <a:ext cx="7920880" cy="5256584"/>
+            <a:off x="623392" y="1124744"/>
+            <a:ext cx="11161240" cy="5256584"/>
           </a:xfrm>
         </p:spPr>
         <p:txBody>
@@ -5715,7 +5989,7 @@
         </p:blipFill>
         <p:spPr bwMode="auto">
           <a:xfrm>
-            <a:off x="2292546" y="1093386"/>
+            <a:off x="3816918" y="980729"/>
             <a:ext cx="6213327" cy="2928030"/>
           </a:xfrm>
           <a:prstGeom prst="rect">
@@ -5745,7 +6019,7 @@
         </p:nvSpPr>
         <p:spPr>
           <a:xfrm>
-            <a:off x="611560" y="260649"/>
+            <a:off x="2135560" y="260649"/>
             <a:ext cx="7772400" cy="720080"/>
           </a:xfrm>
         </p:spPr>
@@ -5776,8 +6050,8 @@
         </p:nvSpPr>
         <p:spPr>
           <a:xfrm>
-            <a:off x="467544" y="3861048"/>
-            <a:ext cx="8208912" cy="2616586"/>
+            <a:off x="551384" y="3861048"/>
+            <a:ext cx="11233248" cy="2616586"/>
           </a:xfrm>
         </p:spPr>
         <p:txBody>
@@ -5938,7 +6212,7 @@
               <a:t>    Any </a:t>
             </a:r>
             <a:r>
-              <a:rPr lang="en-US" sz="2000" dirty="0" smtClean="0">
+              <a:rPr lang="en-US" sz="2000" dirty="0">
                 <a:solidFill>
                   <a:schemeClr val="tx1"/>
                 </a:solidFill>
@@ -5964,7 +6238,7 @@
         </p:nvSpPr>
         <p:spPr>
           <a:xfrm>
-            <a:off x="611560" y="908720"/>
+            <a:off x="551384" y="908720"/>
             <a:ext cx="1681358" cy="369332"/>
           </a:xfrm>
           <a:prstGeom prst="rect">
@@ -6026,7 +6300,7 @@
         </p:nvSpPr>
         <p:spPr>
           <a:xfrm>
-            <a:off x="611560" y="260649"/>
+            <a:off x="2135560" y="260649"/>
             <a:ext cx="7772400" cy="720080"/>
           </a:xfrm>
         </p:spPr>
@@ -6057,8 +6331,8 @@
         </p:nvSpPr>
         <p:spPr>
           <a:xfrm>
-            <a:off x="611560" y="1124744"/>
-            <a:ext cx="7920880" cy="5256584"/>
+            <a:off x="407368" y="1124744"/>
+            <a:ext cx="11449272" cy="5256584"/>
           </a:xfrm>
         </p:spPr>
         <p:txBody>
@@ -6069,7 +6343,7 @@
           <a:p>
             <a:pPr algn="l"/>
             <a:r>
-              <a:rPr lang="en-US" sz="2000" dirty="0" smtClean="0">
+              <a:rPr lang="en-US" sz="2000" dirty="0">
                 <a:solidFill>
                   <a:schemeClr val="tx1"/>
                 </a:solidFill>
@@ -6129,7 +6403,7 @@
         </p:nvSpPr>
         <p:spPr>
           <a:xfrm>
-            <a:off x="611560" y="260649"/>
+            <a:off x="2135560" y="260649"/>
             <a:ext cx="7772400" cy="720080"/>
           </a:xfrm>
         </p:spPr>
@@ -6160,8 +6434,8 @@
         </p:nvSpPr>
         <p:spPr>
           <a:xfrm>
-            <a:off x="611560" y="1124744"/>
-            <a:ext cx="7920880" cy="5256584"/>
+            <a:off x="407368" y="1124744"/>
+            <a:ext cx="11305256" cy="5256584"/>
           </a:xfrm>
         </p:spPr>
         <p:txBody>
@@ -6180,7 +6454,7 @@
           <a:p>
             <a:pPr algn="l"/>
             <a:r>
-              <a:rPr lang="en-US" sz="2000" dirty="0" smtClean="0">
+              <a:rPr lang="en-US" sz="2000" dirty="0">
                 <a:solidFill>
                   <a:schemeClr val="tx1"/>
                 </a:solidFill>
@@ -6240,7 +6514,7 @@
         </p:nvSpPr>
         <p:spPr>
           <a:xfrm>
-            <a:off x="611560" y="260649"/>
+            <a:off x="2135560" y="260649"/>
             <a:ext cx="7772400" cy="720080"/>
           </a:xfrm>
         </p:spPr>
@@ -6271,8 +6545,8 @@
         </p:nvSpPr>
         <p:spPr>
           <a:xfrm>
-            <a:off x="611560" y="1124744"/>
-            <a:ext cx="7920880" cy="5256584"/>
+            <a:off x="479376" y="1124744"/>
+            <a:ext cx="11377264" cy="5256584"/>
           </a:xfrm>
         </p:spPr>
         <p:txBody>
@@ -6343,7 +6617,7 @@
         </p:nvSpPr>
         <p:spPr>
           <a:xfrm>
-            <a:off x="611560" y="260649"/>
+            <a:off x="2135560" y="260649"/>
             <a:ext cx="7772400" cy="720080"/>
           </a:xfrm>
         </p:spPr>
@@ -6374,8 +6648,8 @@
         </p:nvSpPr>
         <p:spPr>
           <a:xfrm>
-            <a:off x="611560" y="1124744"/>
-            <a:ext cx="7920880" cy="5256584"/>
+            <a:off x="407368" y="1124744"/>
+            <a:ext cx="11521280" cy="5256584"/>
           </a:xfrm>
         </p:spPr>
         <p:txBody>
@@ -6438,7 +6712,7 @@
         </p:nvSpPr>
         <p:spPr>
           <a:xfrm>
-            <a:off x="611560" y="260649"/>
+            <a:off x="2135560" y="260649"/>
             <a:ext cx="7772400" cy="720080"/>
           </a:xfrm>
         </p:spPr>
@@ -6469,8 +6743,8 @@
         </p:nvSpPr>
         <p:spPr>
           <a:xfrm>
-            <a:off x="611560" y="1124744"/>
-            <a:ext cx="7920880" cy="5256584"/>
+            <a:off x="407368" y="1124744"/>
+            <a:ext cx="11377264" cy="5256584"/>
           </a:xfrm>
         </p:spPr>
         <p:txBody>
@@ -6481,7 +6755,7 @@
           <a:p>
             <a:pPr algn="l"/>
             <a:r>
-              <a:rPr lang="en-US" sz="2000" dirty="0" smtClean="0">
+              <a:rPr lang="en-US" sz="2000" dirty="0">
                 <a:solidFill>
                   <a:schemeClr val="tx1"/>
                 </a:solidFill>
@@ -6541,7 +6815,7 @@
         </p:nvSpPr>
         <p:spPr>
           <a:xfrm>
-            <a:off x="611560" y="260649"/>
+            <a:off x="2135560" y="260649"/>
             <a:ext cx="7772400" cy="720080"/>
           </a:xfrm>
         </p:spPr>
@@ -6571,8 +6845,8 @@
         </p:nvSpPr>
         <p:spPr>
           <a:xfrm>
-            <a:off x="611560" y="1124744"/>
-            <a:ext cx="7920880" cy="4946104"/>
+            <a:off x="407368" y="1124744"/>
+            <a:ext cx="11305256" cy="5328592"/>
           </a:xfrm>
         </p:spPr>
         <p:txBody>
@@ -6581,9 +6855,12 @@
           </a:bodyPr>
           <a:lstStyle/>
           <a:p>
-            <a:pPr algn="l"/>
-            <a:r>
-              <a:rPr lang="en-US" sz="2000" dirty="0" smtClean="0">
+            <a:pPr marL="342900" indent="-342900" algn="l">
+              <a:buFont typeface="Arial" panose="020B0604020202020204" pitchFamily="34" charset="0"/>
+              <a:buChar char="•"/>
+            </a:pPr>
+            <a:r>
+              <a:rPr lang="en-US" sz="2400" dirty="0">
                 <a:solidFill>
                   <a:schemeClr val="tx1"/>
                 </a:solidFill>
@@ -6592,9 +6869,12 @@
             </a:r>
           </a:p>
           <a:p>
-            <a:pPr algn="l"/>
-            <a:r>
-              <a:rPr lang="en-US" sz="2000" dirty="0" smtClean="0">
+            <a:pPr marL="342900" indent="-342900" algn="l">
+              <a:buFont typeface="Arial" panose="020B0604020202020204" pitchFamily="34" charset="0"/>
+              <a:buChar char="•"/>
+            </a:pPr>
+            <a:r>
+              <a:rPr lang="en-US" sz="2400" dirty="0">
                 <a:solidFill>
                   <a:schemeClr val="tx1"/>
                 </a:solidFill>
@@ -6603,25 +6883,31 @@
             </a:r>
           </a:p>
           <a:p>
-            <a:pPr algn="l"/>
-            <a:r>
-              <a:rPr lang="en-US" sz="2000" dirty="0">
+            <a:pPr marL="342900" indent="-342900" algn="l">
+              <a:buFont typeface="Arial" panose="020B0604020202020204" pitchFamily="34" charset="0"/>
+              <a:buChar char="•"/>
+            </a:pPr>
+            <a:r>
+              <a:rPr lang="en-US" sz="2400" dirty="0">
                 <a:solidFill>
                   <a:schemeClr val="tx1"/>
                 </a:solidFill>
               </a:rPr>
               <a:t>Inheritance</a:t>
             </a:r>
-            <a:endParaRPr lang="ru-RU" sz="2000" dirty="0">
+            <a:endParaRPr lang="ru-RU" sz="2400" dirty="0">
               <a:solidFill>
                 <a:schemeClr val="tx1"/>
               </a:solidFill>
             </a:endParaRPr>
           </a:p>
           <a:p>
-            <a:pPr algn="l"/>
-            <a:r>
-              <a:rPr lang="en-US" sz="2000" dirty="0" smtClean="0">
+            <a:pPr marL="342900" indent="-342900" algn="l">
+              <a:buFont typeface="Arial" panose="020B0604020202020204" pitchFamily="34" charset="0"/>
+              <a:buChar char="•"/>
+            </a:pPr>
+            <a:r>
+              <a:rPr lang="en-US" sz="2400" dirty="0">
                 <a:solidFill>
                   <a:schemeClr val="tx1"/>
                 </a:solidFill>
@@ -6673,7 +6959,7 @@
         </p:nvSpPr>
         <p:spPr>
           <a:xfrm>
-            <a:off x="611560" y="260649"/>
+            <a:off x="2135560" y="260649"/>
             <a:ext cx="7772400" cy="720080"/>
           </a:xfrm>
         </p:spPr>
@@ -6704,8 +6990,8 @@
         </p:nvSpPr>
         <p:spPr>
           <a:xfrm>
-            <a:off x="611560" y="1124744"/>
-            <a:ext cx="7920880" cy="5256584"/>
+            <a:off x="335360" y="1124744"/>
+            <a:ext cx="11449272" cy="5256584"/>
           </a:xfrm>
         </p:spPr>
         <p:txBody>
@@ -6716,7 +7002,7 @@
           <a:p>
             <a:pPr algn="l"/>
             <a:r>
-              <a:rPr lang="en-US" sz="2000" dirty="0" smtClean="0">
+              <a:rPr lang="en-US" sz="2000" dirty="0">
                 <a:solidFill>
                   <a:schemeClr val="tx1"/>
                 </a:solidFill>
@@ -6726,7 +7012,7 @@
           </a:p>
           <a:p>
             <a:pPr algn="l"/>
-            <a:endParaRPr lang="en-US" sz="2000" dirty="0" smtClean="0">
+            <a:endParaRPr lang="en-US" sz="2000" dirty="0">
               <a:solidFill>
                 <a:schemeClr val="tx1"/>
               </a:solidFill>
@@ -6735,7 +7021,7 @@
           <a:p>
             <a:pPr algn="l"/>
             <a:r>
-              <a:rPr lang="en-US" sz="2000" dirty="0" smtClean="0">
+              <a:rPr lang="en-US" sz="2000" dirty="0">
                 <a:solidFill>
                   <a:schemeClr val="tx1"/>
                 </a:solidFill>
@@ -6746,7 +7032,7 @@
           <a:p>
             <a:pPr algn="l"/>
             <a:r>
-              <a:rPr lang="en-US" sz="2000" dirty="0" smtClean="0">
+              <a:rPr lang="en-US" sz="2000" dirty="0">
                 <a:solidFill>
                   <a:schemeClr val="tx1"/>
                 </a:solidFill>
@@ -6757,7 +7043,7 @@
           <a:p>
             <a:pPr algn="l"/>
             <a:r>
-              <a:rPr lang="en-US" sz="2000" dirty="0" smtClean="0">
+              <a:rPr lang="en-US" sz="2000" dirty="0">
                 <a:solidFill>
                   <a:schemeClr val="tx1"/>
                 </a:solidFill>
@@ -6822,7 +7108,7 @@
         </p:nvSpPr>
         <p:spPr>
           <a:xfrm>
-            <a:off x="611560" y="260649"/>
+            <a:off x="2135560" y="260649"/>
             <a:ext cx="7772400" cy="720080"/>
           </a:xfrm>
         </p:spPr>
@@ -6835,7 +7121,7 @@
             <a:pPr marL="342900" indent="-342900"/>
             <a:r>
               <a:rPr lang="en-US" dirty="0" smtClean="0"/>
-              <a:t>Best practice list</a:t>
+              <a:t>Fail fast and fail safe</a:t>
             </a:r>
             <a:endParaRPr lang="en-US" dirty="0"/>
           </a:p>
@@ -6853,8 +7139,8 @@
         </p:nvSpPr>
         <p:spPr>
           <a:xfrm>
-            <a:off x="467544" y="980728"/>
-            <a:ext cx="8352928" cy="5400600"/>
+            <a:off x="407368" y="1124744"/>
+            <a:ext cx="11449272" cy="5256584"/>
           </a:xfrm>
         </p:spPr>
         <p:txBody>
@@ -6865,206 +7151,29 @@
           <a:p>
             <a:pPr algn="l"/>
             <a:r>
-              <a:rPr lang="en-US" sz="2000" dirty="0" err="1" smtClean="0">
-                <a:solidFill>
-                  <a:schemeClr val="tx1"/>
-                </a:solidFill>
-              </a:rPr>
-              <a:t>Minimise</a:t>
-            </a:r>
-            <a:r>
-              <a:rPr lang="en-US" sz="2000" dirty="0" smtClean="0">
-                <a:solidFill>
-                  <a:schemeClr val="tx1"/>
-                </a:solidFill>
-              </a:rPr>
-              <a:t> </a:t>
-            </a:r>
-            <a:r>
-              <a:rPr lang="en-US" sz="2000" dirty="0" err="1" smtClean="0">
-                <a:solidFill>
-                  <a:schemeClr val="tx1"/>
-                </a:solidFill>
-              </a:rPr>
-              <a:t>accessability</a:t>
-            </a:r>
-            <a:endParaRPr lang="en-US" sz="2000" dirty="0" smtClean="0">
-              <a:solidFill>
-                <a:schemeClr val="tx1"/>
-              </a:solidFill>
-            </a:endParaRPr>
-          </a:p>
-          <a:p>
-            <a:pPr algn="l"/>
-            <a:r>
-              <a:rPr lang="en-US" sz="2000" dirty="0" smtClean="0">
-                <a:solidFill>
-                  <a:schemeClr val="tx1"/>
-                </a:solidFill>
-              </a:rPr>
-              <a:t>Prefer immutable classes</a:t>
-            </a:r>
-          </a:p>
-          <a:p>
-            <a:pPr algn="l"/>
-            <a:r>
-              <a:rPr lang="en-US" sz="2000" dirty="0" smtClean="0">
-                <a:solidFill>
-                  <a:schemeClr val="tx1"/>
-                </a:solidFill>
-              </a:rPr>
-              <a:t>Prefer composition to inheritance</a:t>
-            </a:r>
-          </a:p>
-          <a:p>
-            <a:pPr algn="l"/>
-            <a:r>
-              <a:rPr lang="en-US" sz="2000" dirty="0" smtClean="0">
-                <a:solidFill>
-                  <a:schemeClr val="tx1"/>
-                </a:solidFill>
-              </a:rPr>
-              <a:t>Do not use row type</a:t>
-            </a:r>
-          </a:p>
-          <a:p>
-            <a:pPr algn="l"/>
-            <a:r>
-              <a:rPr lang="en-US" sz="2000" dirty="0" smtClean="0">
-                <a:solidFill>
-                  <a:schemeClr val="tx1"/>
-                </a:solidFill>
-              </a:rPr>
-              <a:t>Do not use arrays</a:t>
-            </a:r>
-          </a:p>
-          <a:p>
-            <a:pPr algn="l"/>
-            <a:r>
-              <a:rPr lang="en-US" sz="2000" dirty="0" smtClean="0">
-                <a:solidFill>
-                  <a:schemeClr val="tx1"/>
-                </a:solidFill>
-              </a:rPr>
-              <a:t>Always use </a:t>
-            </a:r>
-            <a:r>
-              <a:rPr lang="en-US" sz="2000" dirty="0" err="1" smtClean="0">
-                <a:solidFill>
-                  <a:schemeClr val="tx1"/>
-                </a:solidFill>
-              </a:rPr>
-              <a:t>enum</a:t>
-            </a:r>
-            <a:r>
-              <a:rPr lang="en-US" sz="2000" dirty="0" smtClean="0">
-                <a:solidFill>
-                  <a:schemeClr val="tx1"/>
-                </a:solidFill>
-              </a:rPr>
-              <a:t> whenever you have limited value scope. Never use String in such cases</a:t>
-            </a:r>
-          </a:p>
-          <a:p>
-            <a:pPr algn="l"/>
-            <a:r>
-              <a:rPr lang="en-US" sz="2000" dirty="0" smtClean="0">
-                <a:solidFill>
-                  <a:schemeClr val="tx1"/>
-                </a:solidFill>
-              </a:rPr>
-              <a:t>Validate parameters</a:t>
-            </a:r>
-          </a:p>
-          <a:p>
-            <a:pPr algn="l"/>
-            <a:r>
-              <a:rPr lang="en-US" sz="2000" dirty="0" smtClean="0">
-                <a:solidFill>
-                  <a:schemeClr val="tx1"/>
-                </a:solidFill>
-              </a:rPr>
-              <a:t>When declare variable or parameter use interfaces instead of specific class</a:t>
-            </a:r>
-          </a:p>
-          <a:p>
-            <a:pPr algn="l"/>
-            <a:r>
-              <a:rPr lang="en-US" sz="2000" dirty="0" smtClean="0">
-                <a:solidFill>
-                  <a:schemeClr val="tx1"/>
-                </a:solidFill>
-              </a:rPr>
-              <a:t>Always close resources safely</a:t>
-            </a:r>
-          </a:p>
-          <a:p>
-            <a:pPr algn="l"/>
-            <a:r>
-              <a:rPr lang="en-US" sz="2000" dirty="0" smtClean="0">
-                <a:solidFill>
-                  <a:schemeClr val="tx1"/>
-                </a:solidFill>
-              </a:rPr>
-              <a:t>Do not use deprecated methods</a:t>
-            </a:r>
-          </a:p>
-          <a:p>
-            <a:pPr algn="l"/>
-            <a:r>
-              <a:rPr lang="en-US" sz="2000" dirty="0" smtClean="0">
-                <a:solidFill>
-                  <a:schemeClr val="tx1"/>
-                </a:solidFill>
-              </a:rPr>
-              <a:t>Do not hardcode configuration</a:t>
-            </a:r>
-          </a:p>
-          <a:p>
-            <a:pPr algn="l"/>
-            <a:r>
-              <a:rPr lang="en-US" sz="2000" dirty="0" smtClean="0">
-                <a:solidFill>
-                  <a:schemeClr val="tx1"/>
-                </a:solidFill>
-              </a:rPr>
-              <a:t>Use static import for frequently used utility class methods and constants</a:t>
-            </a:r>
-          </a:p>
-          <a:p>
-            <a:pPr algn="l"/>
-            <a:r>
-              <a:rPr lang="en-US" sz="2000" dirty="0" smtClean="0">
-                <a:solidFill>
-                  <a:schemeClr val="tx1"/>
-                </a:solidFill>
-              </a:rPr>
-              <a:t>Always log caught exceptions</a:t>
-            </a:r>
-          </a:p>
-          <a:p>
-            <a:pPr algn="l"/>
-            <a:endParaRPr lang="en-US" sz="2000" dirty="0" smtClean="0">
-              <a:solidFill>
-                <a:schemeClr val="tx1"/>
-              </a:solidFill>
-            </a:endParaRPr>
-          </a:p>
-          <a:p>
-            <a:pPr algn="l"/>
-            <a:endParaRPr lang="en-US" sz="2000" dirty="0" smtClean="0">
-              <a:solidFill>
-                <a:schemeClr val="tx1"/>
-              </a:solidFill>
-            </a:endParaRPr>
-          </a:p>
-          <a:p>
-            <a:pPr algn="l"/>
-            <a:endParaRPr lang="en-US" sz="2000" dirty="0" smtClean="0">
-              <a:solidFill>
-                <a:schemeClr val="tx1"/>
-              </a:solidFill>
-            </a:endParaRPr>
+              <a:rPr lang="en-US" sz="2000" dirty="0">
+                <a:solidFill>
+                  <a:schemeClr val="tx1"/>
+                </a:solidFill>
+              </a:rPr>
+              <a:t>A </a:t>
+            </a:r>
+            <a:r>
+              <a:rPr lang="en-US" sz="2000" dirty="0">
+                <a:solidFill>
+                  <a:schemeClr val="tx1"/>
+                </a:solidFill>
+              </a:rPr>
+              <a:t>fail-fast system is one which immediately reports at its interface any condition that is likely to indicate a failure. Fail-fast systems are usually designed to stop normal operation rather than attempt to continue a possibly flawed </a:t>
+            </a:r>
+            <a:r>
+              <a:rPr lang="en-US" sz="2000" dirty="0">
+                <a:solidFill>
+                  <a:schemeClr val="tx1"/>
+                </a:solidFill>
+              </a:rPr>
+              <a:t>process.</a:t>
+            </a:r>
           </a:p>
           <a:p>
             <a:pPr algn="l"/>
@@ -7074,12 +7183,63 @@
               </a:solidFill>
             </a:endParaRPr>
           </a:p>
+          <a:p>
+            <a:pPr algn="l"/>
+            <a:r>
+              <a:rPr lang="en-US" sz="2000" dirty="0">
+                <a:solidFill>
+                  <a:schemeClr val="tx1"/>
+                </a:solidFill>
+              </a:rPr>
+              <a:t>A </a:t>
+            </a:r>
+            <a:r>
+              <a:rPr lang="en-US" sz="2000" dirty="0">
+                <a:solidFill>
+                  <a:schemeClr val="tx1"/>
+                </a:solidFill>
+              </a:rPr>
+              <a:t>fail safe system </a:t>
+            </a:r>
+            <a:r>
+              <a:rPr lang="en-US" sz="2000" dirty="0">
+                <a:solidFill>
+                  <a:schemeClr val="tx1"/>
+                </a:solidFill>
+              </a:rPr>
+              <a:t>is expected to eventually fail but when it does it will be in a safe </a:t>
+            </a:r>
+            <a:r>
+              <a:rPr lang="en-US" sz="2000" dirty="0">
+                <a:solidFill>
+                  <a:schemeClr val="tx1"/>
+                </a:solidFill>
+              </a:rPr>
+              <a:t>way.</a:t>
+            </a:r>
+          </a:p>
+          <a:p>
+            <a:pPr algn="l"/>
+            <a:endParaRPr lang="en-US" sz="2000" dirty="0">
+              <a:solidFill>
+                <a:schemeClr val="tx1"/>
+              </a:solidFill>
+            </a:endParaRPr>
+          </a:p>
+          <a:p>
+            <a:pPr algn="l"/>
+            <a:endParaRPr lang="en-US" sz="2000" dirty="0">
+              <a:solidFill>
+                <a:schemeClr val="tx1"/>
+              </a:solidFill>
+            </a:endParaRPr>
+          </a:p>
         </p:txBody>
       </p:sp>
     </p:spTree>
     <p:extLst>
       <p:ext uri="{BB962C8B-B14F-4D97-AF65-F5344CB8AC3E}">
-        <p14:creationId xmlns:p14="http://schemas.microsoft.com/office/powerpoint/2010/main" val="1848776700"/>
+        <p14:creationId xmlns:p14="http://schemas.microsoft.com/office/powerpoint/2010/main" val="2372027191"/>
       </p:ext>
     </p:extLst>
   </p:cSld>
@@ -7118,7 +7278,7 @@
         </p:nvSpPr>
         <p:spPr>
           <a:xfrm>
-            <a:off x="611560" y="260649"/>
+            <a:off x="2135560" y="260649"/>
             <a:ext cx="7772400" cy="720080"/>
           </a:xfrm>
         </p:spPr>
@@ -7131,7 +7291,7 @@
             <a:pPr marL="342900" indent="-342900"/>
             <a:r>
               <a:rPr lang="en-US" dirty="0" smtClean="0"/>
-              <a:t>JCC</a:t>
+              <a:t>Best practice list</a:t>
             </a:r>
             <a:endParaRPr lang="en-US" dirty="0"/>
           </a:p>
@@ -7149,168 +7309,274 @@
         </p:nvSpPr>
         <p:spPr>
           <a:xfrm>
-            <a:off x="611560" y="1124744"/>
-            <a:ext cx="7920880" cy="5256584"/>
+            <a:off x="407368" y="980728"/>
+            <a:ext cx="11377264" cy="5400600"/>
           </a:xfrm>
         </p:spPr>
         <p:txBody>
           <a:bodyPr>
-            <a:normAutofit/>
+            <a:normAutofit lnSpcReduction="10000"/>
           </a:bodyPr>
           <a:lstStyle/>
           <a:p>
-            <a:pPr algn="l"/>
+            <a:pPr marL="342900" indent="-342900" algn="l">
+              <a:buFont typeface="Arial" panose="020B0604020202020204" pitchFamily="34" charset="0"/>
+              <a:buChar char="•"/>
+            </a:pPr>
+            <a:r>
+              <a:rPr lang="en-US" sz="2000" dirty="0" err="1">
+                <a:solidFill>
+                  <a:schemeClr val="tx1"/>
+                </a:solidFill>
+              </a:rPr>
+              <a:t>Minimise</a:t>
+            </a:r>
             <a:r>
               <a:rPr lang="en-US" sz="2000" dirty="0">
                 <a:solidFill>
                   <a:schemeClr val="tx1"/>
                 </a:solidFill>
               </a:rPr>
-              <a:t>Why Have Code Conventions</a:t>
-            </a:r>
-          </a:p>
-          <a:p>
-            <a:pPr algn="l"/>
+              <a:t> </a:t>
+            </a:r>
+            <a:r>
+              <a:rPr lang="en-US" sz="2000" dirty="0" err="1">
+                <a:solidFill>
+                  <a:schemeClr val="tx1"/>
+                </a:solidFill>
+              </a:rPr>
+              <a:t>accessability</a:t>
+            </a:r>
+            <a:endParaRPr lang="en-US" sz="2000" dirty="0">
+              <a:solidFill>
+                <a:schemeClr val="tx1"/>
+              </a:solidFill>
+            </a:endParaRPr>
+          </a:p>
+          <a:p>
+            <a:pPr marL="342900" indent="-342900" algn="l">
+              <a:buFont typeface="Arial" panose="020B0604020202020204" pitchFamily="34" charset="0"/>
+              <a:buChar char="•"/>
+            </a:pPr>
             <a:r>
               <a:rPr lang="en-US" sz="2000" dirty="0">
                 <a:solidFill>
                   <a:schemeClr val="tx1"/>
                 </a:solidFill>
               </a:rPr>
-              <a:t>Code conventions are important to programmers for a number of reasons:</a:t>
-            </a:r>
-          </a:p>
-          <a:p>
-            <a:pPr algn="l"/>
+              <a:t>Prefer immutable classes</a:t>
+            </a:r>
+          </a:p>
+          <a:p>
+            <a:pPr marL="342900" indent="-342900" algn="l">
+              <a:buFont typeface="Arial" panose="020B0604020202020204" pitchFamily="34" charset="0"/>
+              <a:buChar char="•"/>
+            </a:pPr>
+            <a:r>
+              <a:rPr lang="en-US" sz="2000" dirty="0">
+                <a:solidFill>
+                  <a:schemeClr val="tx1"/>
+                </a:solidFill>
+              </a:rPr>
+              <a:t>Prefer composition to inheritance</a:t>
+            </a:r>
+          </a:p>
+          <a:p>
+            <a:pPr marL="342900" indent="-342900" algn="l">
+              <a:buFont typeface="Arial" panose="020B0604020202020204" pitchFamily="34" charset="0"/>
+              <a:buChar char="•"/>
+            </a:pPr>
+            <a:r>
+              <a:rPr lang="en-US" sz="2000" dirty="0">
+                <a:solidFill>
+                  <a:schemeClr val="tx1"/>
+                </a:solidFill>
+              </a:rPr>
+              <a:t>Do not use row type</a:t>
+            </a:r>
+          </a:p>
+          <a:p>
+            <a:pPr marL="342900" indent="-342900" algn="l">
+              <a:buFont typeface="Arial" panose="020B0604020202020204" pitchFamily="34" charset="0"/>
+              <a:buChar char="•"/>
+            </a:pPr>
+            <a:r>
+              <a:rPr lang="en-US" sz="2000" dirty="0">
+                <a:solidFill>
+                  <a:schemeClr val="tx1"/>
+                </a:solidFill>
+              </a:rPr>
+              <a:t>Do not use arrays</a:t>
+            </a:r>
+          </a:p>
+          <a:p>
+            <a:pPr marL="342900" indent="-342900" algn="l">
+              <a:buFont typeface="Arial" panose="020B0604020202020204" pitchFamily="34" charset="0"/>
+              <a:buChar char="•"/>
+            </a:pPr>
+            <a:r>
+              <a:rPr lang="en-US" sz="2000" dirty="0">
+                <a:solidFill>
+                  <a:schemeClr val="tx1"/>
+                </a:solidFill>
+              </a:rPr>
+              <a:t>Always use </a:t>
+            </a:r>
+            <a:r>
+              <a:rPr lang="en-US" sz="2000" dirty="0" err="1">
+                <a:solidFill>
+                  <a:schemeClr val="tx1"/>
+                </a:solidFill>
+              </a:rPr>
+              <a:t>enum</a:t>
+            </a:r>
+            <a:r>
+              <a:rPr lang="en-US" sz="2000" dirty="0">
+                <a:solidFill>
+                  <a:schemeClr val="tx1"/>
+                </a:solidFill>
+              </a:rPr>
+              <a:t> whenever you have limited value scope. Never use String in such cases</a:t>
+            </a:r>
+          </a:p>
+          <a:p>
+            <a:pPr marL="342900" indent="-342900" algn="l">
+              <a:buFont typeface="Arial" panose="020B0604020202020204" pitchFamily="34" charset="0"/>
+              <a:buChar char="•"/>
+            </a:pPr>
+            <a:r>
+              <a:rPr lang="en-US" sz="2000" dirty="0">
+                <a:solidFill>
+                  <a:schemeClr val="tx1"/>
+                </a:solidFill>
+              </a:rPr>
+              <a:t>Validate parameters</a:t>
+            </a:r>
+          </a:p>
+          <a:p>
+            <a:pPr marL="342900" indent="-342900" algn="l">
+              <a:buFont typeface="Arial" panose="020B0604020202020204" pitchFamily="34" charset="0"/>
+              <a:buChar char="•"/>
+            </a:pPr>
+            <a:r>
+              <a:rPr lang="en-US" sz="2000" dirty="0">
+                <a:solidFill>
+                  <a:schemeClr val="tx1"/>
+                </a:solidFill>
+              </a:rPr>
+              <a:t>When declare variable or parameter use interfaces instead of specific class</a:t>
+            </a:r>
+          </a:p>
+          <a:p>
+            <a:pPr marL="342900" indent="-342900" algn="l">
+              <a:buFont typeface="Arial" panose="020B0604020202020204" pitchFamily="34" charset="0"/>
+              <a:buChar char="•"/>
+            </a:pPr>
+            <a:r>
+              <a:rPr lang="en-US" sz="2000" dirty="0">
+                <a:solidFill>
+                  <a:schemeClr val="tx1"/>
+                </a:solidFill>
+              </a:rPr>
+              <a:t>Always close resources safely</a:t>
+            </a:r>
+          </a:p>
+          <a:p>
+            <a:pPr marL="342900" indent="-342900" algn="l">
+              <a:buFont typeface="Arial" panose="020B0604020202020204" pitchFamily="34" charset="0"/>
+              <a:buChar char="•"/>
+            </a:pPr>
+            <a:r>
+              <a:rPr lang="en-US" sz="2000" dirty="0">
+                <a:solidFill>
+                  <a:schemeClr val="tx1"/>
+                </a:solidFill>
+              </a:rPr>
+              <a:t>Do not use deprecated methods</a:t>
+            </a:r>
+          </a:p>
+          <a:p>
+            <a:pPr marL="342900" indent="-342900" algn="l">
+              <a:buFont typeface="Arial" panose="020B0604020202020204" pitchFamily="34" charset="0"/>
+              <a:buChar char="•"/>
+            </a:pPr>
+            <a:r>
+              <a:rPr lang="en-US" sz="2000" dirty="0">
+                <a:solidFill>
+                  <a:schemeClr val="tx1"/>
+                </a:solidFill>
+              </a:rPr>
+              <a:t>Do not hardcode configuration</a:t>
+            </a:r>
+          </a:p>
+          <a:p>
+            <a:pPr marL="342900" indent="-342900" algn="l">
+              <a:buFont typeface="Arial" panose="020B0604020202020204" pitchFamily="34" charset="0"/>
+              <a:buChar char="•"/>
+            </a:pPr>
+            <a:r>
+              <a:rPr lang="en-US" sz="2000" dirty="0">
+                <a:solidFill>
+                  <a:schemeClr val="tx1"/>
+                </a:solidFill>
+              </a:rPr>
+              <a:t>Use static import for frequently used utility class methods and constants</a:t>
+            </a:r>
+          </a:p>
+          <a:p>
+            <a:pPr marL="342900" indent="-342900" algn="l">
+              <a:buFont typeface="Arial" panose="020B0604020202020204" pitchFamily="34" charset="0"/>
+              <a:buChar char="•"/>
+            </a:pPr>
+            <a:r>
+              <a:rPr lang="en-US" sz="2000" dirty="0">
+                <a:solidFill>
+                  <a:schemeClr val="tx1"/>
+                </a:solidFill>
+              </a:rPr>
+              <a:t>Always log caught </a:t>
+            </a:r>
             <a:r>
               <a:rPr lang="en-US" sz="2000" dirty="0" smtClean="0">
                 <a:solidFill>
                   <a:schemeClr val="tx1"/>
                 </a:solidFill>
               </a:rPr>
-              <a:t>• 80</a:t>
-            </a:r>
-            <a:r>
-              <a:rPr lang="en-US" sz="2000" dirty="0">
-                <a:solidFill>
-                  <a:schemeClr val="tx1"/>
-                </a:solidFill>
-              </a:rPr>
-              <a:t>% of the lifetime cost of a piece of software goes to maintenance.</a:t>
-            </a:r>
-          </a:p>
-          <a:p>
-            <a:pPr algn="l"/>
+              <a:t>exceptions</a:t>
+            </a:r>
+          </a:p>
+          <a:p>
+            <a:pPr marL="342900" indent="-342900" algn="l">
+              <a:buFont typeface="Arial" panose="020B0604020202020204" pitchFamily="34" charset="0"/>
+              <a:buChar char="•"/>
+            </a:pPr>
             <a:r>
               <a:rPr lang="en-US" sz="2000" dirty="0" smtClean="0">
                 <a:solidFill>
                   <a:schemeClr val="tx1"/>
                 </a:solidFill>
               </a:rPr>
-              <a:t>• Hardly </a:t>
-            </a:r>
-            <a:r>
-              <a:rPr lang="en-US" sz="2000" dirty="0">
-                <a:solidFill>
-                  <a:schemeClr val="tx1"/>
-                </a:solidFill>
-              </a:rPr>
-              <a:t>any software is maintained for its whole life by the original author.</a:t>
-            </a:r>
-          </a:p>
-          <a:p>
-            <a:pPr algn="l"/>
+              <a:t>Reduce I/O operations number</a:t>
+            </a:r>
+          </a:p>
+          <a:p>
+            <a:pPr marL="342900" indent="-342900" algn="l">
+              <a:buFont typeface="Arial" panose="020B0604020202020204" pitchFamily="34" charset="0"/>
+              <a:buChar char="•"/>
+            </a:pPr>
             <a:r>
               <a:rPr lang="en-US" sz="2000" dirty="0" smtClean="0">
                 <a:solidFill>
                   <a:schemeClr val="tx1"/>
                 </a:solidFill>
               </a:rPr>
-              <a:t>• Code </a:t>
-            </a:r>
-            <a:r>
-              <a:rPr lang="en-US" sz="2000" dirty="0">
-                <a:solidFill>
-                  <a:schemeClr val="tx1"/>
-                </a:solidFill>
-              </a:rPr>
-              <a:t>conventions improve the readability of the software, allowing engineers </a:t>
-            </a:r>
-            <a:r>
-              <a:rPr lang="en-US" sz="2000" dirty="0" smtClean="0">
-                <a:solidFill>
-                  <a:schemeClr val="tx1"/>
-                </a:solidFill>
-              </a:rPr>
-              <a:t>to understand </a:t>
-            </a:r>
-            <a:r>
-              <a:rPr lang="en-US" sz="2000" dirty="0">
-                <a:solidFill>
-                  <a:schemeClr val="tx1"/>
-                </a:solidFill>
-              </a:rPr>
-              <a:t>new code more quickly and thoroughly.</a:t>
-            </a:r>
-          </a:p>
-          <a:p>
-            <a:pPr algn="l"/>
-            <a:r>
-              <a:rPr lang="en-US" sz="2000" dirty="0" smtClean="0">
-                <a:solidFill>
-                  <a:schemeClr val="tx1"/>
-                </a:solidFill>
-              </a:rPr>
-              <a:t>• If </a:t>
-            </a:r>
-            <a:r>
-              <a:rPr lang="en-US" sz="2000" dirty="0">
-                <a:solidFill>
-                  <a:schemeClr val="tx1"/>
-                </a:solidFill>
-              </a:rPr>
-              <a:t>you ship your source code as a product, you need to make sure it is as well </a:t>
-            </a:r>
-            <a:r>
-              <a:rPr lang="en-US" sz="2000" dirty="0" smtClean="0">
-                <a:solidFill>
-                  <a:schemeClr val="tx1"/>
-                </a:solidFill>
-              </a:rPr>
-              <a:t>packaged and </a:t>
-            </a:r>
-            <a:r>
-              <a:rPr lang="en-US" sz="2000" dirty="0">
-                <a:solidFill>
-                  <a:schemeClr val="tx1"/>
-                </a:solidFill>
-              </a:rPr>
-              <a:t>clean as any </a:t>
-            </a:r>
-            <a:r>
-              <a:rPr lang="en-US" sz="2000" dirty="0" smtClean="0">
-                <a:solidFill>
-                  <a:schemeClr val="tx1"/>
-                </a:solidFill>
-              </a:rPr>
-              <a:t>other </a:t>
-            </a:r>
-            <a:r>
-              <a:rPr lang="en-US" sz="2000" dirty="0">
-                <a:solidFill>
-                  <a:schemeClr val="tx1"/>
-                </a:solidFill>
-              </a:rPr>
-              <a:t>product you create</a:t>
-            </a:r>
-            <a:r>
-              <a:rPr lang="en-US" sz="2000" dirty="0" smtClean="0">
-                <a:solidFill>
-                  <a:schemeClr val="tx1"/>
-                </a:solidFill>
-              </a:rPr>
-              <a:t>.</a:t>
-            </a:r>
+              <a:t>Avoid low level optimizations</a:t>
+            </a:r>
+            <a:endParaRPr lang="en-US" sz="2000" dirty="0">
+              <a:solidFill>
+                <a:schemeClr val="tx1"/>
+              </a:solidFill>
+            </a:endParaRPr>
           </a:p>
           <a:p>
             <a:pPr algn="l"/>
@@ -7322,6 +7588,145 @@
           </a:p>
           <a:p>
             <a:pPr algn="l"/>
+            <a:endParaRPr lang="en-US" sz="2000" dirty="0">
+              <a:solidFill>
+                <a:schemeClr val="tx1"/>
+              </a:solidFill>
+            </a:endParaRPr>
+          </a:p>
+        </p:txBody>
+      </p:sp>
+    </p:spTree>
+    <p:extLst>
+      <p:ext uri="{BB962C8B-B14F-4D97-AF65-F5344CB8AC3E}">
+        <p14:creationId xmlns:p14="http://schemas.microsoft.com/office/powerpoint/2010/main" val="215718008"/>
+      </p:ext>
+    </p:extLst>
+  </p:cSld>
+  <p:clrMapOvr>
+    <a:masterClrMapping/>
+  </p:clrMapOvr>
+</p:sld>
+</file>
+
+<file path=ppt/slides/slide33.xml><?xml version="1.0" encoding="utf-8"?>
+<p:sld xmlns:a="http://schemas.openxmlformats.org/drawingml/2006/main" xmlns:r="http://schemas.openxmlformats.org/officeDocument/2006/relationships" xmlns:p="http://schemas.openxmlformats.org/presentationml/2006/main">
+  <p:cSld>
+    <p:spTree>
+      <p:nvGrpSpPr>
+        <p:cNvPr id="1" name=""/>
+        <p:cNvGrpSpPr/>
+        <p:nvPr/>
+      </p:nvGrpSpPr>
+      <p:grpSpPr>
+        <a:xfrm>
+          <a:off x="0" y="0"/>
+          <a:ext cx="0" cy="0"/>
+          <a:chOff x="0" y="0"/>
+          <a:chExt cx="0" cy="0"/>
+        </a:xfrm>
+      </p:grpSpPr>
+      <p:sp>
+        <p:nvSpPr>
+          <p:cNvPr id="2" name="Заголовок 1"/>
+          <p:cNvSpPr>
+            <a:spLocks noGrp="1"/>
+          </p:cNvSpPr>
+          <p:nvPr>
+            <p:ph type="ctrTitle"/>
+          </p:nvPr>
+        </p:nvSpPr>
+        <p:spPr>
+          <a:xfrm>
+            <a:off x="2135560" y="260649"/>
+            <a:ext cx="7772400" cy="720080"/>
+          </a:xfrm>
+        </p:spPr>
+        <p:txBody>
+          <a:bodyPr>
+            <a:noAutofit/>
+          </a:bodyPr>
+          <a:lstStyle/>
+          <a:p>
+            <a:pPr marL="342900" indent="-342900"/>
+            <a:r>
+              <a:rPr lang="en-US" dirty="0" smtClean="0"/>
+              <a:t>Summary specific for tests</a:t>
+            </a:r>
+            <a:endParaRPr lang="en-US" dirty="0"/>
+          </a:p>
+        </p:txBody>
+      </p:sp>
+      <p:sp>
+        <p:nvSpPr>
+          <p:cNvPr id="3" name="Подзаголовок 2"/>
+          <p:cNvSpPr>
+            <a:spLocks noGrp="1"/>
+          </p:cNvSpPr>
+          <p:nvPr>
+            <p:ph type="subTitle" idx="1"/>
+          </p:nvPr>
+        </p:nvSpPr>
+        <p:spPr>
+          <a:xfrm>
+            <a:off x="407368" y="1124744"/>
+            <a:ext cx="11377264" cy="5256584"/>
+          </a:xfrm>
+        </p:spPr>
+        <p:txBody>
+          <a:bodyPr>
+            <a:normAutofit/>
+          </a:bodyPr>
+          <a:lstStyle/>
+          <a:p>
+            <a:pPr marL="342900" indent="-342900" algn="l">
+              <a:buFont typeface="Arial" panose="020B0604020202020204" pitchFamily="34" charset="0"/>
+              <a:buChar char="•"/>
+            </a:pPr>
+            <a:r>
+              <a:rPr lang="en-US" sz="2000" dirty="0" smtClean="0">
+                <a:solidFill>
+                  <a:schemeClr val="tx1"/>
+                </a:solidFill>
+              </a:rPr>
+              <a:t>Test specification is not a document that defines code architecture</a:t>
+            </a:r>
+          </a:p>
+          <a:p>
+            <a:pPr marL="342900" indent="-342900" algn="l">
+              <a:buFont typeface="Arial" panose="020B0604020202020204" pitchFamily="34" charset="0"/>
+              <a:buChar char="•"/>
+            </a:pPr>
+            <a:r>
+              <a:rPr lang="en-US" sz="2000" dirty="0" smtClean="0">
+                <a:solidFill>
+                  <a:schemeClr val="tx1"/>
+                </a:solidFill>
+              </a:rPr>
+              <a:t>General rule: if two tests do the same actions but with different parameters and expectations – they are one test</a:t>
+            </a:r>
+          </a:p>
+          <a:p>
+            <a:pPr marL="342900" indent="-342900" algn="l">
+              <a:buFont typeface="Arial" panose="020B0604020202020204" pitchFamily="34" charset="0"/>
+              <a:buChar char="•"/>
+            </a:pPr>
+            <a:r>
+              <a:rPr lang="en-US" sz="2000" dirty="0" smtClean="0">
+                <a:solidFill>
+                  <a:schemeClr val="tx1"/>
+                </a:solidFill>
+              </a:rPr>
+              <a:t>Do not </a:t>
+            </a:r>
+            <a:r>
+              <a:rPr lang="en-US" sz="2000" smtClean="0">
+                <a:solidFill>
+                  <a:schemeClr val="tx1"/>
+                </a:solidFill>
+              </a:rPr>
+              <a:t>split set-check-remove</a:t>
+            </a:r>
             <a:endParaRPr lang="en-US" sz="2000" dirty="0" smtClean="0">
               <a:solidFill>
                 <a:schemeClr val="tx1"/>
@@ -7329,21 +7734,93 @@
             </a:endParaRPr>
           </a:p>
           <a:p>
-            <a:pPr algn="l"/>
+            <a:pPr marL="342900" indent="-342900" algn="l">
+              <a:buFont typeface="Arial" panose="020B0604020202020204" pitchFamily="34" charset="0"/>
+              <a:buChar char="•"/>
+            </a:pPr>
             <a:r>
               <a:rPr lang="en-US" sz="2000" dirty="0" smtClean="0">
                 <a:solidFill>
                   <a:schemeClr val="tx1"/>
                 </a:solidFill>
-                <a:hlinkClick r:id="rId2"/>
-              </a:rPr>
-              <a:t>http://www.oracle.com/technetwork/java/codeconvtoc-136057.html</a:t>
-            </a:r>
-            <a:endParaRPr lang="en-US" sz="2000" dirty="0" smtClean="0">
+              </a:rPr>
+              <a:t>Avoid inheritance</a:t>
+            </a:r>
+            <a:endParaRPr lang="ru-RU" sz="2000" dirty="0" smtClean="0">
               <a:solidFill>
                 <a:schemeClr val="tx1"/>
               </a:solidFill>
             </a:endParaRPr>
+          </a:p>
+          <a:p>
+            <a:pPr marL="342900" indent="-342900" algn="l">
+              <a:buFont typeface="Arial" panose="020B0604020202020204" pitchFamily="34" charset="0"/>
+              <a:buChar char="•"/>
+            </a:pPr>
+            <a:r>
+              <a:rPr lang="en-US" sz="2000" dirty="0" smtClean="0">
+                <a:solidFill>
+                  <a:schemeClr val="tx1"/>
+                </a:solidFill>
+              </a:rPr>
+              <a:t>Keep your tests short and simple</a:t>
+            </a:r>
+          </a:p>
+          <a:p>
+            <a:pPr marL="342900" indent="-342900" algn="l">
+              <a:buFont typeface="Arial" panose="020B0604020202020204" pitchFamily="34" charset="0"/>
+              <a:buChar char="•"/>
+            </a:pPr>
+            <a:r>
+              <a:rPr lang="en-US" sz="2000" dirty="0" smtClean="0">
+                <a:solidFill>
+                  <a:schemeClr val="tx1"/>
+                </a:solidFill>
+              </a:rPr>
+              <a:t>Do not hardcode configuration</a:t>
+            </a:r>
+          </a:p>
+          <a:p>
+            <a:pPr marL="342900" indent="-342900" algn="l">
+              <a:buFont typeface="Arial" panose="020B0604020202020204" pitchFamily="34" charset="0"/>
+              <a:buChar char="•"/>
+            </a:pPr>
+            <a:r>
+              <a:rPr lang="en-US" sz="2000" dirty="0" smtClean="0">
+                <a:solidFill>
+                  <a:schemeClr val="tx1"/>
+                </a:solidFill>
+              </a:rPr>
+              <a:t>Use full power of test execution engine and JCAT lifecycle control to minimize test execution time</a:t>
+            </a:r>
+          </a:p>
+          <a:p>
+            <a:pPr marL="342900" indent="-342900" algn="l">
+              <a:buFont typeface="Arial" panose="020B0604020202020204" pitchFamily="34" charset="0"/>
+              <a:buChar char="•"/>
+            </a:pPr>
+            <a:r>
+              <a:rPr lang="en-US" sz="2000" dirty="0" smtClean="0">
+                <a:solidFill>
+                  <a:schemeClr val="tx1"/>
+                </a:solidFill>
+              </a:rPr>
+              <a:t>Always close resources safely</a:t>
+            </a:r>
+          </a:p>
+          <a:p>
+            <a:pPr marL="342900" indent="-342900" algn="l">
+              <a:buFont typeface="Arial" panose="020B0604020202020204" pitchFamily="34" charset="0"/>
+              <a:buChar char="•"/>
+            </a:pPr>
+            <a:r>
+              <a:rPr lang="en-US" sz="2000" dirty="0" smtClean="0">
+                <a:solidFill>
+                  <a:schemeClr val="tx1"/>
+                </a:solidFill>
+              </a:rPr>
+              <a:t>Keep your tests up do date, refactor it to use modern features to improve stability and reduce maintenance costs</a:t>
+            </a:r>
           </a:p>
           <a:p>
             <a:pPr algn="l"/>
@@ -7358,7 +7835,521 @@
     </p:spTree>
     <p:extLst>
       <p:ext uri="{BB962C8B-B14F-4D97-AF65-F5344CB8AC3E}">
+        <p14:creationId xmlns:p14="http://schemas.microsoft.com/office/powerpoint/2010/main" val="1848776700"/>
+      </p:ext>
+    </p:extLst>
+  </p:cSld>
+  <p:clrMapOvr>
+    <a:masterClrMapping/>
+  </p:clrMapOvr>
+</p:sld>
+</file>
+
+<file path=ppt/slides/slide34.xml><?xml version="1.0" encoding="utf-8"?>
+<p:sld xmlns:a="http://schemas.openxmlformats.org/drawingml/2006/main" xmlns:r="http://schemas.openxmlformats.org/officeDocument/2006/relationships" xmlns:p="http://schemas.openxmlformats.org/presentationml/2006/main">
+  <p:cSld>
+    <p:spTree>
+      <p:nvGrpSpPr>
+        <p:cNvPr id="1" name=""/>
+        <p:cNvGrpSpPr/>
+        <p:nvPr/>
+      </p:nvGrpSpPr>
+      <p:grpSpPr>
+        <a:xfrm>
+          <a:off x="0" y="0"/>
+          <a:ext cx="0" cy="0"/>
+          <a:chOff x="0" y="0"/>
+          <a:chExt cx="0" cy="0"/>
+        </a:xfrm>
+      </p:grpSpPr>
+      <p:sp>
+        <p:nvSpPr>
+          <p:cNvPr id="2" name="Заголовок 1"/>
+          <p:cNvSpPr>
+            <a:spLocks noGrp="1"/>
+          </p:cNvSpPr>
+          <p:nvPr>
+            <p:ph type="ctrTitle"/>
+          </p:nvPr>
+        </p:nvSpPr>
+        <p:spPr>
+          <a:xfrm>
+            <a:off x="2135560" y="260649"/>
+            <a:ext cx="7772400" cy="720080"/>
+          </a:xfrm>
+        </p:spPr>
+        <p:txBody>
+          <a:bodyPr>
+            <a:noAutofit/>
+          </a:bodyPr>
+          <a:lstStyle/>
+          <a:p>
+            <a:pPr marL="342900" indent="-342900"/>
+            <a:r>
+              <a:rPr lang="en-US" dirty="0" smtClean="0"/>
+              <a:t>JCC</a:t>
+            </a:r>
+            <a:endParaRPr lang="en-US" dirty="0"/>
+          </a:p>
+        </p:txBody>
+      </p:sp>
+      <p:sp>
+        <p:nvSpPr>
+          <p:cNvPr id="3" name="Подзаголовок 2"/>
+          <p:cNvSpPr>
+            <a:spLocks noGrp="1"/>
+          </p:cNvSpPr>
+          <p:nvPr>
+            <p:ph type="subTitle" idx="1"/>
+          </p:nvPr>
+        </p:nvSpPr>
+        <p:spPr>
+          <a:xfrm>
+            <a:off x="479376" y="1124744"/>
+            <a:ext cx="11233248" cy="5256584"/>
+          </a:xfrm>
+        </p:spPr>
+        <p:txBody>
+          <a:bodyPr>
+            <a:normAutofit/>
+          </a:bodyPr>
+          <a:lstStyle/>
+          <a:p>
+            <a:pPr algn="l"/>
+            <a:r>
+              <a:rPr lang="en-US" sz="2000" dirty="0">
+                <a:solidFill>
+                  <a:schemeClr val="tx1"/>
+                </a:solidFill>
+              </a:rPr>
+              <a:t>Why Have Code Conventions</a:t>
+            </a:r>
+          </a:p>
+          <a:p>
+            <a:pPr algn="l"/>
+            <a:r>
+              <a:rPr lang="en-US" sz="2000" dirty="0">
+                <a:solidFill>
+                  <a:schemeClr val="tx1"/>
+                </a:solidFill>
+              </a:rPr>
+              <a:t>Code conventions are important to programmers for a number of reasons:</a:t>
+            </a:r>
+          </a:p>
+          <a:p>
+            <a:pPr marL="342900" indent="-342900" algn="l">
+              <a:buFont typeface="Arial" panose="020B0604020202020204" pitchFamily="34" charset="0"/>
+              <a:buChar char="•"/>
+            </a:pPr>
+            <a:r>
+              <a:rPr lang="en-US" sz="2000" dirty="0" smtClean="0">
+                <a:solidFill>
+                  <a:schemeClr val="tx1"/>
+                </a:solidFill>
+              </a:rPr>
+              <a:t>80</a:t>
+            </a:r>
+            <a:r>
+              <a:rPr lang="en-US" sz="2000" dirty="0">
+                <a:solidFill>
+                  <a:schemeClr val="tx1"/>
+                </a:solidFill>
+              </a:rPr>
+              <a:t>% of the lifetime cost of a piece of software goes to maintenance.</a:t>
+            </a:r>
+          </a:p>
+          <a:p>
+            <a:pPr marL="342900" indent="-342900" algn="l">
+              <a:buFont typeface="Arial" panose="020B0604020202020204" pitchFamily="34" charset="0"/>
+              <a:buChar char="•"/>
+            </a:pPr>
+            <a:r>
+              <a:rPr lang="en-US" sz="2000" dirty="0" smtClean="0">
+                <a:solidFill>
+                  <a:schemeClr val="tx1"/>
+                </a:solidFill>
+              </a:rPr>
+              <a:t> </a:t>
+            </a:r>
+            <a:r>
+              <a:rPr lang="en-US" sz="2000" dirty="0">
+                <a:solidFill>
+                  <a:schemeClr val="tx1"/>
+                </a:solidFill>
+              </a:rPr>
+              <a:t>The general formatter makes code to look similar, so it is easy to read it and maintain.</a:t>
+            </a:r>
+          </a:p>
+          <a:p>
+            <a:pPr marL="342900" indent="-342900" algn="l">
+              <a:buFont typeface="Arial" panose="020B0604020202020204" pitchFamily="34" charset="0"/>
+              <a:buChar char="•"/>
+            </a:pPr>
+            <a:r>
+              <a:rPr lang="en-US" sz="2000" dirty="0">
+                <a:solidFill>
+                  <a:schemeClr val="tx1"/>
+                </a:solidFill>
+              </a:rPr>
+              <a:t>In some cases it may also prevent stupid mistakes</a:t>
+            </a:r>
+          </a:p>
+          <a:p>
+            <a:pPr marL="342900" indent="-342900" algn="l">
+              <a:buFont typeface="Arial" panose="020B0604020202020204" pitchFamily="34" charset="0"/>
+              <a:buChar char="•"/>
+            </a:pPr>
+            <a:r>
+              <a:rPr lang="en-US" sz="2000" dirty="0" smtClean="0">
+                <a:solidFill>
+                  <a:schemeClr val="tx1"/>
+                </a:solidFill>
+              </a:rPr>
+              <a:t>If </a:t>
+            </a:r>
+            <a:r>
+              <a:rPr lang="en-US" sz="2000" dirty="0">
+                <a:solidFill>
+                  <a:schemeClr val="tx1"/>
+                </a:solidFill>
+              </a:rPr>
+              <a:t>you ship your source code as a product, you need to make sure it is as well </a:t>
+            </a:r>
+            <a:r>
+              <a:rPr lang="en-US" sz="2000" dirty="0">
+                <a:solidFill>
+                  <a:schemeClr val="tx1"/>
+                </a:solidFill>
+              </a:rPr>
+              <a:t>packaged and </a:t>
+            </a:r>
+            <a:r>
+              <a:rPr lang="en-US" sz="2000" dirty="0">
+                <a:solidFill>
+                  <a:schemeClr val="tx1"/>
+                </a:solidFill>
+              </a:rPr>
+              <a:t>clean as any </a:t>
+            </a:r>
+            <a:r>
+              <a:rPr lang="en-US" sz="2000" dirty="0">
+                <a:solidFill>
+                  <a:schemeClr val="tx1"/>
+                </a:solidFill>
+              </a:rPr>
+              <a:t>other </a:t>
+            </a:r>
+            <a:r>
+              <a:rPr lang="en-US" sz="2000" dirty="0">
+                <a:solidFill>
+                  <a:schemeClr val="tx1"/>
+                </a:solidFill>
+              </a:rPr>
+              <a:t>product you create</a:t>
+            </a:r>
+            <a:r>
+              <a:rPr lang="en-US" sz="2000" dirty="0">
+                <a:solidFill>
+                  <a:schemeClr val="tx1"/>
+                </a:solidFill>
+              </a:rPr>
+              <a:t>.</a:t>
+            </a:r>
+          </a:p>
+          <a:p>
+            <a:pPr algn="l"/>
+            <a:endParaRPr lang="en-US" sz="2000" dirty="0">
+              <a:solidFill>
+                <a:schemeClr val="tx1"/>
+              </a:solidFill>
+            </a:endParaRPr>
+          </a:p>
+          <a:p>
+            <a:pPr algn="l"/>
+            <a:r>
+              <a:rPr lang="en-US" sz="2000" dirty="0">
+                <a:solidFill>
+                  <a:schemeClr val="tx1"/>
+                </a:solidFill>
+                <a:hlinkClick r:id="rId2"/>
+              </a:rPr>
+              <a:t>http://</a:t>
+            </a:r>
+            <a:r>
+              <a:rPr lang="en-US" sz="2000" dirty="0" smtClean="0">
+                <a:solidFill>
+                  <a:schemeClr val="tx1"/>
+                </a:solidFill>
+                <a:hlinkClick r:id="rId2"/>
+              </a:rPr>
+              <a:t>www.oracle.com/technetwork/java/codeconvtoc-136057.html</a:t>
+            </a:r>
+            <a:endParaRPr lang="en-US" sz="2000" dirty="0" smtClean="0">
+              <a:solidFill>
+                <a:schemeClr val="tx1"/>
+              </a:solidFill>
+            </a:endParaRPr>
+          </a:p>
+          <a:p>
+            <a:pPr algn="l"/>
+            <a:endParaRPr lang="en-US" sz="2000" dirty="0">
+              <a:solidFill>
+                <a:schemeClr val="tx1"/>
+              </a:solidFill>
+            </a:endParaRPr>
+          </a:p>
+          <a:p>
+            <a:pPr algn="l"/>
+            <a:r>
+              <a:rPr lang="en-US" sz="2000" dirty="0" smtClean="0">
+                <a:solidFill>
+                  <a:schemeClr val="tx1"/>
+                </a:solidFill>
+              </a:rPr>
+              <a:t>In order to ensure JCC is followed maven code and java doc formatter plugins are used. Use them to format your code locally before submit.</a:t>
+            </a:r>
+            <a:endParaRPr lang="en-US" sz="2000" dirty="0">
+              <a:solidFill>
+                <a:schemeClr val="tx1"/>
+              </a:solidFill>
+            </a:endParaRPr>
+          </a:p>
+          <a:p>
+            <a:pPr algn="l"/>
+            <a:endParaRPr lang="en-US" sz="2000" dirty="0">
+              <a:solidFill>
+                <a:schemeClr val="tx1"/>
+              </a:solidFill>
+            </a:endParaRPr>
+          </a:p>
+        </p:txBody>
+      </p:sp>
+    </p:spTree>
+    <p:extLst>
+      <p:ext uri="{BB962C8B-B14F-4D97-AF65-F5344CB8AC3E}">
         <p14:creationId xmlns:p14="http://schemas.microsoft.com/office/powerpoint/2010/main" val="3416032290"/>
+      </p:ext>
+    </p:extLst>
+  </p:cSld>
+  <p:clrMapOvr>
+    <a:masterClrMapping/>
+  </p:clrMapOvr>
+</p:sld>
+</file>
+
+<file path=ppt/slides/slide35.xml><?xml version="1.0" encoding="utf-8"?>
+<p:sld xmlns:a="http://schemas.openxmlformats.org/drawingml/2006/main" xmlns:r="http://schemas.openxmlformats.org/officeDocument/2006/relationships" xmlns:p="http://schemas.openxmlformats.org/presentationml/2006/main">
+  <p:cSld>
+    <p:spTree>
+      <p:nvGrpSpPr>
+        <p:cNvPr id="1" name=""/>
+        <p:cNvGrpSpPr/>
+        <p:nvPr/>
+      </p:nvGrpSpPr>
+      <p:grpSpPr>
+        <a:xfrm>
+          <a:off x="0" y="0"/>
+          <a:ext cx="0" cy="0"/>
+          <a:chOff x="0" y="0"/>
+          <a:chExt cx="0" cy="0"/>
+        </a:xfrm>
+      </p:grpSpPr>
+      <p:sp>
+        <p:nvSpPr>
+          <p:cNvPr id="2" name="Заголовок 1"/>
+          <p:cNvSpPr>
+            <a:spLocks noGrp="1"/>
+          </p:cNvSpPr>
+          <p:nvPr>
+            <p:ph type="ctrTitle"/>
+          </p:nvPr>
+        </p:nvSpPr>
+        <p:spPr>
+          <a:xfrm>
+            <a:off x="911424" y="260649"/>
+            <a:ext cx="9721080" cy="720080"/>
+          </a:xfrm>
+        </p:spPr>
+        <p:txBody>
+          <a:bodyPr>
+            <a:noAutofit/>
+          </a:bodyPr>
+          <a:lstStyle/>
+          <a:p>
+            <a:pPr marL="342900" indent="-342900"/>
+            <a:r>
+              <a:rPr lang="en-US" dirty="0" smtClean="0"/>
+              <a:t>Static code analysis and XML</a:t>
+            </a:r>
+            <a:endParaRPr lang="en-US" dirty="0"/>
+          </a:p>
+        </p:txBody>
+      </p:sp>
+      <p:sp>
+        <p:nvSpPr>
+          <p:cNvPr id="3" name="Подзаголовок 2"/>
+          <p:cNvSpPr>
+            <a:spLocks noGrp="1"/>
+          </p:cNvSpPr>
+          <p:nvPr>
+            <p:ph type="subTitle" idx="1"/>
+          </p:nvPr>
+        </p:nvSpPr>
+        <p:spPr>
+          <a:xfrm>
+            <a:off x="479376" y="1124744"/>
+            <a:ext cx="11233248" cy="5256584"/>
+          </a:xfrm>
+        </p:spPr>
+        <p:txBody>
+          <a:bodyPr>
+            <a:normAutofit/>
+          </a:bodyPr>
+          <a:lstStyle/>
+          <a:p>
+            <a:pPr algn="l"/>
+            <a:r>
+              <a:rPr lang="en-US" sz="2000" dirty="0" smtClean="0">
+                <a:solidFill>
+                  <a:schemeClr val="tx1"/>
+                </a:solidFill>
+              </a:rPr>
+              <a:t>In order to prevent stupid mistakes static code analysis systems like sonar are used.</a:t>
+            </a:r>
+          </a:p>
+          <a:p>
+            <a:pPr algn="l"/>
+            <a:endParaRPr lang="ru-RU" sz="2000" dirty="0">
+              <a:solidFill>
+                <a:schemeClr val="tx1"/>
+              </a:solidFill>
+            </a:endParaRPr>
+          </a:p>
+          <a:p>
+            <a:pPr algn="l"/>
+            <a:r>
+              <a:rPr lang="en-US" sz="2000" dirty="0" smtClean="0">
+                <a:solidFill>
+                  <a:schemeClr val="tx1"/>
+                </a:solidFill>
+              </a:rPr>
+              <a:t>Use eclipse sonar plugin to validate your code locally</a:t>
+            </a:r>
+          </a:p>
+          <a:p>
+            <a:pPr algn="l"/>
+            <a:endParaRPr lang="en-US" sz="2000" dirty="0" smtClean="0">
+              <a:solidFill>
+                <a:schemeClr val="tx1"/>
+              </a:solidFill>
+            </a:endParaRPr>
+          </a:p>
+          <a:p>
+            <a:pPr algn="l"/>
+            <a:r>
+              <a:rPr lang="en-US" sz="2000" dirty="0" smtClean="0">
+                <a:solidFill>
+                  <a:schemeClr val="tx1"/>
+                </a:solidFill>
+              </a:rPr>
+              <a:t>There is no any common XML code formatter, so you have to ensure everybody within the project have the same eclipse XML formatter plugin settings .</a:t>
+            </a:r>
+            <a:endParaRPr lang="en-US" sz="2000" dirty="0">
+              <a:solidFill>
+                <a:schemeClr val="tx1"/>
+              </a:solidFill>
+            </a:endParaRPr>
+          </a:p>
+          <a:p>
+            <a:pPr algn="l"/>
+            <a:endParaRPr lang="en-US" sz="2000" dirty="0">
+              <a:solidFill>
+                <a:schemeClr val="tx1"/>
+              </a:solidFill>
+            </a:endParaRPr>
+          </a:p>
+          <a:p>
+            <a:pPr algn="l"/>
+            <a:r>
+              <a:rPr lang="en-US" sz="2000" dirty="0" smtClean="0">
+                <a:solidFill>
+                  <a:schemeClr val="tx1"/>
+                </a:solidFill>
+              </a:rPr>
+              <a:t>Use XML eclipse plugin to validate single fine or maven clean install to trigger XML validation plugin for entire project</a:t>
+            </a:r>
+          </a:p>
+          <a:p>
+            <a:pPr algn="l"/>
+            <a:endParaRPr lang="en-US" sz="2000" dirty="0">
+              <a:solidFill>
+                <a:schemeClr val="tx1"/>
+              </a:solidFill>
+            </a:endParaRPr>
+          </a:p>
+          <a:p>
+            <a:pPr algn="l"/>
+            <a:r>
+              <a:rPr lang="en-US" sz="2000" dirty="0" smtClean="0">
+                <a:solidFill>
+                  <a:schemeClr val="tx1"/>
+                </a:solidFill>
+              </a:rPr>
+              <a:t>Note: To disable XML validation during maven build actions use VM </a:t>
+            </a:r>
+            <a:r>
+              <a:rPr lang="en-US" sz="2000" dirty="0" err="1" smtClean="0">
+                <a:solidFill>
+                  <a:schemeClr val="tx1"/>
+                </a:solidFill>
+              </a:rPr>
+              <a:t>arg</a:t>
+            </a:r>
+            <a:r>
+              <a:rPr lang="en-US" sz="2000" dirty="0" smtClean="0">
+                <a:solidFill>
+                  <a:schemeClr val="tx1"/>
+                </a:solidFill>
+              </a:rPr>
+              <a:t>:</a:t>
+            </a:r>
+          </a:p>
+          <a:p>
+            <a:pPr algn="l"/>
+            <a:r>
+              <a:rPr lang="en-US" sz="1400" dirty="0">
+                <a:solidFill>
+                  <a:schemeClr val="tx1"/>
+                </a:solidFill>
+                <a:latin typeface="Courier New" panose="02070309020205020404" pitchFamily="49" charset="0"/>
+                <a:cs typeface="Courier New" panose="02070309020205020404" pitchFamily="49" charset="0"/>
+              </a:rPr>
+              <a:t>-</a:t>
+            </a:r>
+            <a:r>
+              <a:rPr lang="en-US" sz="1400" dirty="0" err="1" smtClean="0">
+                <a:solidFill>
+                  <a:schemeClr val="tx1"/>
+                </a:solidFill>
+                <a:latin typeface="Courier New" panose="02070309020205020404" pitchFamily="49" charset="0"/>
+                <a:cs typeface="Courier New" panose="02070309020205020404" pitchFamily="49" charset="0"/>
+              </a:rPr>
+              <a:t>Debs.xml.disableXmlValidate</a:t>
+            </a:r>
+            <a:endParaRPr lang="en-US" sz="1400" dirty="0" smtClean="0">
+              <a:solidFill>
+                <a:schemeClr val="tx1"/>
+              </a:solidFill>
+              <a:latin typeface="Courier New" panose="02070309020205020404" pitchFamily="49" charset="0"/>
+              <a:cs typeface="Courier New" panose="02070309020205020404" pitchFamily="49" charset="0"/>
+            </a:endParaRPr>
+          </a:p>
+        </p:txBody>
+      </p:sp>
+    </p:spTree>
+    <p:extLst>
+      <p:ext uri="{BB962C8B-B14F-4D97-AF65-F5344CB8AC3E}">
+        <p14:creationId xmlns:p14="http://schemas.microsoft.com/office/powerpoint/2010/main" val="3645332082"/>
       </p:ext>
     </p:extLst>
   </p:cSld>
@@ -7397,7 +8388,7 @@
         </p:nvSpPr>
         <p:spPr>
           <a:xfrm>
-            <a:off x="611560" y="260649"/>
+            <a:off x="2135560" y="260649"/>
             <a:ext cx="7772400" cy="720080"/>
           </a:xfrm>
         </p:spPr>
@@ -7426,8 +8417,8 @@
         </p:nvSpPr>
         <p:spPr>
           <a:xfrm>
-            <a:off x="611560" y="1124744"/>
-            <a:ext cx="7920880" cy="4946104"/>
+            <a:off x="335360" y="1124744"/>
+            <a:ext cx="11377264" cy="4946104"/>
           </a:xfrm>
         </p:spPr>
         <p:txBody>
@@ -7438,7 +8429,7 @@
           <a:p>
             <a:pPr algn="l"/>
             <a:r>
-              <a:rPr lang="en-US" sz="2000" dirty="0" smtClean="0">
+              <a:rPr lang="en-US" sz="2000" dirty="0">
                 <a:solidFill>
                   <a:schemeClr val="tx1"/>
                 </a:solidFill>
@@ -7453,7 +8444,7 @@
               </a:rPr>
               <a:t>the act of representing essential features without including the background details or explanations </a:t>
             </a:r>
-            <a:endParaRPr lang="en-US" sz="2000" dirty="0" smtClean="0">
+            <a:endParaRPr lang="en-US" sz="2000" dirty="0">
               <a:solidFill>
                 <a:schemeClr val="tx1"/>
               </a:solidFill>
@@ -7461,7 +8452,7 @@
           </a:p>
           <a:p>
             <a:pPr algn="l"/>
-            <a:endParaRPr lang="en-US" sz="2000" dirty="0" smtClean="0">
+            <a:endParaRPr lang="en-US" sz="2000" dirty="0">
               <a:solidFill>
                 <a:schemeClr val="tx1"/>
               </a:solidFill>
@@ -7511,7 +8502,7 @@
         </p:nvSpPr>
         <p:spPr>
           <a:xfrm>
-            <a:off x="611560" y="260649"/>
+            <a:off x="2135560" y="260649"/>
             <a:ext cx="7772400" cy="720080"/>
           </a:xfrm>
         </p:spPr>
@@ -7537,7 +8528,7 @@
         </p:nvSpPr>
         <p:spPr>
           <a:xfrm>
-            <a:off x="3419789" y="2353858"/>
+            <a:off x="4689496" y="2334529"/>
             <a:ext cx="2592288" cy="360041"/>
           </a:xfrm>
           <a:prstGeom prst="rect">
@@ -7564,10 +8555,10 @@
           <a:p>
             <a:pPr algn="ctr"/>
             <a:r>
-              <a:rPr lang="en-US" dirty="0" err="1" smtClean="0"/>
+              <a:rPr lang="en-US" dirty="0" err="1"/>
               <a:t>BspSwitchBlade</a:t>
             </a:r>
-            <a:endParaRPr lang="en-US" dirty="0" smtClean="0"/>
+            <a:endParaRPr lang="en-US" dirty="0"/>
           </a:p>
         </p:txBody>
       </p:sp>
@@ -7579,7 +8570,7 @@
         </p:nvSpPr>
         <p:spPr>
           <a:xfrm>
-            <a:off x="6444208" y="4768803"/>
+            <a:off x="7968208" y="4768803"/>
             <a:ext cx="2304256" cy="1549530"/>
           </a:xfrm>
           <a:prstGeom prst="rect">
@@ -7606,348 +8597,12 @@
           <a:p>
             <a:pPr algn="ctr"/>
             <a:r>
-              <a:rPr lang="en-US" dirty="0" err="1" smtClean="0"/>
+              <a:rPr lang="en-US" dirty="0" err="1"/>
               <a:t>Ecim</a:t>
             </a:r>
             <a:r>
-              <a:rPr lang="en-US" dirty="0" smtClean="0"/>
-              <a:t> API</a:t>
-            </a:r>
-            <a:endParaRPr lang="ru-RU" dirty="0"/>
-          </a:p>
-        </p:txBody>
-      </p:sp>
-      <p:sp>
-        <p:nvSpPr>
-          <p:cNvPr id="7" name="Прямоугольник 6"/>
-          <p:cNvSpPr/>
-          <p:nvPr/>
-        </p:nvSpPr>
-        <p:spPr>
-          <a:xfrm>
-            <a:off x="557318" y="2245847"/>
-            <a:ext cx="2032992" cy="3384376"/>
-          </a:xfrm>
-          <a:prstGeom prst="rect">
-            <a:avLst/>
-          </a:prstGeom>
-        </p:spPr>
-        <p:style>
-          <a:lnRef idx="2">
-            <a:schemeClr val="accent1"/>
-          </a:lnRef>
-          <a:fillRef idx="1">
-            <a:schemeClr val="lt1"/>
-          </a:fillRef>
-          <a:effectRef idx="0">
-            <a:schemeClr val="accent1"/>
-          </a:effectRef>
-          <a:fontRef idx="minor">
-            <a:schemeClr val="dk1"/>
-          </a:fontRef>
-        </p:style>
-        <p:txBody>
-          <a:bodyPr rtlCol="0" anchor="t"/>
-          <a:lstStyle/>
-          <a:p>
-            <a:r>
-              <a:rPr lang="en-US" dirty="0" smtClean="0"/>
-              <a:t>Cabinet 1</a:t>
-            </a:r>
-            <a:endParaRPr lang="ru-RU" dirty="0"/>
-          </a:p>
-        </p:txBody>
-      </p:sp>
-      <p:sp>
-        <p:nvSpPr>
-          <p:cNvPr id="9" name="Прямоугольник 8"/>
-          <p:cNvSpPr/>
-          <p:nvPr/>
-        </p:nvSpPr>
-        <p:spPr>
-          <a:xfrm>
-            <a:off x="665330" y="2713899"/>
-            <a:ext cx="1800200" cy="2772308"/>
-          </a:xfrm>
-          <a:prstGeom prst="rect">
-            <a:avLst/>
-          </a:prstGeom>
-        </p:spPr>
-        <p:style>
-          <a:lnRef idx="2">
-            <a:schemeClr val="accent1"/>
-          </a:lnRef>
-          <a:fillRef idx="1">
-            <a:schemeClr val="lt1"/>
-          </a:fillRef>
-          <a:effectRef idx="0">
-            <a:schemeClr val="accent1"/>
-          </a:effectRef>
-          <a:fontRef idx="minor">
-            <a:schemeClr val="dk1"/>
-          </a:fontRef>
-        </p:style>
-        <p:txBody>
-          <a:bodyPr rtlCol="0" anchor="t"/>
-          <a:lstStyle/>
-          <a:p>
-            <a:r>
-              <a:rPr lang="en-US" dirty="0" smtClean="0"/>
-              <a:t>Shelf 1</a:t>
-            </a:r>
-            <a:endParaRPr lang="ru-RU" dirty="0"/>
-          </a:p>
-        </p:txBody>
-      </p:sp>
-      <p:sp>
-        <p:nvSpPr>
-          <p:cNvPr id="10" name="Прямоугольник 9"/>
-          <p:cNvSpPr/>
-          <p:nvPr/>
-        </p:nvSpPr>
-        <p:spPr>
-          <a:xfrm>
-            <a:off x="809346" y="3149560"/>
-            <a:ext cx="1512168" cy="1040504"/>
-          </a:xfrm>
-          <a:prstGeom prst="rect">
-            <a:avLst/>
-          </a:prstGeom>
-        </p:spPr>
-        <p:style>
-          <a:lnRef idx="2">
-            <a:schemeClr val="accent1"/>
-          </a:lnRef>
-          <a:fillRef idx="1">
-            <a:schemeClr val="lt1"/>
-          </a:fillRef>
-          <a:effectRef idx="0">
-            <a:schemeClr val="accent1"/>
-          </a:effectRef>
-          <a:fontRef idx="minor">
-            <a:schemeClr val="dk1"/>
-          </a:fontRef>
-        </p:style>
-        <p:txBody>
-          <a:bodyPr rtlCol="0" anchor="t"/>
-          <a:lstStyle/>
-          <a:p>
-            <a:r>
-              <a:rPr lang="en-US" dirty="0" smtClean="0"/>
-              <a:t>Blade 1</a:t>
-            </a:r>
-            <a:endParaRPr lang="ru-RU" dirty="0"/>
-          </a:p>
-        </p:txBody>
-      </p:sp>
-      <p:sp>
-        <p:nvSpPr>
-          <p:cNvPr id="12" name="Прямоугольник 11"/>
-          <p:cNvSpPr/>
-          <p:nvPr/>
-        </p:nvSpPr>
-        <p:spPr>
-          <a:xfrm>
-            <a:off x="323528" y="1723788"/>
-            <a:ext cx="2500572" cy="4603535"/>
-          </a:xfrm>
-          <a:prstGeom prst="rect">
-            <a:avLst/>
-          </a:prstGeom>
-          <a:noFill/>
-        </p:spPr>
-        <p:style>
-          <a:lnRef idx="2">
-            <a:schemeClr val="accent1"/>
-          </a:lnRef>
-          <a:fillRef idx="1">
-            <a:schemeClr val="lt1"/>
-          </a:fillRef>
-          <a:effectRef idx="0">
-            <a:schemeClr val="accent1"/>
-          </a:effectRef>
-          <a:fontRef idx="minor">
-            <a:schemeClr val="dk1"/>
-          </a:fontRef>
-        </p:style>
-        <p:txBody>
-          <a:bodyPr rtlCol="0" anchor="t"/>
-          <a:lstStyle/>
-          <a:p>
-            <a:r>
-              <a:rPr lang="en-US" dirty="0" smtClean="0"/>
-              <a:t>BSP</a:t>
-            </a:r>
-          </a:p>
-          <a:p>
-            <a:endParaRPr lang="en-US" dirty="0"/>
-          </a:p>
-          <a:p>
-            <a:endParaRPr lang="en-US" dirty="0" smtClean="0"/>
-          </a:p>
-          <a:p>
-            <a:endParaRPr lang="en-US" dirty="0"/>
-          </a:p>
-          <a:p>
-            <a:endParaRPr lang="en-US" dirty="0" smtClean="0"/>
-          </a:p>
-          <a:p>
-            <a:endParaRPr lang="en-US" dirty="0"/>
-          </a:p>
-          <a:p>
-            <a:endParaRPr lang="en-US" dirty="0" smtClean="0"/>
-          </a:p>
-          <a:p>
-            <a:endParaRPr lang="en-US" dirty="0"/>
-          </a:p>
-          <a:p>
-            <a:endParaRPr lang="en-US" dirty="0" smtClean="0"/>
-          </a:p>
-          <a:p>
-            <a:endParaRPr lang="en-US" dirty="0"/>
-          </a:p>
-          <a:p>
-            <a:endParaRPr lang="en-US" dirty="0" smtClean="0"/>
-          </a:p>
-          <a:p>
-            <a:endParaRPr lang="en-US" dirty="0"/>
-          </a:p>
-          <a:p>
-            <a:endParaRPr lang="en-US" dirty="0" smtClean="0"/>
-          </a:p>
-          <a:p>
-            <a:endParaRPr lang="en-US" dirty="0"/>
-          </a:p>
-          <a:p>
-            <a:endParaRPr lang="en-US" dirty="0" smtClean="0"/>
-          </a:p>
-          <a:p>
-            <a:r>
-              <a:rPr lang="en-US" dirty="0" smtClean="0"/>
-              <a:t>….</a:t>
-            </a:r>
-            <a:endParaRPr lang="ru-RU" dirty="0"/>
-          </a:p>
-        </p:txBody>
-      </p:sp>
-      <p:sp>
-        <p:nvSpPr>
-          <p:cNvPr id="13" name="Прямоугольник 12"/>
-          <p:cNvSpPr/>
-          <p:nvPr/>
-        </p:nvSpPr>
-        <p:spPr>
-          <a:xfrm>
-            <a:off x="917358" y="3589028"/>
-            <a:ext cx="1296144" cy="427286"/>
-          </a:xfrm>
-          <a:prstGeom prst="rect">
-            <a:avLst/>
-          </a:prstGeom>
-        </p:spPr>
-        <p:style>
-          <a:lnRef idx="2">
-            <a:schemeClr val="accent1"/>
-          </a:lnRef>
-          <a:fillRef idx="1">
-            <a:schemeClr val="lt1"/>
-          </a:fillRef>
-          <a:effectRef idx="0">
-            <a:schemeClr val="accent1"/>
-          </a:effectRef>
-          <a:fontRef idx="minor">
-            <a:schemeClr val="dk1"/>
-          </a:fontRef>
-        </p:style>
-        <p:txBody>
-          <a:bodyPr rtlCol="0" anchor="t"/>
-          <a:lstStyle/>
-          <a:p>
-            <a:r>
-              <a:rPr lang="en-US" dirty="0" smtClean="0"/>
-              <a:t>SCX</a:t>
-            </a:r>
-            <a:endParaRPr lang="ru-RU" dirty="0"/>
-          </a:p>
-        </p:txBody>
-      </p:sp>
-      <p:sp>
-        <p:nvSpPr>
-          <p:cNvPr id="17" name="Прямоугольник 16"/>
-          <p:cNvSpPr/>
-          <p:nvPr/>
-        </p:nvSpPr>
-        <p:spPr>
-          <a:xfrm>
-            <a:off x="817730" y="4335885"/>
-            <a:ext cx="1512168" cy="1040504"/>
-          </a:xfrm>
-          <a:prstGeom prst="rect">
-            <a:avLst/>
-          </a:prstGeom>
-        </p:spPr>
-        <p:style>
-          <a:lnRef idx="2">
-            <a:schemeClr val="accent1"/>
-          </a:lnRef>
-          <a:fillRef idx="1">
-            <a:schemeClr val="lt1"/>
-          </a:fillRef>
-          <a:effectRef idx="0">
-            <a:schemeClr val="accent1"/>
-          </a:effectRef>
-          <a:fontRef idx="minor">
-            <a:schemeClr val="dk1"/>
-          </a:fontRef>
-        </p:style>
-        <p:txBody>
-          <a:bodyPr rtlCol="0" anchor="t"/>
-          <a:lstStyle/>
-          <a:p>
-            <a:r>
-              <a:rPr lang="en-US" dirty="0" smtClean="0"/>
-              <a:t>Blade 2</a:t>
-            </a:r>
-            <a:endParaRPr lang="ru-RU" dirty="0"/>
-          </a:p>
-        </p:txBody>
-      </p:sp>
-      <p:sp>
-        <p:nvSpPr>
-          <p:cNvPr id="18" name="Прямоугольник 17"/>
-          <p:cNvSpPr/>
-          <p:nvPr/>
-        </p:nvSpPr>
-        <p:spPr>
-          <a:xfrm>
-            <a:off x="898854" y="4775353"/>
-            <a:ext cx="1296144" cy="427286"/>
-          </a:xfrm>
-          <a:prstGeom prst="rect">
-            <a:avLst/>
-          </a:prstGeom>
-        </p:spPr>
-        <p:style>
-          <a:lnRef idx="2">
-            <a:schemeClr val="accent1"/>
-          </a:lnRef>
-          <a:fillRef idx="1">
-            <a:schemeClr val="lt1"/>
-          </a:fillRef>
-          <a:effectRef idx="0">
-            <a:schemeClr val="accent1"/>
-          </a:effectRef>
-          <a:fontRef idx="minor">
-            <a:schemeClr val="dk1"/>
-          </a:fontRef>
-        </p:style>
-        <p:txBody>
-          <a:bodyPr rtlCol="0" anchor="t"/>
-          <a:lstStyle/>
-          <a:p>
-            <a:r>
-              <a:rPr lang="en-US" dirty="0" smtClean="0"/>
-              <a:t>SCX</a:t>
+              <a:rPr lang="en-US" dirty="0"/>
+              <a:t> API library</a:t>
             </a:r>
             <a:endParaRPr lang="ru-RU" dirty="0"/>
           </a:p>
@@ -7961,7 +8616,7 @@
         </p:nvSpPr>
         <p:spPr>
           <a:xfrm>
-            <a:off x="440423" y="1091321"/>
+            <a:off x="2415692" y="978321"/>
             <a:ext cx="2266782" cy="369332"/>
           </a:xfrm>
           <a:prstGeom prst="rect">
@@ -7976,7 +8631,7 @@
           <a:lstStyle/>
           <a:p>
             <a:r>
-              <a:rPr lang="en-US" dirty="0" smtClean="0"/>
+              <a:rPr lang="en-US" dirty="0"/>
               <a:t>Product</a:t>
             </a:r>
             <a:endParaRPr lang="ru-RU" dirty="0"/>
@@ -7991,7 +8646,7 @@
         </p:nvSpPr>
         <p:spPr>
           <a:xfrm>
-            <a:off x="3419872" y="1735455"/>
+            <a:off x="4689579" y="1716125"/>
             <a:ext cx="2592288" cy="397402"/>
           </a:xfrm>
           <a:prstGeom prst="rect">
@@ -8018,7 +8673,7 @@
           <a:p>
             <a:pPr algn="ctr"/>
             <a:r>
-              <a:rPr lang="en-US" dirty="0" err="1" smtClean="0"/>
+              <a:rPr lang="en-US" dirty="0" err="1"/>
               <a:t>ShelfId</a:t>
             </a:r>
             <a:endParaRPr lang="ru-RU" dirty="0"/>
@@ -8033,7 +8688,7 @@
         </p:nvSpPr>
         <p:spPr>
           <a:xfrm>
-            <a:off x="3438609" y="1091321"/>
+            <a:off x="5443978" y="978321"/>
             <a:ext cx="2266782" cy="369332"/>
           </a:xfrm>
           <a:prstGeom prst="rect">
@@ -8048,7 +8703,7 @@
           <a:lstStyle/>
           <a:p>
             <a:r>
-              <a:rPr lang="en-US" dirty="0" smtClean="0"/>
+              <a:rPr lang="en-US" dirty="0"/>
               <a:t>Model</a:t>
             </a:r>
             <a:endParaRPr lang="ru-RU" dirty="0"/>
@@ -8063,7 +8718,7 @@
         </p:nvSpPr>
         <p:spPr>
           <a:xfrm>
-            <a:off x="3419789" y="4768803"/>
+            <a:off x="4689496" y="4749474"/>
             <a:ext cx="2592288" cy="1549529"/>
           </a:xfrm>
           <a:prstGeom prst="rect">
@@ -8090,7 +8745,7 @@
           <a:p>
             <a:pPr algn="ctr"/>
             <a:r>
-              <a:rPr lang="en-US" dirty="0" smtClean="0"/>
+              <a:rPr lang="en-US" dirty="0"/>
               <a:t>ECIM</a:t>
             </a:r>
             <a:endParaRPr lang="ru-RU" dirty="0"/>
@@ -8105,7 +8760,7 @@
         </p:nvSpPr>
         <p:spPr>
           <a:xfrm>
-            <a:off x="6414203" y="1091321"/>
+            <a:off x="8635017" y="1028892"/>
             <a:ext cx="2266782" cy="369332"/>
           </a:xfrm>
           <a:prstGeom prst="rect">
@@ -8120,7 +8775,7 @@
           <a:lstStyle/>
           <a:p>
             <a:r>
-              <a:rPr lang="en-US" dirty="0" smtClean="0"/>
+              <a:rPr lang="en-US" dirty="0"/>
               <a:t>Code</a:t>
             </a:r>
             <a:endParaRPr lang="ru-RU" dirty="0"/>
@@ -8135,7 +8790,7 @@
         </p:nvSpPr>
         <p:spPr>
           <a:xfrm>
-            <a:off x="3438609" y="2969539"/>
+            <a:off x="4708316" y="2950210"/>
             <a:ext cx="2592288" cy="360041"/>
           </a:xfrm>
           <a:prstGeom prst="rect">
@@ -8162,10 +8817,10 @@
           <a:p>
             <a:pPr algn="ctr"/>
             <a:r>
-              <a:rPr lang="en-US" dirty="0" err="1" smtClean="0"/>
+              <a:rPr lang="en-US" dirty="0" err="1"/>
               <a:t>BridgeId</a:t>
             </a:r>
-            <a:endParaRPr lang="en-US" dirty="0" smtClean="0"/>
+            <a:endParaRPr lang="en-US" dirty="0"/>
           </a:p>
         </p:txBody>
       </p:sp>
@@ -8177,7 +8832,7 @@
         </p:nvSpPr>
         <p:spPr>
           <a:xfrm>
-            <a:off x="6414203" y="1714578"/>
+            <a:off x="7938203" y="1714578"/>
             <a:ext cx="2266782" cy="397402"/>
           </a:xfrm>
           <a:prstGeom prst="rect">
@@ -8204,15 +8859,15 @@
           <a:p>
             <a:pPr algn="ctr"/>
             <a:r>
-              <a:rPr lang="en-US" dirty="0" err="1" smtClean="0"/>
+              <a:rPr lang="en-US" dirty="0" err="1"/>
               <a:t>Enum</a:t>
             </a:r>
             <a:r>
-              <a:rPr lang="en-US" dirty="0" smtClean="0"/>
+              <a:rPr lang="en-US" dirty="0"/>
               <a:t> </a:t>
             </a:r>
             <a:r>
-              <a:rPr lang="en-US" dirty="0" err="1" smtClean="0"/>
+              <a:rPr lang="en-US" dirty="0" err="1"/>
               <a:t>ShelfId</a:t>
             </a:r>
             <a:endParaRPr lang="ru-RU" dirty="0"/>
@@ -8227,7 +8882,7 @@
         </p:nvSpPr>
         <p:spPr>
           <a:xfrm>
-            <a:off x="6444208" y="2375357"/>
+            <a:off x="7968209" y="2375358"/>
             <a:ext cx="2236777" cy="693603"/>
           </a:xfrm>
           <a:prstGeom prst="rect">
@@ -8254,14 +8909,14 @@
           <a:p>
             <a:pPr algn="ctr"/>
             <a:r>
-              <a:rPr lang="en-US" dirty="0" smtClean="0"/>
+              <a:rPr lang="en-US" dirty="0"/>
               <a:t>Interface </a:t>
             </a:r>
             <a:r>
-              <a:rPr lang="en-US" dirty="0" err="1" smtClean="0"/>
+              <a:rPr lang="en-US" dirty="0" err="1"/>
               <a:t>BspSwitchBlade</a:t>
             </a:r>
-            <a:endParaRPr lang="en-US" dirty="0" smtClean="0"/>
+            <a:endParaRPr lang="en-US" dirty="0"/>
           </a:p>
         </p:txBody>
       </p:sp>
@@ -8273,7 +8928,7 @@
         </p:nvSpPr>
         <p:spPr>
           <a:xfrm>
-            <a:off x="2987824" y="2837377"/>
+            <a:off x="4163727" y="2846106"/>
             <a:ext cx="216024" cy="1930585"/>
           </a:xfrm>
           <a:prstGeom prst="rightArrow">
@@ -8313,7 +8968,7 @@
         </p:nvSpPr>
         <p:spPr>
           <a:xfrm>
-            <a:off x="6078748" y="2892720"/>
+            <a:off x="7494736" y="2838219"/>
             <a:ext cx="216024" cy="1930585"/>
           </a:xfrm>
           <a:prstGeom prst="rightArrow">
@@ -8353,7 +9008,7 @@
         </p:nvSpPr>
         <p:spPr>
           <a:xfrm>
-            <a:off x="6444208" y="3329580"/>
+            <a:off x="7968208" y="3329580"/>
             <a:ext cx="1008112" cy="860484"/>
           </a:xfrm>
           <a:prstGeom prst="rect">
@@ -8380,7 +9035,7 @@
           <a:p>
             <a:pPr algn="ctr"/>
             <a:r>
-              <a:rPr lang="en-US" dirty="0" smtClean="0"/>
+              <a:rPr lang="en-US" dirty="0"/>
               <a:t>Class SwitchBlade100</a:t>
             </a:r>
             <a:endParaRPr lang="ru-RU" dirty="0"/>
@@ -8395,7 +9050,7 @@
         </p:nvSpPr>
         <p:spPr>
           <a:xfrm>
-            <a:off x="7740352" y="3329580"/>
+            <a:off x="9264352" y="3329580"/>
             <a:ext cx="1008112" cy="860484"/>
           </a:xfrm>
           <a:prstGeom prst="rect">
@@ -8422,11 +9077,11 @@
           <a:p>
             <a:pPr algn="ctr"/>
             <a:r>
-              <a:rPr lang="en-US" dirty="0" smtClean="0"/>
+              <a:rPr lang="en-US" dirty="0"/>
               <a:t>Class </a:t>
             </a:r>
             <a:r>
-              <a:rPr lang="en-US" dirty="0" err="1" smtClean="0"/>
+              <a:rPr lang="en-US" dirty="0" err="1"/>
               <a:t>SwitchBladeSMX</a:t>
             </a:r>
             <a:endParaRPr lang="ru-RU" dirty="0"/>
@@ -8444,7 +9099,7 @@
         </p:nvCxnSpPr>
         <p:spPr>
           <a:xfrm flipH="1">
-            <a:off x="6948264" y="3068960"/>
+            <a:off x="8472265" y="3068960"/>
             <a:ext cx="614333" cy="260620"/>
           </a:xfrm>
           <a:prstGeom prst="line">
@@ -8477,7 +9132,7 @@
         </p:nvCxnSpPr>
         <p:spPr>
           <a:xfrm>
-            <a:off x="7562597" y="3068960"/>
+            <a:off x="9086598" y="3068960"/>
             <a:ext cx="681811" cy="260620"/>
           </a:xfrm>
           <a:prstGeom prst="line">
@@ -8499,6 +9154,36 @@
           </a:fontRef>
         </p:style>
       </p:cxnSp>
+      <p:pic>
+        <p:nvPicPr>
+          <p:cNvPr id="5" name="Picture 4"/>
+          <p:cNvPicPr>
+            <a:picLocks noChangeAspect="1"/>
+          </p:cNvPicPr>
+          <p:nvPr/>
+        </p:nvPicPr>
+        <p:blipFill>
+          <a:blip r:embed="rId2">
+            <a:extLst>
+              <a:ext uri="{28A0092B-C50C-407E-A947-70E740481C1C}">
+                <a14:useLocalDpi xmlns:a14="http://schemas.microsoft.com/office/drawing/2010/main" val="0"/>
+              </a:ext>
+            </a:extLst>
+          </a:blip>
+          <a:stretch>
+            <a:fillRect/>
+          </a:stretch>
+        </p:blipFill>
+        <p:spPr>
+          <a:xfrm>
+            <a:off x="1924425" y="1340769"/>
+            <a:ext cx="1883337" cy="5276219"/>
+          </a:xfrm>
+          <a:prstGeom prst="rect">
+            <a:avLst/>
+          </a:prstGeom>
+        </p:spPr>
+      </p:pic>
     </p:spTree>
     <p:extLst>
       <p:ext uri="{BB962C8B-B14F-4D97-AF65-F5344CB8AC3E}">
@@ -8541,7 +9226,7 @@
         </p:nvSpPr>
         <p:spPr>
           <a:xfrm>
-            <a:off x="611560" y="260649"/>
+            <a:off x="2135560" y="260649"/>
             <a:ext cx="7772400" cy="720080"/>
           </a:xfrm>
         </p:spPr>
@@ -8552,7 +9237,7 @@
           <a:lstStyle/>
           <a:p>
             <a:r>
-              <a:rPr lang="en-US" dirty="0" smtClean="0"/>
+              <a:rPr lang="en-US" dirty="0"/>
               <a:t>Encapsulation</a:t>
             </a:r>
             <a:endParaRPr lang="en-US" dirty="0"/>
@@ -8571,8 +9256,8 @@
         </p:nvSpPr>
         <p:spPr>
           <a:xfrm>
-            <a:off x="611560" y="1124744"/>
-            <a:ext cx="7920880" cy="4946104"/>
+            <a:off x="335360" y="1124744"/>
+            <a:ext cx="11377264" cy="4946104"/>
           </a:xfrm>
         </p:spPr>
         <p:txBody>
@@ -8588,25 +9273,9 @@
                   <a:schemeClr val="tx1"/>
                 </a:solidFill>
               </a:rPr>
-              <a:t>It refers to the bundling of data with the methods that operate on that </a:t>
-            </a:r>
-            <a:r>
-              <a:rPr lang="en-US" sz="2000" dirty="0" smtClean="0">
-                <a:solidFill>
-                  <a:schemeClr val="tx1"/>
-                </a:solidFill>
-              </a:rPr>
-              <a:t>data. Encapsulation </a:t>
-            </a:r>
-            <a:r>
-              <a:rPr lang="en-US" sz="2000" dirty="0">
-                <a:solidFill>
-                  <a:schemeClr val="tx1"/>
-                </a:solidFill>
-              </a:rPr>
-              <a:t>is used to hide the values or state of a structured data object inside a class, preventing unauthorized parties' direct access to them. Publicly accessible methods are generally provided in the class (so-called getters and setters) to access the values, and other client classes call these methods to retrieve and modify the values within the object.</a:t>
-            </a:r>
-            <a:endParaRPr lang="en-US" sz="2000" dirty="0" smtClean="0">
+              <a:t>It refers to the bundling of data with the methods that operate on that data. Encapsulation is used to hide the values or state of a structured data object inside a class, preventing unauthorized parties' direct access to them. Publicly accessible methods are generally provided in the class (so-called getters and setters) to access the values, and other client classes call these methods to retrieve and modify the values within the object.</a:t>
+            </a:r>
+            <a:endParaRPr lang="en-US" sz="2000" dirty="0">
               <a:solidFill>
                 <a:schemeClr val="tx1"/>
               </a:solidFill>
@@ -8617,7 +9286,7 @@
     </p:spTree>
     <p:extLst>
       <p:ext uri="{BB962C8B-B14F-4D97-AF65-F5344CB8AC3E}">
-        <p14:creationId xmlns:p14="http://schemas.microsoft.com/office/powerpoint/2010/main" val="3518851940"/>
+        <p14:creationId xmlns:p14="http://schemas.microsoft.com/office/powerpoint/2010/main" val="3236054123"/>
       </p:ext>
     </p:extLst>
   </p:cSld>
@@ -8656,7 +9325,7 @@
         </p:nvSpPr>
         <p:spPr>
           <a:xfrm>
-            <a:off x="611560" y="260649"/>
+            <a:off x="2135560" y="260649"/>
             <a:ext cx="7772400" cy="720080"/>
           </a:xfrm>
         </p:spPr>
@@ -8667,7 +9336,7 @@
           <a:lstStyle/>
           <a:p>
             <a:r>
-              <a:rPr lang="en-US" dirty="0" smtClean="0"/>
+              <a:rPr lang="en-US" dirty="0"/>
               <a:t>Inheritance</a:t>
             </a:r>
             <a:endParaRPr lang="en-US" dirty="0"/>
@@ -8686,8 +9355,8 @@
         </p:nvSpPr>
         <p:spPr>
           <a:xfrm>
-            <a:off x="611560" y="1124744"/>
-            <a:ext cx="7920880" cy="4946104"/>
+            <a:off x="335360" y="1124744"/>
+            <a:ext cx="11377264" cy="4946104"/>
           </a:xfrm>
         </p:spPr>
         <p:txBody>
@@ -8703,15 +9372,7 @@
                   <a:schemeClr val="tx1"/>
                 </a:solidFill>
               </a:rPr>
-              <a:t>Inheritance in Java is a mechanism in which one object acquires all the properties and behaviors of a parent object</a:t>
-            </a:r>
-            <a:r>
-              <a:rPr lang="en-US" sz="2000" dirty="0" smtClean="0">
-                <a:solidFill>
-                  <a:schemeClr val="tx1"/>
-                </a:solidFill>
-              </a:rPr>
-              <a:t>.</a:t>
+              <a:t>Inheritance in Java is a mechanism in which one object acquires all the properties and behaviors of a parent object.</a:t>
             </a:r>
           </a:p>
           <a:p>
@@ -8724,62 +9385,33 @@
           </a:p>
           <a:p>
             <a:pPr algn="l"/>
-            <a:endParaRPr lang="en-US" sz="2000" dirty="0" smtClean="0">
-              <a:solidFill>
-                <a:schemeClr val="tx1"/>
-              </a:solidFill>
-            </a:endParaRPr>
-          </a:p>
-          <a:p>
-            <a:pPr algn="l"/>
-            <a:r>
-              <a:rPr lang="en-US" sz="2000" dirty="0" smtClean="0">
-                <a:solidFill>
-                  <a:schemeClr val="tx1"/>
-                </a:solidFill>
-              </a:rPr>
-              <a:t>Represents IS-A class relation</a:t>
-            </a:r>
-          </a:p>
-          <a:p>
-            <a:pPr algn="l"/>
-            <a:r>
-              <a:rPr lang="en-US" sz="2000" dirty="0">
-                <a:solidFill>
-                  <a:schemeClr val="tx1"/>
-                </a:solidFill>
-              </a:rPr>
-              <a:t>Examples: </a:t>
-            </a:r>
-            <a:r>
-              <a:rPr lang="en-US" sz="2000" dirty="0" smtClean="0">
-                <a:solidFill>
-                  <a:schemeClr val="tx1"/>
-                </a:solidFill>
-              </a:rPr>
-              <a:t>Truck </a:t>
-            </a:r>
-            <a:r>
-              <a:rPr lang="en-US" sz="2000" dirty="0">
-                <a:solidFill>
-                  <a:schemeClr val="tx1"/>
-                </a:solidFill>
-              </a:rPr>
-              <a:t>is a </a:t>
-            </a:r>
-            <a:r>
-              <a:rPr lang="en-US" sz="2000" dirty="0" smtClean="0">
-                <a:solidFill>
-                  <a:schemeClr val="tx1"/>
-                </a:solidFill>
-              </a:rPr>
-              <a:t>car, but motorbike is not a car</a:t>
-            </a:r>
             <a:endParaRPr lang="en-US" sz="2000" dirty="0">
               <a:solidFill>
                 <a:schemeClr val="tx1"/>
               </a:solidFill>
             </a:endParaRPr>
+          </a:p>
+          <a:p>
+            <a:pPr algn="l"/>
+            <a:r>
+              <a:rPr lang="en-US" sz="2000" dirty="0">
+                <a:solidFill>
+                  <a:schemeClr val="tx1"/>
+                </a:solidFill>
+              </a:rPr>
+              <a:t>Represents IS-A class relation</a:t>
+            </a:r>
+          </a:p>
+          <a:p>
+            <a:pPr algn="l"/>
+            <a:r>
+              <a:rPr lang="en-US" sz="2000" dirty="0">
+                <a:solidFill>
+                  <a:schemeClr val="tx1"/>
+                </a:solidFill>
+              </a:rPr>
+              <a:t>Examples: Truck is a car, but motorbike is not a car</a:t>
+            </a:r>
           </a:p>
           <a:p>
             <a:pPr algn="l"/>
@@ -8792,29 +9424,27 @@
           <a:p>
             <a:pPr algn="l"/>
             <a:r>
-              <a:rPr lang="en-US" sz="2000" dirty="0" smtClean="0">
-                <a:solidFill>
-                  <a:schemeClr val="tx1"/>
-                </a:solidFill>
-              </a:rPr>
-              <a:t>Aggregation represents HAS-A relation, </a:t>
-            </a:r>
-            <a:r>
               <a:rPr lang="en-US" sz="2000" dirty="0">
                 <a:solidFill>
                   <a:schemeClr val="tx1"/>
                 </a:solidFill>
               </a:rPr>
-              <a:t>but the object exists outside the other, is created outside, so it is </a:t>
-            </a:r>
-            <a:r>
-              <a:rPr lang="en-US" sz="2000" dirty="0" smtClean="0">
-                <a:solidFill>
-                  <a:schemeClr val="tx1"/>
-                </a:solidFill>
-              </a:rPr>
-              <a:t>passed somehow inside. </a:t>
-            </a:r>
+              <a:t>Aggregation represents HAS-A relation, but the object exists outside the other, is created outside, so it is passed somehow inside. </a:t>
+            </a:r>
+          </a:p>
+          <a:p>
+            <a:pPr algn="l"/>
+            <a:r>
+              <a:rPr lang="en-US" sz="2000" dirty="0">
+                <a:solidFill>
+                  <a:schemeClr val="tx1"/>
+                </a:solidFill>
+              </a:rPr>
+              <a:t>Examples: Car has an engine and motorbike has an engine</a:t>
+            </a:r>
+          </a:p>
+          <a:p>
+            <a:pPr algn="l"/>
             <a:endParaRPr lang="en-US" sz="2000" dirty="0">
               <a:solidFill>
                 <a:schemeClr val="tx1"/>
@@ -8824,97 +9454,39 @@
           <a:p>
             <a:pPr algn="l"/>
             <a:r>
-              <a:rPr lang="en-US" sz="2000" dirty="0" smtClean="0">
-                <a:solidFill>
-                  <a:schemeClr val="tx1"/>
-                </a:solidFill>
-              </a:rPr>
-              <a:t>Examples: Car has an engine and motorbike has an engine</a:t>
-            </a:r>
+              <a:rPr lang="en-US" sz="2000" dirty="0">
+                <a:solidFill>
+                  <a:schemeClr val="tx1"/>
+                </a:solidFill>
+              </a:rPr>
+              <a:t>Composition represents HAS-A relation, the object only exists, or only makes sense inside the other, as a part of the other.</a:t>
+            </a:r>
+          </a:p>
+          <a:p>
+            <a:pPr algn="l"/>
+            <a:r>
+              <a:rPr lang="en-US" sz="2000" dirty="0">
+                <a:solidFill>
+                  <a:schemeClr val="tx1"/>
+                </a:solidFill>
+              </a:rPr>
+              <a:t>Examples: Fuel truck has a tank, it makes no sense without it.</a:t>
+            </a:r>
+          </a:p>
+          <a:p>
+            <a:pPr algn="l"/>
             <a:endParaRPr lang="en-US" sz="2000" dirty="0">
               <a:solidFill>
                 <a:schemeClr val="tx1"/>
               </a:solidFill>
             </a:endParaRPr>
           </a:p>
-          <a:p>
-            <a:pPr algn="l"/>
-            <a:endParaRPr lang="en-US" sz="2000" dirty="0" smtClean="0">
-              <a:solidFill>
-                <a:schemeClr val="tx1"/>
-              </a:solidFill>
-            </a:endParaRPr>
-          </a:p>
-          <a:p>
-            <a:pPr algn="l"/>
-            <a:r>
-              <a:rPr lang="en-US" sz="2000" dirty="0" smtClean="0">
-                <a:solidFill>
-                  <a:schemeClr val="tx1"/>
-                </a:solidFill>
-              </a:rPr>
-              <a:t>Composition represents </a:t>
-            </a:r>
-            <a:r>
-              <a:rPr lang="en-US" sz="2000" dirty="0">
-                <a:solidFill>
-                  <a:schemeClr val="tx1"/>
-                </a:solidFill>
-              </a:rPr>
-              <a:t>HAS-A relation, the object only exists, or only makes sense inside the other, as a part of the </a:t>
-            </a:r>
-            <a:r>
-              <a:rPr lang="en-US" sz="2000" dirty="0" smtClean="0">
-                <a:solidFill>
-                  <a:schemeClr val="tx1"/>
-                </a:solidFill>
-              </a:rPr>
-              <a:t>other.</a:t>
-            </a:r>
-            <a:endParaRPr lang="en-US" sz="2000" dirty="0">
-              <a:solidFill>
-                <a:schemeClr val="tx1"/>
-              </a:solidFill>
-            </a:endParaRPr>
-          </a:p>
-          <a:p>
-            <a:pPr algn="l"/>
-            <a:r>
-              <a:rPr lang="en-US" sz="2000" dirty="0">
-                <a:solidFill>
-                  <a:schemeClr val="tx1"/>
-                </a:solidFill>
-              </a:rPr>
-              <a:t>Examples: </a:t>
-            </a:r>
-            <a:r>
-              <a:rPr lang="en-US" sz="2000" dirty="0" smtClean="0">
-                <a:solidFill>
-                  <a:schemeClr val="tx1"/>
-                </a:solidFill>
-              </a:rPr>
-              <a:t>Fuel truck has a tank, it makes no sense without it.</a:t>
-            </a:r>
-            <a:endParaRPr lang="en-US" sz="2000" dirty="0">
-              <a:solidFill>
-                <a:schemeClr val="tx1"/>
-              </a:solidFill>
-            </a:endParaRPr>
-          </a:p>
-          <a:p>
-            <a:pPr algn="l"/>
-            <a:endParaRPr lang="en-US" sz="2000" dirty="0" smtClean="0">
-              <a:solidFill>
-                <a:schemeClr val="tx1"/>
-              </a:solidFill>
-            </a:endParaRPr>
-          </a:p>
         </p:txBody>
       </p:sp>
     </p:spTree>
     <p:extLst>
       <p:ext uri="{BB962C8B-B14F-4D97-AF65-F5344CB8AC3E}">
-        <p14:creationId xmlns:p14="http://schemas.microsoft.com/office/powerpoint/2010/main" val="3767579390"/>
+        <p14:creationId xmlns:p14="http://schemas.microsoft.com/office/powerpoint/2010/main" val="3524675803"/>
       </p:ext>
     </p:extLst>
   </p:cSld>
@@ -8953,7 +9525,7 @@
         </p:nvSpPr>
         <p:spPr>
           <a:xfrm>
-            <a:off x="611560" y="260649"/>
+            <a:off x="2135560" y="260649"/>
             <a:ext cx="7772400" cy="720080"/>
           </a:xfrm>
         </p:spPr>
@@ -8964,7 +9536,7 @@
           <a:lstStyle/>
           <a:p>
             <a:r>
-              <a:rPr lang="en-US" dirty="0" smtClean="0"/>
+              <a:rPr lang="en-US" dirty="0"/>
               <a:t>Polymorphism</a:t>
             </a:r>
             <a:endParaRPr lang="en-US" dirty="0"/>
@@ -8983,13 +9555,13 @@
         </p:nvSpPr>
         <p:spPr>
           <a:xfrm>
-            <a:off x="611560" y="1124744"/>
-            <a:ext cx="7920880" cy="1224136"/>
+            <a:off x="335360" y="1124744"/>
+            <a:ext cx="11377264" cy="4946104"/>
           </a:xfrm>
         </p:spPr>
         <p:txBody>
           <a:bodyPr>
-            <a:normAutofit fontScale="92500" lnSpcReduction="20000"/>
+            <a:normAutofit fontScale="70000" lnSpcReduction="20000"/>
           </a:bodyPr>
           <a:lstStyle/>
           <a:p>
@@ -9001,41 +9573,6 @@
                 </a:solidFill>
               </a:rPr>
               <a:t>Polymorphism is the ability of an object to take on many forms</a:t>
-            </a:r>
-            <a:endParaRPr lang="en-US" sz="2000" dirty="0" smtClean="0">
-              <a:solidFill>
-                <a:schemeClr val="tx1"/>
-              </a:solidFill>
-            </a:endParaRPr>
-          </a:p>
-          <a:p>
-            <a:pPr algn="l"/>
-            <a:endParaRPr lang="en-US" sz="2000" dirty="0" smtClean="0">
-              <a:solidFill>
-                <a:schemeClr val="tx1"/>
-              </a:solidFill>
-            </a:endParaRPr>
-          </a:p>
-          <a:p>
-            <a:pPr algn="l"/>
-            <a:r>
-              <a:rPr lang="en-US" sz="2000" dirty="0" smtClean="0">
-                <a:solidFill>
-                  <a:schemeClr val="tx1"/>
-                </a:solidFill>
-              </a:rPr>
-              <a:t>Represents IS-A class relation</a:t>
-            </a:r>
-          </a:p>
-          <a:p>
-            <a:pPr algn="l"/>
-            <a:r>
-              <a:rPr lang="en-US" sz="2000" dirty="0" smtClean="0">
-                <a:solidFill>
-                  <a:schemeClr val="tx1"/>
-                </a:solidFill>
-              </a:rPr>
-              <a:t>Dynamic(late) binding</a:t>
             </a:r>
           </a:p>
           <a:p>
@@ -9048,1039 +9585,1662 @@
           </a:p>
           <a:p>
             <a:pPr algn="l"/>
-            <a:endParaRPr lang="en-US" sz="2000" dirty="0" smtClean="0">
+            <a:r>
+              <a:rPr lang="en-US" sz="2000" dirty="0">
+                <a:solidFill>
+                  <a:schemeClr val="tx1"/>
+                </a:solidFill>
+              </a:rPr>
+              <a:t>Represents IS-A class relation</a:t>
+            </a:r>
+          </a:p>
+          <a:p>
+            <a:pPr algn="l"/>
+            <a:r>
+              <a:rPr lang="en-US" sz="2000" dirty="0">
+                <a:solidFill>
+                  <a:schemeClr val="tx1"/>
+                </a:solidFill>
+              </a:rPr>
+              <a:t>Dynamic(late) </a:t>
+            </a:r>
+            <a:r>
+              <a:rPr lang="en-US" sz="2000" dirty="0" smtClean="0">
+                <a:solidFill>
+                  <a:schemeClr val="tx1"/>
+                </a:solidFill>
+              </a:rPr>
+              <a:t>binding</a:t>
+            </a:r>
+          </a:p>
+          <a:p>
+            <a:pPr algn="l"/>
+            <a:endParaRPr lang="en-US" sz="2000" dirty="0">
               <a:solidFill>
                 <a:schemeClr val="tx1"/>
               </a:solidFill>
             </a:endParaRPr>
           </a:p>
-        </p:txBody>
-      </p:sp>
-      <p:sp>
-        <p:nvSpPr>
-          <p:cNvPr id="5" name="Rectangle 2"/>
-          <p:cNvSpPr>
-            <a:spLocks noChangeArrowheads="1"/>
-          </p:cNvSpPr>
-          <p:nvPr/>
-        </p:nvSpPr>
-        <p:spPr bwMode="auto">
-          <a:xfrm>
-            <a:off x="755576" y="2503524"/>
-            <a:ext cx="7416824" cy="3477875"/>
-          </a:xfrm>
-          <a:prstGeom prst="rect">
-            <a:avLst/>
-          </a:prstGeom>
-          <a:solidFill>
-            <a:srgbClr val="FFFFFF"/>
-          </a:solidFill>
-          <a:ln>
-            <a:noFill/>
-          </a:ln>
-          <a:effectLst/>
-          <a:extLst>
-            <a:ext uri="{91240B29-F687-4F45-9708-019B960494DF}">
-              <a14:hiddenLine xmlns:a14="http://schemas.microsoft.com/office/drawing/2010/main" w="9525">
-                <a:solidFill>
-                  <a:schemeClr val="tx1"/>
-                </a:solidFill>
-                <a:miter lim="800000"/>
-                <a:headEnd/>
-                <a:tailEnd/>
-              </a14:hiddenLine>
-            </a:ext>
-            <a:ext uri="{AF507438-7753-43E0-B8FC-AC1667EBCBE1}">
-              <a14:hiddenEffects xmlns:a14="http://schemas.microsoft.com/office/drawing/2010/main">
-                <a:effectLst>
-                  <a:outerShdw dist="35921" dir="2700000" algn="ctr" rotWithShape="0">
-                    <a:schemeClr val="bg2"/>
-                  </a:outerShdw>
-                </a:effectLst>
-              </a14:hiddenEffects>
-            </a:ext>
-          </a:extLst>
-        </p:spPr>
-        <p:txBody>
-          <a:bodyPr vert="horz" wrap="square" lIns="91440" tIns="45720" rIns="91440" bIns="45720" numCol="1" anchor="ctr" anchorCtr="0" compatLnSpc="1">
-            <a:prstTxWarp prst="textNoShape">
-              <a:avLst/>
-            </a:prstTxWarp>
-            <a:spAutoFit/>
-          </a:bodyPr>
-          <a:lstStyle/>
-          <a:p>
-            <a:pPr marL="0" marR="0" lvl="0" indent="0" algn="l" defTabSz="914400" rtl="0" eaLnBrk="1" fontAlgn="base" latinLnBrk="0" hangingPunct="1">
-              <a:lnSpc>
-                <a:spcPct val="100000"/>
-              </a:lnSpc>
-              <a:spcBef>
-                <a:spcPct val="0"/>
-              </a:spcBef>
-              <a:spcAft>
-                <a:spcPct val="0"/>
-              </a:spcAft>
-              <a:buClrTx/>
-              <a:buSzTx/>
-              <a:buFontTx/>
-              <a:buNone/>
-              <a:tabLst/>
-            </a:pPr>
-            <a:r>
-              <a:rPr kumimoji="0" lang="ru-RU" sz="1000" b="1" i="0" u="none" strike="noStrike" cap="none" normalizeH="0" baseline="0" dirty="0" smtClean="0">
-                <a:ln>
-                  <a:noFill/>
-                </a:ln>
+          <a:p>
+            <a:pPr algn="l"/>
+            <a:r>
+              <a:rPr lang="ru-RU" sz="2000" b="1" dirty="0" err="1">
                 <a:solidFill>
                   <a:srgbClr val="000080"/>
                 </a:solidFill>
-                <a:effectLst/>
-                <a:latin typeface="Courier New" pitchFamily="49" charset="0"/>
-                <a:cs typeface="Courier New" pitchFamily="49" charset="0"/>
-              </a:rPr>
-              <a:t>public class </a:t>
-            </a:r>
-            <a:r>
-              <a:rPr kumimoji="0" lang="ru-RU" sz="1000" b="0" i="0" u="none" strike="noStrike" cap="none" normalizeH="0" baseline="0" dirty="0" smtClean="0">
-                <a:ln>
-                  <a:noFill/>
-                </a:ln>
+                <a:latin typeface="Courier New" pitchFamily="49" charset="0"/>
+                <a:cs typeface="Courier New" pitchFamily="49" charset="0"/>
+              </a:rPr>
+              <a:t>public</a:t>
+            </a:r>
+            <a:r>
+              <a:rPr lang="ru-RU" sz="2000" b="1" dirty="0">
+                <a:solidFill>
+                  <a:srgbClr val="000080"/>
+                </a:solidFill>
+                <a:latin typeface="Courier New" pitchFamily="49" charset="0"/>
+                <a:cs typeface="Courier New" pitchFamily="49" charset="0"/>
+              </a:rPr>
+              <a:t> </a:t>
+            </a:r>
+            <a:r>
+              <a:rPr lang="ru-RU" sz="2000" b="1" dirty="0" err="1">
+                <a:solidFill>
+                  <a:srgbClr val="000080"/>
+                </a:solidFill>
+                <a:latin typeface="Courier New" pitchFamily="49" charset="0"/>
+                <a:cs typeface="Courier New" pitchFamily="49" charset="0"/>
+              </a:rPr>
+              <a:t>class</a:t>
+            </a:r>
+            <a:r>
+              <a:rPr lang="ru-RU" sz="2000" b="1" dirty="0">
+                <a:solidFill>
+                  <a:srgbClr val="000080"/>
+                </a:solidFill>
+                <a:latin typeface="Courier New" pitchFamily="49" charset="0"/>
+                <a:cs typeface="Courier New" pitchFamily="49" charset="0"/>
+              </a:rPr>
+              <a:t> </a:t>
+            </a:r>
+            <a:r>
+              <a:rPr lang="ru-RU" sz="2000" dirty="0" err="1">
                 <a:solidFill>
                   <a:srgbClr val="000000"/>
                 </a:solidFill>
-                <a:effectLst/>
-                <a:latin typeface="Courier New" pitchFamily="49" charset="0"/>
-                <a:cs typeface="Courier New" pitchFamily="49" charset="0"/>
-              </a:rPr>
-              <a:t>DynamicBindingTest {</a:t>
+                <a:latin typeface="Courier New" pitchFamily="49" charset="0"/>
+                <a:cs typeface="Courier New" pitchFamily="49" charset="0"/>
+              </a:rPr>
+              <a:t>DynamicBindingTest</a:t>
+            </a:r>
+            <a:r>
+              <a:rPr lang="ru-RU" sz="2000" dirty="0">
+                <a:solidFill>
+                  <a:srgbClr val="000000"/>
+                </a:solidFill>
+                <a:latin typeface="Courier New" pitchFamily="49" charset="0"/>
+                <a:cs typeface="Courier New" pitchFamily="49" charset="0"/>
+              </a:rPr>
+              <a:t> {</a:t>
             </a:r>
             <a:br>
-              <a:rPr kumimoji="0" lang="ru-RU" sz="1000" b="0" i="0" u="none" strike="noStrike" cap="none" normalizeH="0" baseline="0" dirty="0" smtClean="0">
-                <a:ln>
-                  <a:noFill/>
-                </a:ln>
+              <a:rPr lang="ru-RU" sz="2000" dirty="0">
                 <a:solidFill>
                   <a:srgbClr val="000000"/>
                 </a:solidFill>
-                <a:effectLst/>
                 <a:latin typeface="Courier New" pitchFamily="49" charset="0"/>
                 <a:cs typeface="Courier New" pitchFamily="49" charset="0"/>
               </a:rPr>
             </a:br>
             <a:r>
-              <a:rPr kumimoji="0" lang="ru-RU" sz="1000" b="0" i="0" u="none" strike="noStrike" cap="none" normalizeH="0" baseline="0" dirty="0" smtClean="0">
-                <a:ln>
-                  <a:noFill/>
-                </a:ln>
+              <a:rPr lang="ru-RU" sz="2000" dirty="0">
                 <a:solidFill>
                   <a:srgbClr val="000000"/>
                 </a:solidFill>
-                <a:effectLst/>
                 <a:latin typeface="Courier New" pitchFamily="49" charset="0"/>
                 <a:cs typeface="Courier New" pitchFamily="49" charset="0"/>
               </a:rPr>
               <a:t/>
             </a:r>
             <a:br>
-              <a:rPr kumimoji="0" lang="ru-RU" sz="1000" b="0" i="0" u="none" strike="noStrike" cap="none" normalizeH="0" baseline="0" dirty="0" smtClean="0">
-                <a:ln>
-                  <a:noFill/>
-                </a:ln>
+              <a:rPr lang="ru-RU" sz="2000" dirty="0">
                 <a:solidFill>
                   <a:srgbClr val="000000"/>
                 </a:solidFill>
-                <a:effectLst/>
                 <a:latin typeface="Courier New" pitchFamily="49" charset="0"/>
                 <a:cs typeface="Courier New" pitchFamily="49" charset="0"/>
               </a:rPr>
             </a:br>
             <a:r>
-              <a:rPr kumimoji="0" lang="ru-RU" sz="1000" b="0" i="0" u="none" strike="noStrike" cap="none" normalizeH="0" baseline="0" dirty="0" smtClean="0">
-                <a:ln>
-                  <a:noFill/>
-                </a:ln>
+              <a:rPr lang="ru-RU" sz="2000" dirty="0">
                 <a:solidFill>
                   <a:srgbClr val="000000"/>
                 </a:solidFill>
-                <a:effectLst/>
                 <a:latin typeface="Courier New" pitchFamily="49" charset="0"/>
                 <a:cs typeface="Courier New" pitchFamily="49" charset="0"/>
               </a:rPr>
               <a:t>    </a:t>
             </a:r>
             <a:r>
-              <a:rPr kumimoji="0" lang="ru-RU" sz="1000" b="1" i="0" u="none" strike="noStrike" cap="none" normalizeH="0" baseline="0" dirty="0" smtClean="0">
-                <a:ln>
-                  <a:noFill/>
-                </a:ln>
+              <a:rPr lang="ru-RU" sz="2000" b="1" dirty="0" err="1">
                 <a:solidFill>
                   <a:srgbClr val="000080"/>
                 </a:solidFill>
-                <a:effectLst/>
-                <a:latin typeface="Courier New" pitchFamily="49" charset="0"/>
-                <a:cs typeface="Courier New" pitchFamily="49" charset="0"/>
-              </a:rPr>
-              <a:t>public static void </a:t>
-            </a:r>
-            <a:r>
-              <a:rPr kumimoji="0" lang="ru-RU" sz="1000" b="0" i="0" u="none" strike="noStrike" cap="none" normalizeH="0" baseline="0" dirty="0" smtClean="0">
-                <a:ln>
-                  <a:noFill/>
-                </a:ln>
+                <a:latin typeface="Courier New" pitchFamily="49" charset="0"/>
+                <a:cs typeface="Courier New" pitchFamily="49" charset="0"/>
+              </a:rPr>
+              <a:t>public</a:t>
+            </a:r>
+            <a:r>
+              <a:rPr lang="ru-RU" sz="2000" b="1" dirty="0">
+                <a:solidFill>
+                  <a:srgbClr val="000080"/>
+                </a:solidFill>
+                <a:latin typeface="Courier New" pitchFamily="49" charset="0"/>
+                <a:cs typeface="Courier New" pitchFamily="49" charset="0"/>
+              </a:rPr>
+              <a:t> </a:t>
+            </a:r>
+            <a:r>
+              <a:rPr lang="ru-RU" sz="2000" b="1" dirty="0" err="1">
+                <a:solidFill>
+                  <a:srgbClr val="000080"/>
+                </a:solidFill>
+                <a:latin typeface="Courier New" pitchFamily="49" charset="0"/>
+                <a:cs typeface="Courier New" pitchFamily="49" charset="0"/>
+              </a:rPr>
+              <a:t>static</a:t>
+            </a:r>
+            <a:r>
+              <a:rPr lang="ru-RU" sz="2000" b="1" dirty="0">
+                <a:solidFill>
+                  <a:srgbClr val="000080"/>
+                </a:solidFill>
+                <a:latin typeface="Courier New" pitchFamily="49" charset="0"/>
+                <a:cs typeface="Courier New" pitchFamily="49" charset="0"/>
+              </a:rPr>
+              <a:t> </a:t>
+            </a:r>
+            <a:r>
+              <a:rPr lang="ru-RU" sz="2000" b="1" dirty="0" err="1">
+                <a:solidFill>
+                  <a:srgbClr val="000080"/>
+                </a:solidFill>
+                <a:latin typeface="Courier New" pitchFamily="49" charset="0"/>
+                <a:cs typeface="Courier New" pitchFamily="49" charset="0"/>
+              </a:rPr>
+              <a:t>void</a:t>
+            </a:r>
+            <a:r>
+              <a:rPr lang="ru-RU" sz="2000" b="1" dirty="0">
+                <a:solidFill>
+                  <a:srgbClr val="000080"/>
+                </a:solidFill>
+                <a:latin typeface="Courier New" pitchFamily="49" charset="0"/>
+                <a:cs typeface="Courier New" pitchFamily="49" charset="0"/>
+              </a:rPr>
+              <a:t> </a:t>
+            </a:r>
+            <a:r>
+              <a:rPr lang="ru-RU" sz="2000" dirty="0" err="1">
                 <a:solidFill>
                   <a:srgbClr val="000000"/>
                 </a:solidFill>
-                <a:effectLst/>
-                <a:latin typeface="Courier New" pitchFamily="49" charset="0"/>
-                <a:cs typeface="Courier New" pitchFamily="49" charset="0"/>
-              </a:rPr>
-              <a:t>main(String args[]) {</a:t>
+                <a:latin typeface="Courier New" pitchFamily="49" charset="0"/>
+                <a:cs typeface="Courier New" pitchFamily="49" charset="0"/>
+              </a:rPr>
+              <a:t>main</a:t>
+            </a:r>
+            <a:r>
+              <a:rPr lang="ru-RU" sz="2000" dirty="0">
+                <a:solidFill>
+                  <a:srgbClr val="000000"/>
+                </a:solidFill>
+                <a:latin typeface="Courier New" pitchFamily="49" charset="0"/>
+                <a:cs typeface="Courier New" pitchFamily="49" charset="0"/>
+              </a:rPr>
+              <a:t>(</a:t>
+            </a:r>
+            <a:r>
+              <a:rPr lang="ru-RU" sz="2000" dirty="0" err="1">
+                <a:solidFill>
+                  <a:srgbClr val="000000"/>
+                </a:solidFill>
+                <a:latin typeface="Courier New" pitchFamily="49" charset="0"/>
+                <a:cs typeface="Courier New" pitchFamily="49" charset="0"/>
+              </a:rPr>
+              <a:t>String</a:t>
+            </a:r>
+            <a:r>
+              <a:rPr lang="ru-RU" sz="2000" dirty="0">
+                <a:solidFill>
+                  <a:srgbClr val="000000"/>
+                </a:solidFill>
+                <a:latin typeface="Courier New" pitchFamily="49" charset="0"/>
+                <a:cs typeface="Courier New" pitchFamily="49" charset="0"/>
+              </a:rPr>
+              <a:t> </a:t>
+            </a:r>
+            <a:r>
+              <a:rPr lang="ru-RU" sz="2000" dirty="0" err="1">
+                <a:solidFill>
+                  <a:srgbClr val="000000"/>
+                </a:solidFill>
+                <a:latin typeface="Courier New" pitchFamily="49" charset="0"/>
+                <a:cs typeface="Courier New" pitchFamily="49" charset="0"/>
+              </a:rPr>
+              <a:t>args</a:t>
+            </a:r>
+            <a:r>
+              <a:rPr lang="ru-RU" sz="2000" dirty="0">
+                <a:solidFill>
+                  <a:srgbClr val="000000"/>
+                </a:solidFill>
+                <a:latin typeface="Courier New" pitchFamily="49" charset="0"/>
+                <a:cs typeface="Courier New" pitchFamily="49" charset="0"/>
+              </a:rPr>
+              <a:t>[]) {</a:t>
             </a:r>
             <a:br>
-              <a:rPr kumimoji="0" lang="ru-RU" sz="1000" b="0" i="0" u="none" strike="noStrike" cap="none" normalizeH="0" baseline="0" dirty="0" smtClean="0">
-                <a:ln>
-                  <a:noFill/>
-                </a:ln>
+              <a:rPr lang="ru-RU" sz="2000" dirty="0">
                 <a:solidFill>
                   <a:srgbClr val="000000"/>
                 </a:solidFill>
-                <a:effectLst/>
                 <a:latin typeface="Courier New" pitchFamily="49" charset="0"/>
                 <a:cs typeface="Courier New" pitchFamily="49" charset="0"/>
               </a:rPr>
             </a:br>
             <a:r>
-              <a:rPr kumimoji="0" lang="ru-RU" sz="1000" b="0" i="0" u="none" strike="noStrike" cap="none" normalizeH="0" baseline="0" dirty="0" smtClean="0">
-                <a:ln>
-                  <a:noFill/>
-                </a:ln>
+              <a:rPr lang="ru-RU" sz="2000" dirty="0">
                 <a:solidFill>
                   <a:srgbClr val="000000"/>
                 </a:solidFill>
-                <a:effectLst/>
-                <a:latin typeface="Courier New" pitchFamily="49" charset="0"/>
-                <a:cs typeface="Courier New" pitchFamily="49" charset="0"/>
-              </a:rPr>
-              <a:t>        Vehicle = </a:t>
-            </a:r>
-            <a:r>
-              <a:rPr kumimoji="0" lang="ru-RU" sz="1000" b="1" i="0" u="none" strike="noStrike" cap="none" normalizeH="0" baseline="0" dirty="0" smtClean="0">
-                <a:ln>
-                  <a:noFill/>
-                </a:ln>
+                <a:latin typeface="Courier New" pitchFamily="49" charset="0"/>
+                <a:cs typeface="Courier New" pitchFamily="49" charset="0"/>
+              </a:rPr>
+              <a:t>        </a:t>
+            </a:r>
+            <a:r>
+              <a:rPr lang="ru-RU" sz="2000" dirty="0" err="1">
+                <a:solidFill>
+                  <a:srgbClr val="000000"/>
+                </a:solidFill>
+                <a:latin typeface="Courier New" pitchFamily="49" charset="0"/>
+                <a:cs typeface="Courier New" pitchFamily="49" charset="0"/>
+              </a:rPr>
+              <a:t>Vehicle</a:t>
+            </a:r>
+            <a:r>
+              <a:rPr lang="ru-RU" sz="2000" dirty="0">
+                <a:solidFill>
+                  <a:srgbClr val="000000"/>
+                </a:solidFill>
+                <a:latin typeface="Courier New" pitchFamily="49" charset="0"/>
+                <a:cs typeface="Courier New" pitchFamily="49" charset="0"/>
+              </a:rPr>
+              <a:t> = </a:t>
+            </a:r>
+            <a:r>
+              <a:rPr lang="ru-RU" sz="2000" b="1" dirty="0" err="1">
                 <a:solidFill>
                   <a:srgbClr val="000080"/>
                 </a:solidFill>
-                <a:effectLst/>
-                <a:latin typeface="Courier New" pitchFamily="49" charset="0"/>
-                <a:cs typeface="Courier New" pitchFamily="49" charset="0"/>
-              </a:rPr>
-              <a:t>new </a:t>
-            </a:r>
-            <a:r>
-              <a:rPr kumimoji="0" lang="ru-RU" sz="1000" b="0" i="0" u="none" strike="noStrike" cap="none" normalizeH="0" baseline="0" dirty="0" smtClean="0">
-                <a:ln>
-                  <a:noFill/>
-                </a:ln>
+                <a:latin typeface="Courier New" pitchFamily="49" charset="0"/>
+                <a:cs typeface="Courier New" pitchFamily="49" charset="0"/>
+              </a:rPr>
+              <a:t>new</a:t>
+            </a:r>
+            <a:r>
+              <a:rPr lang="ru-RU" sz="2000" b="1" dirty="0">
+                <a:solidFill>
+                  <a:srgbClr val="000080"/>
+                </a:solidFill>
+                <a:latin typeface="Courier New" pitchFamily="49" charset="0"/>
+                <a:cs typeface="Courier New" pitchFamily="49" charset="0"/>
+              </a:rPr>
+              <a:t> </a:t>
+            </a:r>
+            <a:r>
+              <a:rPr lang="ru-RU" sz="2000" dirty="0" err="1">
                 <a:solidFill>
                   <a:srgbClr val="000000"/>
                 </a:solidFill>
-                <a:effectLst/>
-                <a:latin typeface="Courier New" pitchFamily="49" charset="0"/>
-                <a:cs typeface="Courier New" pitchFamily="49" charset="0"/>
-              </a:rPr>
-              <a:t>Car(); </a:t>
-            </a:r>
-            <a:r>
-              <a:rPr kumimoji="0" lang="ru-RU" sz="1000" b="0" i="1" u="none" strike="noStrike" cap="none" normalizeH="0" baseline="0" dirty="0" smtClean="0">
-                <a:ln>
-                  <a:noFill/>
-                </a:ln>
+                <a:latin typeface="Courier New" pitchFamily="49" charset="0"/>
+                <a:cs typeface="Courier New" pitchFamily="49" charset="0"/>
+              </a:rPr>
+              <a:t>Car</a:t>
+            </a:r>
+            <a:r>
+              <a:rPr lang="ru-RU" sz="2000" dirty="0">
+                <a:solidFill>
+                  <a:srgbClr val="000000"/>
+                </a:solidFill>
+                <a:latin typeface="Courier New" pitchFamily="49" charset="0"/>
+                <a:cs typeface="Courier New" pitchFamily="49" charset="0"/>
+              </a:rPr>
+              <a:t>(); </a:t>
+            </a:r>
+            <a:r>
+              <a:rPr lang="ru-RU" sz="2000" i="1" dirty="0">
                 <a:solidFill>
                   <a:srgbClr val="808080"/>
                 </a:solidFill>
-                <a:effectLst/>
-                <a:latin typeface="Courier New" pitchFamily="49" charset="0"/>
-                <a:cs typeface="Courier New" pitchFamily="49" charset="0"/>
-              </a:rPr>
-              <a:t>//here Type is vehicle but object will be Car</a:t>
+                <a:latin typeface="Courier New" pitchFamily="49" charset="0"/>
+                <a:cs typeface="Courier New" pitchFamily="49" charset="0"/>
+              </a:rPr>
+              <a:t>//</a:t>
+            </a:r>
+            <a:r>
+              <a:rPr lang="ru-RU" sz="2000" i="1" dirty="0" err="1">
+                <a:solidFill>
+                  <a:srgbClr val="808080"/>
+                </a:solidFill>
+                <a:latin typeface="Courier New" pitchFamily="49" charset="0"/>
+                <a:cs typeface="Courier New" pitchFamily="49" charset="0"/>
+              </a:rPr>
+              <a:t>here</a:t>
+            </a:r>
+            <a:r>
+              <a:rPr lang="ru-RU" sz="2000" i="1" dirty="0">
+                <a:solidFill>
+                  <a:srgbClr val="808080"/>
+                </a:solidFill>
+                <a:latin typeface="Courier New" pitchFamily="49" charset="0"/>
+                <a:cs typeface="Courier New" pitchFamily="49" charset="0"/>
+              </a:rPr>
+              <a:t> </a:t>
+            </a:r>
+            <a:r>
+              <a:rPr lang="ru-RU" sz="2000" i="1" dirty="0" err="1">
+                <a:solidFill>
+                  <a:srgbClr val="808080"/>
+                </a:solidFill>
+                <a:latin typeface="Courier New" pitchFamily="49" charset="0"/>
+                <a:cs typeface="Courier New" pitchFamily="49" charset="0"/>
+              </a:rPr>
+              <a:t>Type</a:t>
+            </a:r>
+            <a:r>
+              <a:rPr lang="ru-RU" sz="2000" i="1" dirty="0">
+                <a:solidFill>
+                  <a:srgbClr val="808080"/>
+                </a:solidFill>
+                <a:latin typeface="Courier New" pitchFamily="49" charset="0"/>
+                <a:cs typeface="Courier New" pitchFamily="49" charset="0"/>
+              </a:rPr>
+              <a:t> </a:t>
+            </a:r>
+            <a:r>
+              <a:rPr lang="ru-RU" sz="2000" i="1" dirty="0" err="1">
+                <a:solidFill>
+                  <a:srgbClr val="808080"/>
+                </a:solidFill>
+                <a:latin typeface="Courier New" pitchFamily="49" charset="0"/>
+                <a:cs typeface="Courier New" pitchFamily="49" charset="0"/>
+              </a:rPr>
+              <a:t>is</a:t>
+            </a:r>
+            <a:r>
+              <a:rPr lang="ru-RU" sz="2000" i="1" dirty="0">
+                <a:solidFill>
+                  <a:srgbClr val="808080"/>
+                </a:solidFill>
+                <a:latin typeface="Courier New" pitchFamily="49" charset="0"/>
+                <a:cs typeface="Courier New" pitchFamily="49" charset="0"/>
+              </a:rPr>
+              <a:t> </a:t>
+            </a:r>
+            <a:r>
+              <a:rPr lang="ru-RU" sz="2000" i="1" dirty="0" err="1">
+                <a:solidFill>
+                  <a:srgbClr val="808080"/>
+                </a:solidFill>
+                <a:latin typeface="Courier New" pitchFamily="49" charset="0"/>
+                <a:cs typeface="Courier New" pitchFamily="49" charset="0"/>
+              </a:rPr>
+              <a:t>vehicle</a:t>
+            </a:r>
+            <a:r>
+              <a:rPr lang="ru-RU" sz="2000" i="1" dirty="0">
+                <a:solidFill>
+                  <a:srgbClr val="808080"/>
+                </a:solidFill>
+                <a:latin typeface="Courier New" pitchFamily="49" charset="0"/>
+                <a:cs typeface="Courier New" pitchFamily="49" charset="0"/>
+              </a:rPr>
+              <a:t> </a:t>
+            </a:r>
+            <a:r>
+              <a:rPr lang="ru-RU" sz="2000" i="1" dirty="0" err="1">
+                <a:solidFill>
+                  <a:srgbClr val="808080"/>
+                </a:solidFill>
+                <a:latin typeface="Courier New" pitchFamily="49" charset="0"/>
+                <a:cs typeface="Courier New" pitchFamily="49" charset="0"/>
+              </a:rPr>
+              <a:t>but</a:t>
+            </a:r>
+            <a:r>
+              <a:rPr lang="ru-RU" sz="2000" i="1" dirty="0">
+                <a:solidFill>
+                  <a:srgbClr val="808080"/>
+                </a:solidFill>
+                <a:latin typeface="Courier New" pitchFamily="49" charset="0"/>
+                <a:cs typeface="Courier New" pitchFamily="49" charset="0"/>
+              </a:rPr>
+              <a:t> </a:t>
+            </a:r>
+            <a:r>
+              <a:rPr lang="ru-RU" sz="2000" i="1" dirty="0" err="1">
+                <a:solidFill>
+                  <a:srgbClr val="808080"/>
+                </a:solidFill>
+                <a:latin typeface="Courier New" pitchFamily="49" charset="0"/>
+                <a:cs typeface="Courier New" pitchFamily="49" charset="0"/>
+              </a:rPr>
+              <a:t>object</a:t>
+            </a:r>
+            <a:r>
+              <a:rPr lang="ru-RU" sz="2000" i="1" dirty="0">
+                <a:solidFill>
+                  <a:srgbClr val="808080"/>
+                </a:solidFill>
+                <a:latin typeface="Courier New" pitchFamily="49" charset="0"/>
+                <a:cs typeface="Courier New" pitchFamily="49" charset="0"/>
+              </a:rPr>
+              <a:t> </a:t>
+            </a:r>
+            <a:r>
+              <a:rPr lang="ru-RU" sz="2000" i="1" dirty="0" err="1">
+                <a:solidFill>
+                  <a:srgbClr val="808080"/>
+                </a:solidFill>
+                <a:latin typeface="Courier New" pitchFamily="49" charset="0"/>
+                <a:cs typeface="Courier New" pitchFamily="49" charset="0"/>
+              </a:rPr>
+              <a:t>will</a:t>
+            </a:r>
+            <a:r>
+              <a:rPr lang="ru-RU" sz="2000" i="1" dirty="0">
+                <a:solidFill>
+                  <a:srgbClr val="808080"/>
+                </a:solidFill>
+                <a:latin typeface="Courier New" pitchFamily="49" charset="0"/>
+                <a:cs typeface="Courier New" pitchFamily="49" charset="0"/>
+              </a:rPr>
+              <a:t> </a:t>
+            </a:r>
+            <a:r>
+              <a:rPr lang="ru-RU" sz="2000" i="1" dirty="0" err="1">
+                <a:solidFill>
+                  <a:srgbClr val="808080"/>
+                </a:solidFill>
+                <a:latin typeface="Courier New" pitchFamily="49" charset="0"/>
+                <a:cs typeface="Courier New" pitchFamily="49" charset="0"/>
+              </a:rPr>
+              <a:t>be</a:t>
+            </a:r>
+            <a:r>
+              <a:rPr lang="ru-RU" sz="2000" i="1" dirty="0">
+                <a:solidFill>
+                  <a:srgbClr val="808080"/>
+                </a:solidFill>
+                <a:latin typeface="Courier New" pitchFamily="49" charset="0"/>
+                <a:cs typeface="Courier New" pitchFamily="49" charset="0"/>
+              </a:rPr>
+              <a:t> </a:t>
+            </a:r>
+            <a:r>
+              <a:rPr lang="ru-RU" sz="2000" i="1" dirty="0" err="1">
+                <a:solidFill>
+                  <a:srgbClr val="808080"/>
+                </a:solidFill>
+                <a:latin typeface="Courier New" pitchFamily="49" charset="0"/>
+                <a:cs typeface="Courier New" pitchFamily="49" charset="0"/>
+              </a:rPr>
+              <a:t>Car</a:t>
+            </a:r>
+            <a:r>
+              <a:rPr lang="ru-RU" sz="2000" i="1" dirty="0">
+                <a:solidFill>
+                  <a:srgbClr val="808080"/>
+                </a:solidFill>
+                <a:latin typeface="Courier New" pitchFamily="49" charset="0"/>
+                <a:cs typeface="Courier New" pitchFamily="49" charset="0"/>
+              </a:rPr>
+              <a:t/>
             </a:r>
             <a:br>
-              <a:rPr kumimoji="0" lang="ru-RU" sz="1000" b="0" i="1" u="none" strike="noStrike" cap="none" normalizeH="0" baseline="0" dirty="0" smtClean="0">
-                <a:ln>
-                  <a:noFill/>
-                </a:ln>
+              <a:rPr lang="ru-RU" sz="2000" i="1" dirty="0">
                 <a:solidFill>
                   <a:srgbClr val="808080"/>
                 </a:solidFill>
-                <a:effectLst/>
                 <a:latin typeface="Courier New" pitchFamily="49" charset="0"/>
                 <a:cs typeface="Courier New" pitchFamily="49" charset="0"/>
               </a:rPr>
             </a:br>
             <a:r>
-              <a:rPr kumimoji="0" lang="ru-RU" sz="1000" b="0" i="1" u="none" strike="noStrike" cap="none" normalizeH="0" baseline="0" dirty="0" smtClean="0">
-                <a:ln>
-                  <a:noFill/>
-                </a:ln>
+              <a:rPr lang="ru-RU" sz="2000" i="1" dirty="0">
                 <a:solidFill>
                   <a:srgbClr val="808080"/>
                 </a:solidFill>
-                <a:effectLst/>
                 <a:latin typeface="Courier New" pitchFamily="49" charset="0"/>
                 <a:cs typeface="Courier New" pitchFamily="49" charset="0"/>
               </a:rPr>
               <a:t>        </a:t>
             </a:r>
             <a:r>
-              <a:rPr kumimoji="0" lang="ru-RU" sz="1000" b="0" i="0" u="none" strike="noStrike" cap="none" normalizeH="0" baseline="0" dirty="0" smtClean="0">
-                <a:ln>
-                  <a:noFill/>
-                </a:ln>
+              <a:rPr lang="ru-RU" sz="2000" dirty="0" err="1">
                 <a:solidFill>
                   <a:srgbClr val="000000"/>
                 </a:solidFill>
-                <a:effectLst/>
-                <a:latin typeface="Courier New" pitchFamily="49" charset="0"/>
-                <a:cs typeface="Courier New" pitchFamily="49" charset="0"/>
-              </a:rPr>
-              <a:t>vehicle.start();       </a:t>
-            </a:r>
-            <a:r>
-              <a:rPr kumimoji="0" lang="ru-RU" sz="1000" b="0" i="1" u="none" strike="noStrike" cap="none" normalizeH="0" baseline="0" dirty="0" smtClean="0">
-                <a:ln>
-                  <a:noFill/>
-                </a:ln>
+                <a:latin typeface="Courier New" pitchFamily="49" charset="0"/>
+                <a:cs typeface="Courier New" pitchFamily="49" charset="0"/>
+              </a:rPr>
+              <a:t>vehicle.start</a:t>
+            </a:r>
+            <a:r>
+              <a:rPr lang="ru-RU" sz="2000" dirty="0">
+                <a:solidFill>
+                  <a:srgbClr val="000000"/>
+                </a:solidFill>
+                <a:latin typeface="Courier New" pitchFamily="49" charset="0"/>
+                <a:cs typeface="Courier New" pitchFamily="49" charset="0"/>
+              </a:rPr>
+              <a:t>();       </a:t>
+            </a:r>
+            <a:r>
+              <a:rPr lang="ru-RU" sz="2000" i="1" dirty="0">
                 <a:solidFill>
                   <a:srgbClr val="808080"/>
                 </a:solidFill>
-                <a:effectLst/>
-                <a:latin typeface="Courier New" pitchFamily="49" charset="0"/>
-                <a:cs typeface="Courier New" pitchFamily="49" charset="0"/>
-              </a:rPr>
-              <a:t>//Car's start called because start() is overridden method</a:t>
+                <a:latin typeface="Courier New" pitchFamily="49" charset="0"/>
+                <a:cs typeface="Courier New" pitchFamily="49" charset="0"/>
+              </a:rPr>
+              <a:t>//</a:t>
+            </a:r>
+            <a:r>
+              <a:rPr lang="ru-RU" sz="2000" i="1" dirty="0" err="1">
+                <a:solidFill>
+                  <a:srgbClr val="808080"/>
+                </a:solidFill>
+                <a:latin typeface="Courier New" pitchFamily="49" charset="0"/>
+                <a:cs typeface="Courier New" pitchFamily="49" charset="0"/>
+              </a:rPr>
+              <a:t>Car's</a:t>
+            </a:r>
+            <a:r>
+              <a:rPr lang="ru-RU" sz="2000" i="1" dirty="0">
+                <a:solidFill>
+                  <a:srgbClr val="808080"/>
+                </a:solidFill>
+                <a:latin typeface="Courier New" pitchFamily="49" charset="0"/>
+                <a:cs typeface="Courier New" pitchFamily="49" charset="0"/>
+              </a:rPr>
+              <a:t> </a:t>
+            </a:r>
+            <a:r>
+              <a:rPr lang="ru-RU" sz="2000" i="1" dirty="0" err="1">
+                <a:solidFill>
+                  <a:srgbClr val="808080"/>
+                </a:solidFill>
+                <a:latin typeface="Courier New" pitchFamily="49" charset="0"/>
+                <a:cs typeface="Courier New" pitchFamily="49" charset="0"/>
+              </a:rPr>
+              <a:t>start</a:t>
+            </a:r>
+            <a:r>
+              <a:rPr lang="ru-RU" sz="2000" i="1" dirty="0">
+                <a:solidFill>
+                  <a:srgbClr val="808080"/>
+                </a:solidFill>
+                <a:latin typeface="Courier New" pitchFamily="49" charset="0"/>
+                <a:cs typeface="Courier New" pitchFamily="49" charset="0"/>
+              </a:rPr>
+              <a:t> </a:t>
+            </a:r>
+            <a:r>
+              <a:rPr lang="ru-RU" sz="2000" i="1" dirty="0" err="1">
+                <a:solidFill>
+                  <a:srgbClr val="808080"/>
+                </a:solidFill>
+                <a:latin typeface="Courier New" pitchFamily="49" charset="0"/>
+                <a:cs typeface="Courier New" pitchFamily="49" charset="0"/>
+              </a:rPr>
+              <a:t>called</a:t>
+            </a:r>
+            <a:r>
+              <a:rPr lang="ru-RU" sz="2000" i="1" dirty="0">
+                <a:solidFill>
+                  <a:srgbClr val="808080"/>
+                </a:solidFill>
+                <a:latin typeface="Courier New" pitchFamily="49" charset="0"/>
+                <a:cs typeface="Courier New" pitchFamily="49" charset="0"/>
+              </a:rPr>
+              <a:t> </a:t>
+            </a:r>
+            <a:r>
+              <a:rPr lang="ru-RU" sz="2000" i="1" dirty="0" err="1">
+                <a:solidFill>
+                  <a:srgbClr val="808080"/>
+                </a:solidFill>
+                <a:latin typeface="Courier New" pitchFamily="49" charset="0"/>
+                <a:cs typeface="Courier New" pitchFamily="49" charset="0"/>
+              </a:rPr>
+              <a:t>because</a:t>
+            </a:r>
+            <a:r>
+              <a:rPr lang="ru-RU" sz="2000" i="1" dirty="0">
+                <a:solidFill>
+                  <a:srgbClr val="808080"/>
+                </a:solidFill>
+                <a:latin typeface="Courier New" pitchFamily="49" charset="0"/>
+                <a:cs typeface="Courier New" pitchFamily="49" charset="0"/>
+              </a:rPr>
+              <a:t> </a:t>
+            </a:r>
+            <a:r>
+              <a:rPr lang="ru-RU" sz="2000" i="1" dirty="0" err="1">
+                <a:solidFill>
+                  <a:srgbClr val="808080"/>
+                </a:solidFill>
+                <a:latin typeface="Courier New" pitchFamily="49" charset="0"/>
+                <a:cs typeface="Courier New" pitchFamily="49" charset="0"/>
+              </a:rPr>
+              <a:t>start</a:t>
+            </a:r>
+            <a:r>
+              <a:rPr lang="ru-RU" sz="2000" i="1" dirty="0">
+                <a:solidFill>
+                  <a:srgbClr val="808080"/>
+                </a:solidFill>
+                <a:latin typeface="Courier New" pitchFamily="49" charset="0"/>
+                <a:cs typeface="Courier New" pitchFamily="49" charset="0"/>
+              </a:rPr>
+              <a:t>() </a:t>
+            </a:r>
+            <a:r>
+              <a:rPr lang="ru-RU" sz="2000" i="1" dirty="0" err="1">
+                <a:solidFill>
+                  <a:srgbClr val="808080"/>
+                </a:solidFill>
+                <a:latin typeface="Courier New" pitchFamily="49" charset="0"/>
+                <a:cs typeface="Courier New" pitchFamily="49" charset="0"/>
+              </a:rPr>
+              <a:t>is</a:t>
+            </a:r>
+            <a:r>
+              <a:rPr lang="ru-RU" sz="2000" i="1" dirty="0">
+                <a:solidFill>
+                  <a:srgbClr val="808080"/>
+                </a:solidFill>
+                <a:latin typeface="Courier New" pitchFamily="49" charset="0"/>
+                <a:cs typeface="Courier New" pitchFamily="49" charset="0"/>
+              </a:rPr>
+              <a:t> </a:t>
+            </a:r>
+            <a:r>
+              <a:rPr lang="ru-RU" sz="2000" i="1" dirty="0" err="1">
+                <a:solidFill>
+                  <a:srgbClr val="808080"/>
+                </a:solidFill>
+                <a:latin typeface="Courier New" pitchFamily="49" charset="0"/>
+                <a:cs typeface="Courier New" pitchFamily="49" charset="0"/>
+              </a:rPr>
+              <a:t>overridden</a:t>
+            </a:r>
+            <a:r>
+              <a:rPr lang="ru-RU" sz="2000" i="1" dirty="0">
+                <a:solidFill>
+                  <a:srgbClr val="808080"/>
+                </a:solidFill>
+                <a:latin typeface="Courier New" pitchFamily="49" charset="0"/>
+                <a:cs typeface="Courier New" pitchFamily="49" charset="0"/>
+              </a:rPr>
+              <a:t> </a:t>
+            </a:r>
+            <a:r>
+              <a:rPr lang="ru-RU" sz="2000" i="1" dirty="0" err="1">
+                <a:solidFill>
+                  <a:srgbClr val="808080"/>
+                </a:solidFill>
+                <a:latin typeface="Courier New" pitchFamily="49" charset="0"/>
+                <a:cs typeface="Courier New" pitchFamily="49" charset="0"/>
+              </a:rPr>
+              <a:t>method</a:t>
+            </a:r>
+            <a:r>
+              <a:rPr lang="ru-RU" sz="2000" i="1" dirty="0">
+                <a:solidFill>
+                  <a:srgbClr val="808080"/>
+                </a:solidFill>
+                <a:latin typeface="Courier New" pitchFamily="49" charset="0"/>
+                <a:cs typeface="Courier New" pitchFamily="49" charset="0"/>
+              </a:rPr>
+              <a:t/>
             </a:r>
             <a:br>
-              <a:rPr kumimoji="0" lang="ru-RU" sz="1000" b="0" i="1" u="none" strike="noStrike" cap="none" normalizeH="0" baseline="0" dirty="0" smtClean="0">
-                <a:ln>
-                  <a:noFill/>
-                </a:ln>
+              <a:rPr lang="ru-RU" sz="2000" i="1" dirty="0">
                 <a:solidFill>
                   <a:srgbClr val="808080"/>
                 </a:solidFill>
-                <a:effectLst/>
                 <a:latin typeface="Courier New" pitchFamily="49" charset="0"/>
                 <a:cs typeface="Courier New" pitchFamily="49" charset="0"/>
               </a:rPr>
             </a:br>
             <a:r>
-              <a:rPr kumimoji="0" lang="ru-RU" sz="1000" b="0" i="1" u="none" strike="noStrike" cap="none" normalizeH="0" baseline="0" dirty="0" smtClean="0">
-                <a:ln>
-                  <a:noFill/>
-                </a:ln>
+              <a:rPr lang="ru-RU" sz="2000" i="1" dirty="0">
                 <a:solidFill>
                   <a:srgbClr val="808080"/>
                 </a:solidFill>
-                <a:effectLst/>
                 <a:latin typeface="Courier New" pitchFamily="49" charset="0"/>
                 <a:cs typeface="Courier New" pitchFamily="49" charset="0"/>
               </a:rPr>
               <a:t>    </a:t>
             </a:r>
             <a:r>
-              <a:rPr kumimoji="0" lang="ru-RU" sz="1000" b="0" i="0" u="none" strike="noStrike" cap="none" normalizeH="0" baseline="0" dirty="0" smtClean="0">
-                <a:ln>
-                  <a:noFill/>
-                </a:ln>
+              <a:rPr lang="ru-RU" sz="2000" dirty="0">
                 <a:solidFill>
                   <a:srgbClr val="000000"/>
                 </a:solidFill>
-                <a:effectLst/>
                 <a:latin typeface="Courier New" pitchFamily="49" charset="0"/>
                 <a:cs typeface="Courier New" pitchFamily="49" charset="0"/>
               </a:rPr>
               <a:t>}</a:t>
             </a:r>
             <a:br>
-              <a:rPr kumimoji="0" lang="ru-RU" sz="1000" b="0" i="0" u="none" strike="noStrike" cap="none" normalizeH="0" baseline="0" dirty="0" smtClean="0">
-                <a:ln>
-                  <a:noFill/>
-                </a:ln>
+              <a:rPr lang="ru-RU" sz="2000" dirty="0">
                 <a:solidFill>
                   <a:srgbClr val="000000"/>
                 </a:solidFill>
-                <a:effectLst/>
                 <a:latin typeface="Courier New" pitchFamily="49" charset="0"/>
                 <a:cs typeface="Courier New" pitchFamily="49" charset="0"/>
               </a:rPr>
             </a:br>
             <a:r>
-              <a:rPr kumimoji="0" lang="ru-RU" sz="1000" b="0" i="0" u="none" strike="noStrike" cap="none" normalizeH="0" baseline="0" dirty="0" smtClean="0">
-                <a:ln>
-                  <a:noFill/>
-                </a:ln>
+              <a:rPr lang="ru-RU" sz="2000" dirty="0">
                 <a:solidFill>
                   <a:srgbClr val="000000"/>
                 </a:solidFill>
-                <a:effectLst/>
                 <a:latin typeface="Courier New" pitchFamily="49" charset="0"/>
                 <a:cs typeface="Courier New" pitchFamily="49" charset="0"/>
               </a:rPr>
               <a:t>}</a:t>
             </a:r>
             <a:br>
-              <a:rPr kumimoji="0" lang="ru-RU" sz="1000" b="0" i="0" u="none" strike="noStrike" cap="none" normalizeH="0" baseline="0" dirty="0" smtClean="0">
-                <a:ln>
-                  <a:noFill/>
-                </a:ln>
+              <a:rPr lang="ru-RU" sz="2000" dirty="0">
                 <a:solidFill>
                   <a:srgbClr val="000000"/>
                 </a:solidFill>
-                <a:effectLst/>
                 <a:latin typeface="Courier New" pitchFamily="49" charset="0"/>
                 <a:cs typeface="Courier New" pitchFamily="49" charset="0"/>
               </a:rPr>
             </a:br>
             <a:r>
-              <a:rPr kumimoji="0" lang="ru-RU" sz="1000" b="0" i="0" u="none" strike="noStrike" cap="none" normalizeH="0" baseline="0" dirty="0" smtClean="0">
-                <a:ln>
-                  <a:noFill/>
-                </a:ln>
+              <a:rPr lang="ru-RU" sz="2000" dirty="0">
                 <a:solidFill>
                   <a:srgbClr val="000000"/>
                 </a:solidFill>
-                <a:effectLst/>
                 <a:latin typeface="Courier New" pitchFamily="49" charset="0"/>
                 <a:cs typeface="Courier New" pitchFamily="49" charset="0"/>
               </a:rPr>
               <a:t/>
             </a:r>
             <a:br>
-              <a:rPr kumimoji="0" lang="ru-RU" sz="1000" b="0" i="0" u="none" strike="noStrike" cap="none" normalizeH="0" baseline="0" dirty="0" smtClean="0">
-                <a:ln>
-                  <a:noFill/>
-                </a:ln>
+              <a:rPr lang="ru-RU" sz="2000" dirty="0">
                 <a:solidFill>
                   <a:srgbClr val="000000"/>
                 </a:solidFill>
-                <a:effectLst/>
                 <a:latin typeface="Courier New" pitchFamily="49" charset="0"/>
                 <a:cs typeface="Courier New" pitchFamily="49" charset="0"/>
               </a:rPr>
             </a:br>
             <a:r>
-              <a:rPr kumimoji="0" lang="ru-RU" sz="1000" b="1" i="0" u="none" strike="noStrike" cap="none" normalizeH="0" baseline="0" dirty="0" smtClean="0">
-                <a:ln>
-                  <a:noFill/>
-                </a:ln>
+              <a:rPr lang="ru-RU" sz="2000" b="1" dirty="0" err="1">
                 <a:solidFill>
                   <a:srgbClr val="000080"/>
                 </a:solidFill>
-                <a:effectLst/>
-                <a:latin typeface="Courier New" pitchFamily="49" charset="0"/>
-                <a:cs typeface="Courier New" pitchFamily="49" charset="0"/>
-              </a:rPr>
-              <a:t>class </a:t>
-            </a:r>
-            <a:r>
-              <a:rPr kumimoji="0" lang="ru-RU" sz="1000" b="0" i="0" u="none" strike="noStrike" cap="none" normalizeH="0" baseline="0" dirty="0" smtClean="0">
-                <a:ln>
-                  <a:noFill/>
-                </a:ln>
+                <a:latin typeface="Courier New" pitchFamily="49" charset="0"/>
+                <a:cs typeface="Courier New" pitchFamily="49" charset="0"/>
+              </a:rPr>
+              <a:t>class</a:t>
+            </a:r>
+            <a:r>
+              <a:rPr lang="ru-RU" sz="2000" b="1" dirty="0">
+                <a:solidFill>
+                  <a:srgbClr val="000080"/>
+                </a:solidFill>
+                <a:latin typeface="Courier New" pitchFamily="49" charset="0"/>
+                <a:cs typeface="Courier New" pitchFamily="49" charset="0"/>
+              </a:rPr>
+              <a:t> </a:t>
+            </a:r>
+            <a:r>
+              <a:rPr lang="ru-RU" sz="2000" dirty="0" err="1">
                 <a:solidFill>
                   <a:srgbClr val="000000"/>
                 </a:solidFill>
-                <a:effectLst/>
-                <a:latin typeface="Courier New" pitchFamily="49" charset="0"/>
-                <a:cs typeface="Courier New" pitchFamily="49" charset="0"/>
-              </a:rPr>
-              <a:t>Vehicle {</a:t>
+                <a:latin typeface="Courier New" pitchFamily="49" charset="0"/>
+                <a:cs typeface="Courier New" pitchFamily="49" charset="0"/>
+              </a:rPr>
+              <a:t>Vehicle</a:t>
+            </a:r>
+            <a:r>
+              <a:rPr lang="ru-RU" sz="2000" dirty="0">
+                <a:solidFill>
+                  <a:srgbClr val="000000"/>
+                </a:solidFill>
+                <a:latin typeface="Courier New" pitchFamily="49" charset="0"/>
+                <a:cs typeface="Courier New" pitchFamily="49" charset="0"/>
+              </a:rPr>
+              <a:t> {</a:t>
             </a:r>
             <a:br>
-              <a:rPr kumimoji="0" lang="ru-RU" sz="1000" b="0" i="0" u="none" strike="noStrike" cap="none" normalizeH="0" baseline="0" dirty="0" smtClean="0">
-                <a:ln>
-                  <a:noFill/>
-                </a:ln>
+              <a:rPr lang="ru-RU" sz="2000" dirty="0">
                 <a:solidFill>
                   <a:srgbClr val="000000"/>
                 </a:solidFill>
-                <a:effectLst/>
                 <a:latin typeface="Courier New" pitchFamily="49" charset="0"/>
                 <a:cs typeface="Courier New" pitchFamily="49" charset="0"/>
               </a:rPr>
             </a:br>
             <a:r>
-              <a:rPr kumimoji="0" lang="ru-RU" sz="1000" b="0" i="0" u="none" strike="noStrike" cap="none" normalizeH="0" baseline="0" dirty="0" smtClean="0">
-                <a:ln>
-                  <a:noFill/>
-                </a:ln>
+              <a:rPr lang="ru-RU" sz="2000" dirty="0">
                 <a:solidFill>
                   <a:srgbClr val="000000"/>
                 </a:solidFill>
-                <a:effectLst/>
                 <a:latin typeface="Courier New" pitchFamily="49" charset="0"/>
                 <a:cs typeface="Courier New" pitchFamily="49" charset="0"/>
               </a:rPr>
               <a:t/>
             </a:r>
             <a:br>
-              <a:rPr kumimoji="0" lang="ru-RU" sz="1000" b="0" i="0" u="none" strike="noStrike" cap="none" normalizeH="0" baseline="0" dirty="0" smtClean="0">
-                <a:ln>
-                  <a:noFill/>
-                </a:ln>
+              <a:rPr lang="ru-RU" sz="2000" dirty="0">
                 <a:solidFill>
                   <a:srgbClr val="000000"/>
                 </a:solidFill>
-                <a:effectLst/>
                 <a:latin typeface="Courier New" pitchFamily="49" charset="0"/>
                 <a:cs typeface="Courier New" pitchFamily="49" charset="0"/>
               </a:rPr>
             </a:br>
             <a:r>
-              <a:rPr kumimoji="0" lang="ru-RU" sz="1000" b="0" i="0" u="none" strike="noStrike" cap="none" normalizeH="0" baseline="0" dirty="0" smtClean="0">
-                <a:ln>
-                  <a:noFill/>
-                </a:ln>
+              <a:rPr lang="ru-RU" sz="2000" dirty="0">
                 <a:solidFill>
                   <a:srgbClr val="000000"/>
                 </a:solidFill>
-                <a:effectLst/>
                 <a:latin typeface="Courier New" pitchFamily="49" charset="0"/>
                 <a:cs typeface="Courier New" pitchFamily="49" charset="0"/>
               </a:rPr>
               <a:t>    </a:t>
             </a:r>
             <a:r>
-              <a:rPr kumimoji="0" lang="ru-RU" sz="1000" b="1" i="0" u="none" strike="noStrike" cap="none" normalizeH="0" baseline="0" dirty="0" smtClean="0">
-                <a:ln>
-                  <a:noFill/>
-                </a:ln>
+              <a:rPr lang="ru-RU" sz="2000" b="1" dirty="0" err="1">
                 <a:solidFill>
                   <a:srgbClr val="000080"/>
                 </a:solidFill>
-                <a:effectLst/>
-                <a:latin typeface="Courier New" pitchFamily="49" charset="0"/>
-                <a:cs typeface="Courier New" pitchFamily="49" charset="0"/>
-              </a:rPr>
-              <a:t>public void </a:t>
-            </a:r>
-            <a:r>
-              <a:rPr kumimoji="0" lang="ru-RU" sz="1000" b="0" i="0" u="none" strike="noStrike" cap="none" normalizeH="0" baseline="0" dirty="0" smtClean="0">
-                <a:ln>
-                  <a:noFill/>
-                </a:ln>
+                <a:latin typeface="Courier New" pitchFamily="49" charset="0"/>
+                <a:cs typeface="Courier New" pitchFamily="49" charset="0"/>
+              </a:rPr>
+              <a:t>public</a:t>
+            </a:r>
+            <a:r>
+              <a:rPr lang="ru-RU" sz="2000" b="1" dirty="0">
+                <a:solidFill>
+                  <a:srgbClr val="000080"/>
+                </a:solidFill>
+                <a:latin typeface="Courier New" pitchFamily="49" charset="0"/>
+                <a:cs typeface="Courier New" pitchFamily="49" charset="0"/>
+              </a:rPr>
+              <a:t> </a:t>
+            </a:r>
+            <a:r>
+              <a:rPr lang="ru-RU" sz="2000" b="1" dirty="0" err="1">
+                <a:solidFill>
+                  <a:srgbClr val="000080"/>
+                </a:solidFill>
+                <a:latin typeface="Courier New" pitchFamily="49" charset="0"/>
+                <a:cs typeface="Courier New" pitchFamily="49" charset="0"/>
+              </a:rPr>
+              <a:t>void</a:t>
+            </a:r>
+            <a:r>
+              <a:rPr lang="ru-RU" sz="2000" b="1" dirty="0">
+                <a:solidFill>
+                  <a:srgbClr val="000080"/>
+                </a:solidFill>
+                <a:latin typeface="Courier New" pitchFamily="49" charset="0"/>
+                <a:cs typeface="Courier New" pitchFamily="49" charset="0"/>
+              </a:rPr>
+              <a:t> </a:t>
+            </a:r>
+            <a:r>
+              <a:rPr lang="ru-RU" sz="2000" dirty="0" err="1">
                 <a:solidFill>
                   <a:srgbClr val="000000"/>
                 </a:solidFill>
-                <a:effectLst/>
-                <a:latin typeface="Courier New" pitchFamily="49" charset="0"/>
-                <a:cs typeface="Courier New" pitchFamily="49" charset="0"/>
-              </a:rPr>
-              <a:t>start() {</a:t>
+                <a:latin typeface="Courier New" pitchFamily="49" charset="0"/>
+                <a:cs typeface="Courier New" pitchFamily="49" charset="0"/>
+              </a:rPr>
+              <a:t>start</a:t>
+            </a:r>
+            <a:r>
+              <a:rPr lang="ru-RU" sz="2000" dirty="0">
+                <a:solidFill>
+                  <a:srgbClr val="000000"/>
+                </a:solidFill>
+                <a:latin typeface="Courier New" pitchFamily="49" charset="0"/>
+                <a:cs typeface="Courier New" pitchFamily="49" charset="0"/>
+              </a:rPr>
+              <a:t>() {</a:t>
             </a:r>
             <a:br>
-              <a:rPr kumimoji="0" lang="ru-RU" sz="1000" b="0" i="0" u="none" strike="noStrike" cap="none" normalizeH="0" baseline="0" dirty="0" smtClean="0">
-                <a:ln>
-                  <a:noFill/>
-                </a:ln>
+              <a:rPr lang="ru-RU" sz="2000" dirty="0">
                 <a:solidFill>
                   <a:srgbClr val="000000"/>
                 </a:solidFill>
-                <a:effectLst/>
                 <a:latin typeface="Courier New" pitchFamily="49" charset="0"/>
                 <a:cs typeface="Courier New" pitchFamily="49" charset="0"/>
               </a:rPr>
             </a:br>
             <a:r>
-              <a:rPr kumimoji="0" lang="ru-RU" sz="1000" b="0" i="0" u="none" strike="noStrike" cap="none" normalizeH="0" baseline="0" dirty="0" smtClean="0">
-                <a:ln>
-                  <a:noFill/>
-                </a:ln>
+              <a:rPr lang="ru-RU" sz="2000" dirty="0">
                 <a:solidFill>
                   <a:srgbClr val="000000"/>
                 </a:solidFill>
-                <a:effectLst/>
-                <a:latin typeface="Courier New" pitchFamily="49" charset="0"/>
-                <a:cs typeface="Courier New" pitchFamily="49" charset="0"/>
-              </a:rPr>
-              <a:t>        System.</a:t>
-            </a:r>
-            <a:r>
-              <a:rPr kumimoji="0" lang="ru-RU" sz="1000" b="1" i="1" u="none" strike="noStrike" cap="none" normalizeH="0" baseline="0" dirty="0" smtClean="0">
-                <a:ln>
-                  <a:noFill/>
-                </a:ln>
+                <a:latin typeface="Courier New" pitchFamily="49" charset="0"/>
+                <a:cs typeface="Courier New" pitchFamily="49" charset="0"/>
+              </a:rPr>
+              <a:t>        </a:t>
+            </a:r>
+            <a:r>
+              <a:rPr lang="ru-RU" sz="2000" dirty="0" err="1">
+                <a:solidFill>
+                  <a:srgbClr val="000000"/>
+                </a:solidFill>
+                <a:latin typeface="Courier New" pitchFamily="49" charset="0"/>
+                <a:cs typeface="Courier New" pitchFamily="49" charset="0"/>
+              </a:rPr>
+              <a:t>System.</a:t>
+            </a:r>
+            <a:r>
+              <a:rPr lang="ru-RU" sz="2000" b="1" i="1" dirty="0" err="1">
                 <a:solidFill>
                   <a:srgbClr val="660E7A"/>
                 </a:solidFill>
-                <a:effectLst/>
                 <a:latin typeface="Courier New" pitchFamily="49" charset="0"/>
                 <a:cs typeface="Courier New" pitchFamily="49" charset="0"/>
               </a:rPr>
               <a:t>out</a:t>
             </a:r>
             <a:r>
-              <a:rPr kumimoji="0" lang="ru-RU" sz="1000" b="0" i="0" u="none" strike="noStrike" cap="none" normalizeH="0" baseline="0" dirty="0" smtClean="0">
-                <a:ln>
-                  <a:noFill/>
-                </a:ln>
+              <a:rPr lang="ru-RU" sz="2000" dirty="0" err="1">
                 <a:solidFill>
                   <a:srgbClr val="000000"/>
                 </a:solidFill>
-                <a:effectLst/>
-                <a:latin typeface="Courier New" pitchFamily="49" charset="0"/>
-                <a:cs typeface="Courier New" pitchFamily="49" charset="0"/>
-              </a:rPr>
-              <a:t>.println(</a:t>
-            </a:r>
-            <a:r>
-              <a:rPr kumimoji="0" lang="ru-RU" sz="1000" b="1" i="0" u="none" strike="noStrike" cap="none" normalizeH="0" baseline="0" dirty="0" smtClean="0">
-                <a:ln>
-                  <a:noFill/>
-                </a:ln>
+                <a:latin typeface="Courier New" pitchFamily="49" charset="0"/>
+                <a:cs typeface="Courier New" pitchFamily="49" charset="0"/>
+              </a:rPr>
+              <a:t>.println</a:t>
+            </a:r>
+            <a:r>
+              <a:rPr lang="ru-RU" sz="2000" dirty="0">
+                <a:solidFill>
+                  <a:srgbClr val="000000"/>
+                </a:solidFill>
+                <a:latin typeface="Courier New" pitchFamily="49" charset="0"/>
+                <a:cs typeface="Courier New" pitchFamily="49" charset="0"/>
+              </a:rPr>
+              <a:t>(</a:t>
+            </a:r>
+            <a:r>
+              <a:rPr lang="ru-RU" sz="2000" b="1" dirty="0">
                 <a:solidFill>
                   <a:srgbClr val="008000"/>
                 </a:solidFill>
-                <a:effectLst/>
-                <a:latin typeface="Courier New" pitchFamily="49" charset="0"/>
-                <a:cs typeface="Courier New" pitchFamily="49" charset="0"/>
-              </a:rPr>
-              <a:t>"Inside start method of Vehicle"</a:t>
-            </a:r>
-            <a:r>
-              <a:rPr kumimoji="0" lang="ru-RU" sz="1000" b="0" i="0" u="none" strike="noStrike" cap="none" normalizeH="0" baseline="0" dirty="0" smtClean="0">
-                <a:ln>
-                  <a:noFill/>
-                </a:ln>
+                <a:latin typeface="Courier New" pitchFamily="49" charset="0"/>
+                <a:cs typeface="Courier New" pitchFamily="49" charset="0"/>
+              </a:rPr>
+              <a:t>"</a:t>
+            </a:r>
+            <a:r>
+              <a:rPr lang="ru-RU" sz="2000" b="1" dirty="0" err="1">
+                <a:solidFill>
+                  <a:srgbClr val="008000"/>
+                </a:solidFill>
+                <a:latin typeface="Courier New" pitchFamily="49" charset="0"/>
+                <a:cs typeface="Courier New" pitchFamily="49" charset="0"/>
+              </a:rPr>
+              <a:t>Inside</a:t>
+            </a:r>
+            <a:r>
+              <a:rPr lang="ru-RU" sz="2000" b="1" dirty="0">
+                <a:solidFill>
+                  <a:srgbClr val="008000"/>
+                </a:solidFill>
+                <a:latin typeface="Courier New" pitchFamily="49" charset="0"/>
+                <a:cs typeface="Courier New" pitchFamily="49" charset="0"/>
+              </a:rPr>
+              <a:t> </a:t>
+            </a:r>
+            <a:r>
+              <a:rPr lang="ru-RU" sz="2000" b="1" dirty="0" err="1">
+                <a:solidFill>
+                  <a:srgbClr val="008000"/>
+                </a:solidFill>
+                <a:latin typeface="Courier New" pitchFamily="49" charset="0"/>
+                <a:cs typeface="Courier New" pitchFamily="49" charset="0"/>
+              </a:rPr>
+              <a:t>start</a:t>
+            </a:r>
+            <a:r>
+              <a:rPr lang="ru-RU" sz="2000" b="1" dirty="0">
+                <a:solidFill>
+                  <a:srgbClr val="008000"/>
+                </a:solidFill>
+                <a:latin typeface="Courier New" pitchFamily="49" charset="0"/>
+                <a:cs typeface="Courier New" pitchFamily="49" charset="0"/>
+              </a:rPr>
+              <a:t> </a:t>
+            </a:r>
+            <a:r>
+              <a:rPr lang="ru-RU" sz="2000" b="1" dirty="0" err="1">
+                <a:solidFill>
+                  <a:srgbClr val="008000"/>
+                </a:solidFill>
+                <a:latin typeface="Courier New" pitchFamily="49" charset="0"/>
+                <a:cs typeface="Courier New" pitchFamily="49" charset="0"/>
+              </a:rPr>
+              <a:t>method</a:t>
+            </a:r>
+            <a:r>
+              <a:rPr lang="ru-RU" sz="2000" b="1" dirty="0">
+                <a:solidFill>
+                  <a:srgbClr val="008000"/>
+                </a:solidFill>
+                <a:latin typeface="Courier New" pitchFamily="49" charset="0"/>
+                <a:cs typeface="Courier New" pitchFamily="49" charset="0"/>
+              </a:rPr>
+              <a:t> </a:t>
+            </a:r>
+            <a:r>
+              <a:rPr lang="ru-RU" sz="2000" b="1" dirty="0" err="1">
+                <a:solidFill>
+                  <a:srgbClr val="008000"/>
+                </a:solidFill>
+                <a:latin typeface="Courier New" pitchFamily="49" charset="0"/>
+                <a:cs typeface="Courier New" pitchFamily="49" charset="0"/>
+              </a:rPr>
+              <a:t>of</a:t>
+            </a:r>
+            <a:r>
+              <a:rPr lang="ru-RU" sz="2000" b="1" dirty="0">
+                <a:solidFill>
+                  <a:srgbClr val="008000"/>
+                </a:solidFill>
+                <a:latin typeface="Courier New" pitchFamily="49" charset="0"/>
+                <a:cs typeface="Courier New" pitchFamily="49" charset="0"/>
+              </a:rPr>
+              <a:t> </a:t>
+            </a:r>
+            <a:r>
+              <a:rPr lang="ru-RU" sz="2000" b="1" dirty="0" err="1">
+                <a:solidFill>
+                  <a:srgbClr val="008000"/>
+                </a:solidFill>
+                <a:latin typeface="Courier New" pitchFamily="49" charset="0"/>
+                <a:cs typeface="Courier New" pitchFamily="49" charset="0"/>
+              </a:rPr>
+              <a:t>Vehicle</a:t>
+            </a:r>
+            <a:r>
+              <a:rPr lang="ru-RU" sz="2000" b="1" dirty="0">
+                <a:solidFill>
+                  <a:srgbClr val="008000"/>
+                </a:solidFill>
+                <a:latin typeface="Courier New" pitchFamily="49" charset="0"/>
+                <a:cs typeface="Courier New" pitchFamily="49" charset="0"/>
+              </a:rPr>
+              <a:t>"</a:t>
+            </a:r>
+            <a:r>
+              <a:rPr lang="ru-RU" sz="2000" dirty="0">
                 <a:solidFill>
                   <a:srgbClr val="000000"/>
                 </a:solidFill>
-                <a:effectLst/>
                 <a:latin typeface="Courier New" pitchFamily="49" charset="0"/>
                 <a:cs typeface="Courier New" pitchFamily="49" charset="0"/>
               </a:rPr>
               <a:t>);</a:t>
             </a:r>
             <a:br>
-              <a:rPr kumimoji="0" lang="ru-RU" sz="1000" b="0" i="0" u="none" strike="noStrike" cap="none" normalizeH="0" baseline="0" dirty="0" smtClean="0">
-                <a:ln>
-                  <a:noFill/>
-                </a:ln>
+              <a:rPr lang="ru-RU" sz="2000" dirty="0">
                 <a:solidFill>
                   <a:srgbClr val="000000"/>
                 </a:solidFill>
-                <a:effectLst/>
                 <a:latin typeface="Courier New" pitchFamily="49" charset="0"/>
                 <a:cs typeface="Courier New" pitchFamily="49" charset="0"/>
               </a:rPr>
             </a:br>
             <a:r>
-              <a:rPr kumimoji="0" lang="ru-RU" sz="1000" b="0" i="0" u="none" strike="noStrike" cap="none" normalizeH="0" baseline="0" dirty="0" smtClean="0">
-                <a:ln>
-                  <a:noFill/>
-                </a:ln>
+              <a:rPr lang="ru-RU" sz="2000" dirty="0">
                 <a:solidFill>
                   <a:srgbClr val="000000"/>
                 </a:solidFill>
-                <a:effectLst/>
                 <a:latin typeface="Courier New" pitchFamily="49" charset="0"/>
                 <a:cs typeface="Courier New" pitchFamily="49" charset="0"/>
               </a:rPr>
               <a:t>    }</a:t>
             </a:r>
             <a:br>
-              <a:rPr kumimoji="0" lang="ru-RU" sz="1000" b="0" i="0" u="none" strike="noStrike" cap="none" normalizeH="0" baseline="0" dirty="0" smtClean="0">
-                <a:ln>
-                  <a:noFill/>
-                </a:ln>
+              <a:rPr lang="ru-RU" sz="2000" dirty="0">
                 <a:solidFill>
                   <a:srgbClr val="000000"/>
                 </a:solidFill>
-                <a:effectLst/>
                 <a:latin typeface="Courier New" pitchFamily="49" charset="0"/>
                 <a:cs typeface="Courier New" pitchFamily="49" charset="0"/>
               </a:rPr>
             </a:br>
             <a:r>
-              <a:rPr kumimoji="0" lang="ru-RU" sz="1000" b="0" i="0" u="none" strike="noStrike" cap="none" normalizeH="0" baseline="0" dirty="0" smtClean="0">
-                <a:ln>
-                  <a:noFill/>
-                </a:ln>
+              <a:rPr lang="ru-RU" sz="2000" dirty="0">
                 <a:solidFill>
                   <a:srgbClr val="000000"/>
                 </a:solidFill>
-                <a:effectLst/>
                 <a:latin typeface="Courier New" pitchFamily="49" charset="0"/>
                 <a:cs typeface="Courier New" pitchFamily="49" charset="0"/>
               </a:rPr>
               <a:t>}</a:t>
             </a:r>
             <a:br>
-              <a:rPr kumimoji="0" lang="ru-RU" sz="1000" b="0" i="0" u="none" strike="noStrike" cap="none" normalizeH="0" baseline="0" dirty="0" smtClean="0">
-                <a:ln>
-                  <a:noFill/>
-                </a:ln>
+              <a:rPr lang="ru-RU" sz="2000" dirty="0">
                 <a:solidFill>
                   <a:srgbClr val="000000"/>
                 </a:solidFill>
-                <a:effectLst/>
                 <a:latin typeface="Courier New" pitchFamily="49" charset="0"/>
                 <a:cs typeface="Courier New" pitchFamily="49" charset="0"/>
               </a:rPr>
             </a:br>
             <a:r>
-              <a:rPr kumimoji="0" lang="ru-RU" sz="1000" b="0" i="0" u="none" strike="noStrike" cap="none" normalizeH="0" baseline="0" dirty="0" smtClean="0">
-                <a:ln>
-                  <a:noFill/>
-                </a:ln>
+              <a:rPr lang="ru-RU" sz="2000" dirty="0">
                 <a:solidFill>
                   <a:srgbClr val="000000"/>
                 </a:solidFill>
-                <a:effectLst/>
                 <a:latin typeface="Courier New" pitchFamily="49" charset="0"/>
                 <a:cs typeface="Courier New" pitchFamily="49" charset="0"/>
               </a:rPr>
               <a:t/>
             </a:r>
             <a:br>
-              <a:rPr kumimoji="0" lang="ru-RU" sz="1000" b="0" i="0" u="none" strike="noStrike" cap="none" normalizeH="0" baseline="0" dirty="0" smtClean="0">
-                <a:ln>
-                  <a:noFill/>
-                </a:ln>
+              <a:rPr lang="ru-RU" sz="2000" dirty="0">
                 <a:solidFill>
                   <a:srgbClr val="000000"/>
                 </a:solidFill>
-                <a:effectLst/>
                 <a:latin typeface="Courier New" pitchFamily="49" charset="0"/>
                 <a:cs typeface="Courier New" pitchFamily="49" charset="0"/>
               </a:rPr>
             </a:br>
             <a:r>
-              <a:rPr kumimoji="0" lang="ru-RU" sz="1000" b="1" i="0" u="none" strike="noStrike" cap="none" normalizeH="0" baseline="0" dirty="0" smtClean="0">
-                <a:ln>
-                  <a:noFill/>
-                </a:ln>
+              <a:rPr lang="ru-RU" sz="2000" b="1" dirty="0" err="1">
                 <a:solidFill>
                   <a:srgbClr val="000080"/>
                 </a:solidFill>
-                <a:effectLst/>
-                <a:latin typeface="Courier New" pitchFamily="49" charset="0"/>
-                <a:cs typeface="Courier New" pitchFamily="49" charset="0"/>
-              </a:rPr>
-              <a:t>class </a:t>
-            </a:r>
-            <a:r>
-              <a:rPr kumimoji="0" lang="ru-RU" sz="1000" b="0" i="0" u="none" strike="noStrike" cap="none" normalizeH="0" baseline="0" dirty="0" smtClean="0">
-                <a:ln>
-                  <a:noFill/>
-                </a:ln>
+                <a:latin typeface="Courier New" pitchFamily="49" charset="0"/>
+                <a:cs typeface="Courier New" pitchFamily="49" charset="0"/>
+              </a:rPr>
+              <a:t>class</a:t>
+            </a:r>
+            <a:r>
+              <a:rPr lang="ru-RU" sz="2000" b="1" dirty="0">
+                <a:solidFill>
+                  <a:srgbClr val="000080"/>
+                </a:solidFill>
+                <a:latin typeface="Courier New" pitchFamily="49" charset="0"/>
+                <a:cs typeface="Courier New" pitchFamily="49" charset="0"/>
+              </a:rPr>
+              <a:t> </a:t>
+            </a:r>
+            <a:r>
+              <a:rPr lang="ru-RU" sz="2000" dirty="0" err="1">
                 <a:solidFill>
                   <a:srgbClr val="000000"/>
                 </a:solidFill>
-                <a:effectLst/>
-                <a:latin typeface="Courier New" pitchFamily="49" charset="0"/>
-                <a:cs typeface="Courier New" pitchFamily="49" charset="0"/>
-              </a:rPr>
-              <a:t>Car </a:t>
-            </a:r>
-            <a:r>
-              <a:rPr kumimoji="0" lang="ru-RU" sz="1000" b="1" i="0" u="none" strike="noStrike" cap="none" normalizeH="0" baseline="0" dirty="0" smtClean="0">
-                <a:ln>
-                  <a:noFill/>
-                </a:ln>
+                <a:latin typeface="Courier New" pitchFamily="49" charset="0"/>
+                <a:cs typeface="Courier New" pitchFamily="49" charset="0"/>
+              </a:rPr>
+              <a:t>Car</a:t>
+            </a:r>
+            <a:r>
+              <a:rPr lang="ru-RU" sz="2000" dirty="0">
+                <a:solidFill>
+                  <a:srgbClr val="000000"/>
+                </a:solidFill>
+                <a:latin typeface="Courier New" pitchFamily="49" charset="0"/>
+                <a:cs typeface="Courier New" pitchFamily="49" charset="0"/>
+              </a:rPr>
+              <a:t> </a:t>
+            </a:r>
+            <a:r>
+              <a:rPr lang="ru-RU" sz="2000" b="1" dirty="0" err="1">
                 <a:solidFill>
                   <a:srgbClr val="000080"/>
                 </a:solidFill>
-                <a:effectLst/>
-                <a:latin typeface="Courier New" pitchFamily="49" charset="0"/>
-                <a:cs typeface="Courier New" pitchFamily="49" charset="0"/>
-              </a:rPr>
-              <a:t>extends </a:t>
-            </a:r>
-            <a:r>
-              <a:rPr kumimoji="0" lang="ru-RU" sz="1000" b="0" i="0" u="none" strike="noStrike" cap="none" normalizeH="0" baseline="0" dirty="0" smtClean="0">
-                <a:ln>
-                  <a:noFill/>
-                </a:ln>
+                <a:latin typeface="Courier New" pitchFamily="49" charset="0"/>
+                <a:cs typeface="Courier New" pitchFamily="49" charset="0"/>
+              </a:rPr>
+              <a:t>extends</a:t>
+            </a:r>
+            <a:r>
+              <a:rPr lang="ru-RU" sz="2000" b="1" dirty="0">
+                <a:solidFill>
+                  <a:srgbClr val="000080"/>
+                </a:solidFill>
+                <a:latin typeface="Courier New" pitchFamily="49" charset="0"/>
+                <a:cs typeface="Courier New" pitchFamily="49" charset="0"/>
+              </a:rPr>
+              <a:t> </a:t>
+            </a:r>
+            <a:r>
+              <a:rPr lang="ru-RU" sz="2000" dirty="0" err="1">
                 <a:solidFill>
                   <a:srgbClr val="000000"/>
                 </a:solidFill>
-                <a:effectLst/>
-                <a:latin typeface="Courier New" pitchFamily="49" charset="0"/>
-                <a:cs typeface="Courier New" pitchFamily="49" charset="0"/>
-              </a:rPr>
-              <a:t>Vehicle {</a:t>
+                <a:latin typeface="Courier New" pitchFamily="49" charset="0"/>
+                <a:cs typeface="Courier New" pitchFamily="49" charset="0"/>
+              </a:rPr>
+              <a:t>Vehicle</a:t>
+            </a:r>
+            <a:r>
+              <a:rPr lang="ru-RU" sz="2000" dirty="0">
+                <a:solidFill>
+                  <a:srgbClr val="000000"/>
+                </a:solidFill>
+                <a:latin typeface="Courier New" pitchFamily="49" charset="0"/>
+                <a:cs typeface="Courier New" pitchFamily="49" charset="0"/>
+              </a:rPr>
+              <a:t> {</a:t>
             </a:r>
             <a:br>
-              <a:rPr kumimoji="0" lang="ru-RU" sz="1000" b="0" i="0" u="none" strike="noStrike" cap="none" normalizeH="0" baseline="0" dirty="0" smtClean="0">
-                <a:ln>
-                  <a:noFill/>
-                </a:ln>
+              <a:rPr lang="ru-RU" sz="2000" dirty="0">
                 <a:solidFill>
                   <a:srgbClr val="000000"/>
                 </a:solidFill>
-                <a:effectLst/>
                 <a:latin typeface="Courier New" pitchFamily="49" charset="0"/>
                 <a:cs typeface="Courier New" pitchFamily="49" charset="0"/>
               </a:rPr>
             </a:br>
             <a:r>
-              <a:rPr kumimoji="0" lang="ru-RU" sz="1000" b="0" i="0" u="none" strike="noStrike" cap="none" normalizeH="0" baseline="0" dirty="0" smtClean="0">
-                <a:ln>
-                  <a:noFill/>
-                </a:ln>
+              <a:rPr lang="ru-RU" sz="2000" dirty="0">
                 <a:solidFill>
                   <a:srgbClr val="000000"/>
                 </a:solidFill>
-                <a:effectLst/>
                 <a:latin typeface="Courier New" pitchFamily="49" charset="0"/>
                 <a:cs typeface="Courier New" pitchFamily="49" charset="0"/>
               </a:rPr>
               <a:t/>
             </a:r>
             <a:br>
-              <a:rPr kumimoji="0" lang="ru-RU" sz="1000" b="0" i="0" u="none" strike="noStrike" cap="none" normalizeH="0" baseline="0" dirty="0" smtClean="0">
-                <a:ln>
-                  <a:noFill/>
-                </a:ln>
+              <a:rPr lang="ru-RU" sz="2000" dirty="0">
                 <a:solidFill>
                   <a:srgbClr val="000000"/>
                 </a:solidFill>
-                <a:effectLst/>
                 <a:latin typeface="Courier New" pitchFamily="49" charset="0"/>
                 <a:cs typeface="Courier New" pitchFamily="49" charset="0"/>
               </a:rPr>
             </a:br>
             <a:r>
-              <a:rPr kumimoji="0" lang="ru-RU" sz="1000" b="0" i="0" u="none" strike="noStrike" cap="none" normalizeH="0" baseline="0" dirty="0" smtClean="0">
-                <a:ln>
-                  <a:noFill/>
-                </a:ln>
+              <a:rPr lang="ru-RU" sz="2000" dirty="0">
                 <a:solidFill>
                   <a:srgbClr val="000000"/>
                 </a:solidFill>
-                <a:effectLst/>
                 <a:latin typeface="Courier New" pitchFamily="49" charset="0"/>
                 <a:cs typeface="Courier New" pitchFamily="49" charset="0"/>
               </a:rPr>
               <a:t>    </a:t>
             </a:r>
             <a:r>
-              <a:rPr kumimoji="0" lang="ru-RU" sz="1000" b="0" i="0" u="none" strike="noStrike" cap="none" normalizeH="0" baseline="0" dirty="0" smtClean="0">
-                <a:ln>
-                  <a:noFill/>
-                </a:ln>
+              <a:rPr lang="ru-RU" sz="2000" dirty="0">
                 <a:solidFill>
                   <a:srgbClr val="808000"/>
                 </a:solidFill>
-                <a:effectLst/>
-                <a:latin typeface="Courier New" pitchFamily="49" charset="0"/>
-                <a:cs typeface="Courier New" pitchFamily="49" charset="0"/>
-              </a:rPr>
-              <a:t>@Override</a:t>
+                <a:latin typeface="Courier New" pitchFamily="49" charset="0"/>
+                <a:cs typeface="Courier New" pitchFamily="49" charset="0"/>
+              </a:rPr>
+              <a:t>@</a:t>
+            </a:r>
+            <a:r>
+              <a:rPr lang="ru-RU" sz="2000" dirty="0" err="1">
+                <a:solidFill>
+                  <a:srgbClr val="808000"/>
+                </a:solidFill>
+                <a:latin typeface="Courier New" pitchFamily="49" charset="0"/>
+                <a:cs typeface="Courier New" pitchFamily="49" charset="0"/>
+              </a:rPr>
+              <a:t>Override</a:t>
+            </a:r>
+            <a:r>
+              <a:rPr lang="ru-RU" sz="2000" dirty="0">
+                <a:solidFill>
+                  <a:srgbClr val="808000"/>
+                </a:solidFill>
+                <a:latin typeface="Courier New" pitchFamily="49" charset="0"/>
+                <a:cs typeface="Courier New" pitchFamily="49" charset="0"/>
+              </a:rPr>
+              <a:t/>
             </a:r>
             <a:br>
-              <a:rPr kumimoji="0" lang="ru-RU" sz="1000" b="0" i="0" u="none" strike="noStrike" cap="none" normalizeH="0" baseline="0" dirty="0" smtClean="0">
-                <a:ln>
-                  <a:noFill/>
-                </a:ln>
+              <a:rPr lang="ru-RU" sz="2000" dirty="0">
                 <a:solidFill>
                   <a:srgbClr val="808000"/>
                 </a:solidFill>
-                <a:effectLst/>
                 <a:latin typeface="Courier New" pitchFamily="49" charset="0"/>
                 <a:cs typeface="Courier New" pitchFamily="49" charset="0"/>
               </a:rPr>
             </a:br>
             <a:r>
-              <a:rPr kumimoji="0" lang="ru-RU" sz="1000" b="0" i="0" u="none" strike="noStrike" cap="none" normalizeH="0" baseline="0" dirty="0" smtClean="0">
-                <a:ln>
-                  <a:noFill/>
-                </a:ln>
+              <a:rPr lang="ru-RU" sz="2000" dirty="0">
                 <a:solidFill>
                   <a:srgbClr val="808000"/>
                 </a:solidFill>
-                <a:effectLst/>
                 <a:latin typeface="Courier New" pitchFamily="49" charset="0"/>
                 <a:cs typeface="Courier New" pitchFamily="49" charset="0"/>
               </a:rPr>
               <a:t>    </a:t>
             </a:r>
             <a:r>
-              <a:rPr kumimoji="0" lang="ru-RU" sz="1000" b="1" i="0" u="none" strike="noStrike" cap="none" normalizeH="0" baseline="0" dirty="0" smtClean="0">
-                <a:ln>
-                  <a:noFill/>
-                </a:ln>
+              <a:rPr lang="ru-RU" sz="2000" b="1" dirty="0" err="1">
                 <a:solidFill>
                   <a:srgbClr val="000080"/>
                 </a:solidFill>
-                <a:effectLst/>
-                <a:latin typeface="Courier New" pitchFamily="49" charset="0"/>
-                <a:cs typeface="Courier New" pitchFamily="49" charset="0"/>
-              </a:rPr>
-              <a:t>public void </a:t>
-            </a:r>
-            <a:r>
-              <a:rPr kumimoji="0" lang="ru-RU" sz="1000" b="0" i="0" u="none" strike="noStrike" cap="none" normalizeH="0" baseline="0" dirty="0" smtClean="0">
-                <a:ln>
-                  <a:noFill/>
-                </a:ln>
+                <a:latin typeface="Courier New" pitchFamily="49" charset="0"/>
+                <a:cs typeface="Courier New" pitchFamily="49" charset="0"/>
+              </a:rPr>
+              <a:t>public</a:t>
+            </a:r>
+            <a:r>
+              <a:rPr lang="ru-RU" sz="2000" b="1" dirty="0">
+                <a:solidFill>
+                  <a:srgbClr val="000080"/>
+                </a:solidFill>
+                <a:latin typeface="Courier New" pitchFamily="49" charset="0"/>
+                <a:cs typeface="Courier New" pitchFamily="49" charset="0"/>
+              </a:rPr>
+              <a:t> </a:t>
+            </a:r>
+            <a:r>
+              <a:rPr lang="ru-RU" sz="2000" b="1" dirty="0" err="1">
+                <a:solidFill>
+                  <a:srgbClr val="000080"/>
+                </a:solidFill>
+                <a:latin typeface="Courier New" pitchFamily="49" charset="0"/>
+                <a:cs typeface="Courier New" pitchFamily="49" charset="0"/>
+              </a:rPr>
+              <a:t>void</a:t>
+            </a:r>
+            <a:r>
+              <a:rPr lang="ru-RU" sz="2000" b="1" dirty="0">
+                <a:solidFill>
+                  <a:srgbClr val="000080"/>
+                </a:solidFill>
+                <a:latin typeface="Courier New" pitchFamily="49" charset="0"/>
+                <a:cs typeface="Courier New" pitchFamily="49" charset="0"/>
+              </a:rPr>
+              <a:t> </a:t>
+            </a:r>
+            <a:r>
+              <a:rPr lang="ru-RU" sz="2000" dirty="0" err="1">
                 <a:solidFill>
                   <a:srgbClr val="000000"/>
                 </a:solidFill>
-                <a:effectLst/>
-                <a:latin typeface="Courier New" pitchFamily="49" charset="0"/>
-                <a:cs typeface="Courier New" pitchFamily="49" charset="0"/>
-              </a:rPr>
-              <a:t>start() {</a:t>
+                <a:latin typeface="Courier New" pitchFamily="49" charset="0"/>
+                <a:cs typeface="Courier New" pitchFamily="49" charset="0"/>
+              </a:rPr>
+              <a:t>start</a:t>
+            </a:r>
+            <a:r>
+              <a:rPr lang="ru-RU" sz="2000" dirty="0">
+                <a:solidFill>
+                  <a:srgbClr val="000000"/>
+                </a:solidFill>
+                <a:latin typeface="Courier New" pitchFamily="49" charset="0"/>
+                <a:cs typeface="Courier New" pitchFamily="49" charset="0"/>
+              </a:rPr>
+              <a:t>() {</a:t>
             </a:r>
             <a:br>
-              <a:rPr kumimoji="0" lang="ru-RU" sz="1000" b="0" i="0" u="none" strike="noStrike" cap="none" normalizeH="0" baseline="0" dirty="0" smtClean="0">
-                <a:ln>
-                  <a:noFill/>
-                </a:ln>
+              <a:rPr lang="ru-RU" sz="2000" dirty="0">
                 <a:solidFill>
                   <a:srgbClr val="000000"/>
                 </a:solidFill>
-                <a:effectLst/>
                 <a:latin typeface="Courier New" pitchFamily="49" charset="0"/>
                 <a:cs typeface="Courier New" pitchFamily="49" charset="0"/>
               </a:rPr>
             </a:br>
             <a:r>
-              <a:rPr kumimoji="0" lang="ru-RU" sz="1000" b="0" i="0" u="none" strike="noStrike" cap="none" normalizeH="0" baseline="0" dirty="0" smtClean="0">
-                <a:ln>
-                  <a:noFill/>
-                </a:ln>
+              <a:rPr lang="ru-RU" sz="2000" dirty="0">
                 <a:solidFill>
                   <a:srgbClr val="000000"/>
                 </a:solidFill>
-                <a:effectLst/>
-                <a:latin typeface="Courier New" pitchFamily="49" charset="0"/>
-                <a:cs typeface="Courier New" pitchFamily="49" charset="0"/>
-              </a:rPr>
-              <a:t>        System.</a:t>
-            </a:r>
-            <a:r>
-              <a:rPr kumimoji="0" lang="ru-RU" sz="1000" b="1" i="1" u="none" strike="noStrike" cap="none" normalizeH="0" baseline="0" dirty="0" smtClean="0">
-                <a:ln>
-                  <a:noFill/>
-                </a:ln>
+                <a:latin typeface="Courier New" pitchFamily="49" charset="0"/>
+                <a:cs typeface="Courier New" pitchFamily="49" charset="0"/>
+              </a:rPr>
+              <a:t>        </a:t>
+            </a:r>
+            <a:r>
+              <a:rPr lang="ru-RU" sz="2000" dirty="0" err="1">
+                <a:solidFill>
+                  <a:srgbClr val="000000"/>
+                </a:solidFill>
+                <a:latin typeface="Courier New" pitchFamily="49" charset="0"/>
+                <a:cs typeface="Courier New" pitchFamily="49" charset="0"/>
+              </a:rPr>
+              <a:t>System.</a:t>
+            </a:r>
+            <a:r>
+              <a:rPr lang="ru-RU" sz="2000" b="1" i="1" dirty="0" err="1">
                 <a:solidFill>
                   <a:srgbClr val="660E7A"/>
                 </a:solidFill>
-                <a:effectLst/>
                 <a:latin typeface="Courier New" pitchFamily="49" charset="0"/>
                 <a:cs typeface="Courier New" pitchFamily="49" charset="0"/>
               </a:rPr>
               <a:t>out</a:t>
             </a:r>
             <a:r>
-              <a:rPr kumimoji="0" lang="ru-RU" sz="1000" b="0" i="0" u="none" strike="noStrike" cap="none" normalizeH="0" baseline="0" dirty="0" smtClean="0">
-                <a:ln>
-                  <a:noFill/>
-                </a:ln>
+              <a:rPr lang="ru-RU" sz="2000" dirty="0" err="1">
                 <a:solidFill>
                   <a:srgbClr val="000000"/>
                 </a:solidFill>
-                <a:effectLst/>
-                <a:latin typeface="Courier New" pitchFamily="49" charset="0"/>
-                <a:cs typeface="Courier New" pitchFamily="49" charset="0"/>
-              </a:rPr>
-              <a:t>.println(</a:t>
-            </a:r>
-            <a:r>
-              <a:rPr kumimoji="0" lang="ru-RU" sz="1000" b="1" i="0" u="none" strike="noStrike" cap="none" normalizeH="0" baseline="0" dirty="0" smtClean="0">
-                <a:ln>
-                  <a:noFill/>
-                </a:ln>
+                <a:latin typeface="Courier New" pitchFamily="49" charset="0"/>
+                <a:cs typeface="Courier New" pitchFamily="49" charset="0"/>
+              </a:rPr>
+              <a:t>.println</a:t>
+            </a:r>
+            <a:r>
+              <a:rPr lang="ru-RU" sz="2000" dirty="0">
+                <a:solidFill>
+                  <a:srgbClr val="000000"/>
+                </a:solidFill>
+                <a:latin typeface="Courier New" pitchFamily="49" charset="0"/>
+                <a:cs typeface="Courier New" pitchFamily="49" charset="0"/>
+              </a:rPr>
+              <a:t>(</a:t>
+            </a:r>
+            <a:r>
+              <a:rPr lang="ru-RU" sz="2000" b="1" dirty="0">
                 <a:solidFill>
                   <a:srgbClr val="008000"/>
                 </a:solidFill>
-                <a:effectLst/>
-                <a:latin typeface="Courier New" pitchFamily="49" charset="0"/>
-                <a:cs typeface="Courier New" pitchFamily="49" charset="0"/>
-              </a:rPr>
-              <a:t>"Inside start method of Car"</a:t>
-            </a:r>
-            <a:r>
-              <a:rPr kumimoji="0" lang="ru-RU" sz="1000" b="0" i="0" u="none" strike="noStrike" cap="none" normalizeH="0" baseline="0" dirty="0" smtClean="0">
-                <a:ln>
-                  <a:noFill/>
-                </a:ln>
+                <a:latin typeface="Courier New" pitchFamily="49" charset="0"/>
+                <a:cs typeface="Courier New" pitchFamily="49" charset="0"/>
+              </a:rPr>
+              <a:t>"</a:t>
+            </a:r>
+            <a:r>
+              <a:rPr lang="ru-RU" sz="2000" b="1" dirty="0" err="1">
+                <a:solidFill>
+                  <a:srgbClr val="008000"/>
+                </a:solidFill>
+                <a:latin typeface="Courier New" pitchFamily="49" charset="0"/>
+                <a:cs typeface="Courier New" pitchFamily="49" charset="0"/>
+              </a:rPr>
+              <a:t>Inside</a:t>
+            </a:r>
+            <a:r>
+              <a:rPr lang="ru-RU" sz="2000" b="1" dirty="0">
+                <a:solidFill>
+                  <a:srgbClr val="008000"/>
+                </a:solidFill>
+                <a:latin typeface="Courier New" pitchFamily="49" charset="0"/>
+                <a:cs typeface="Courier New" pitchFamily="49" charset="0"/>
+              </a:rPr>
+              <a:t> </a:t>
+            </a:r>
+            <a:r>
+              <a:rPr lang="ru-RU" sz="2000" b="1" dirty="0" err="1">
+                <a:solidFill>
+                  <a:srgbClr val="008000"/>
+                </a:solidFill>
+                <a:latin typeface="Courier New" pitchFamily="49" charset="0"/>
+                <a:cs typeface="Courier New" pitchFamily="49" charset="0"/>
+              </a:rPr>
+              <a:t>start</a:t>
+            </a:r>
+            <a:r>
+              <a:rPr lang="ru-RU" sz="2000" b="1" dirty="0">
+                <a:solidFill>
+                  <a:srgbClr val="008000"/>
+                </a:solidFill>
+                <a:latin typeface="Courier New" pitchFamily="49" charset="0"/>
+                <a:cs typeface="Courier New" pitchFamily="49" charset="0"/>
+              </a:rPr>
+              <a:t> </a:t>
+            </a:r>
+            <a:r>
+              <a:rPr lang="ru-RU" sz="2000" b="1" dirty="0" err="1">
+                <a:solidFill>
+                  <a:srgbClr val="008000"/>
+                </a:solidFill>
+                <a:latin typeface="Courier New" pitchFamily="49" charset="0"/>
+                <a:cs typeface="Courier New" pitchFamily="49" charset="0"/>
+              </a:rPr>
+              <a:t>method</a:t>
+            </a:r>
+            <a:r>
+              <a:rPr lang="ru-RU" sz="2000" b="1" dirty="0">
+                <a:solidFill>
+                  <a:srgbClr val="008000"/>
+                </a:solidFill>
+                <a:latin typeface="Courier New" pitchFamily="49" charset="0"/>
+                <a:cs typeface="Courier New" pitchFamily="49" charset="0"/>
+              </a:rPr>
+              <a:t> </a:t>
+            </a:r>
+            <a:r>
+              <a:rPr lang="ru-RU" sz="2000" b="1" dirty="0" err="1">
+                <a:solidFill>
+                  <a:srgbClr val="008000"/>
+                </a:solidFill>
+                <a:latin typeface="Courier New" pitchFamily="49" charset="0"/>
+                <a:cs typeface="Courier New" pitchFamily="49" charset="0"/>
+              </a:rPr>
+              <a:t>of</a:t>
+            </a:r>
+            <a:r>
+              <a:rPr lang="ru-RU" sz="2000" b="1" dirty="0">
+                <a:solidFill>
+                  <a:srgbClr val="008000"/>
+                </a:solidFill>
+                <a:latin typeface="Courier New" pitchFamily="49" charset="0"/>
+                <a:cs typeface="Courier New" pitchFamily="49" charset="0"/>
+              </a:rPr>
+              <a:t> </a:t>
+            </a:r>
+            <a:r>
+              <a:rPr lang="ru-RU" sz="2000" b="1" dirty="0" err="1">
+                <a:solidFill>
+                  <a:srgbClr val="008000"/>
+                </a:solidFill>
+                <a:latin typeface="Courier New" pitchFamily="49" charset="0"/>
+                <a:cs typeface="Courier New" pitchFamily="49" charset="0"/>
+              </a:rPr>
+              <a:t>Car</a:t>
+            </a:r>
+            <a:r>
+              <a:rPr lang="ru-RU" sz="2000" b="1" dirty="0">
+                <a:solidFill>
+                  <a:srgbClr val="008000"/>
+                </a:solidFill>
+                <a:latin typeface="Courier New" pitchFamily="49" charset="0"/>
+                <a:cs typeface="Courier New" pitchFamily="49" charset="0"/>
+              </a:rPr>
+              <a:t>"</a:t>
+            </a:r>
+            <a:r>
+              <a:rPr lang="ru-RU" sz="2000" dirty="0">
                 <a:solidFill>
                   <a:srgbClr val="000000"/>
                 </a:solidFill>
-                <a:effectLst/>
                 <a:latin typeface="Courier New" pitchFamily="49" charset="0"/>
                 <a:cs typeface="Courier New" pitchFamily="49" charset="0"/>
               </a:rPr>
               <a:t>);</a:t>
             </a:r>
             <a:br>
-              <a:rPr kumimoji="0" lang="ru-RU" sz="1000" b="0" i="0" u="none" strike="noStrike" cap="none" normalizeH="0" baseline="0" dirty="0" smtClean="0">
-                <a:ln>
-                  <a:noFill/>
-                </a:ln>
+              <a:rPr lang="ru-RU" sz="2000" dirty="0">
                 <a:solidFill>
                   <a:srgbClr val="000000"/>
                 </a:solidFill>
-                <a:effectLst/>
                 <a:latin typeface="Courier New" pitchFamily="49" charset="0"/>
                 <a:cs typeface="Courier New" pitchFamily="49" charset="0"/>
               </a:rPr>
             </a:br>
             <a:r>
-              <a:rPr kumimoji="0" lang="ru-RU" sz="1000" b="0" i="0" u="none" strike="noStrike" cap="none" normalizeH="0" baseline="0" dirty="0" smtClean="0">
-                <a:ln>
-                  <a:noFill/>
-                </a:ln>
+              <a:rPr lang="ru-RU" sz="2000" dirty="0">
                 <a:solidFill>
                   <a:srgbClr val="000000"/>
                 </a:solidFill>
-                <a:effectLst/>
                 <a:latin typeface="Courier New" pitchFamily="49" charset="0"/>
                 <a:cs typeface="Courier New" pitchFamily="49" charset="0"/>
               </a:rPr>
               <a:t>    }</a:t>
             </a:r>
             <a:br>
-              <a:rPr kumimoji="0" lang="ru-RU" sz="1000" b="0" i="0" u="none" strike="noStrike" cap="none" normalizeH="0" baseline="0" dirty="0" smtClean="0">
-                <a:ln>
-                  <a:noFill/>
-                </a:ln>
+              <a:rPr lang="ru-RU" sz="2000" dirty="0">
                 <a:solidFill>
                   <a:srgbClr val="000000"/>
                 </a:solidFill>
-                <a:effectLst/>
                 <a:latin typeface="Courier New" pitchFamily="49" charset="0"/>
                 <a:cs typeface="Courier New" pitchFamily="49" charset="0"/>
               </a:rPr>
             </a:br>
             <a:r>
-              <a:rPr kumimoji="0" lang="ru-RU" sz="1000" b="0" i="0" u="none" strike="noStrike" cap="none" normalizeH="0" baseline="0" dirty="0" smtClean="0">
-                <a:ln>
-                  <a:noFill/>
-                </a:ln>
+              <a:rPr lang="ru-RU" sz="2000" dirty="0">
                 <a:solidFill>
                   <a:srgbClr val="000000"/>
                 </a:solidFill>
-                <a:effectLst/>
                 <a:latin typeface="Courier New" pitchFamily="49" charset="0"/>
                 <a:cs typeface="Courier New" pitchFamily="49" charset="0"/>
               </a:rPr>
               <a:t>}</a:t>
             </a:r>
-            <a:endParaRPr kumimoji="0" lang="ru-RU" sz="1800" b="0" i="0" u="none" strike="noStrike" cap="none" normalizeH="0" baseline="0" dirty="0" smtClean="0">
-              <a:ln>
-                <a:noFill/>
-              </a:ln>
+            <a:endParaRPr lang="ru-RU" sz="2000" dirty="0">
+              <a:latin typeface="Arial" pitchFamily="34" charset="0"/>
+              <a:cs typeface="Arial" pitchFamily="34" charset="0"/>
+            </a:endParaRPr>
+          </a:p>
+          <a:p>
+            <a:pPr algn="l"/>
+            <a:endParaRPr lang="en-US" sz="2000" dirty="0">
               <a:solidFill>
                 <a:schemeClr val="tx1"/>
               </a:solidFill>
-              <a:effectLst/>
-              <a:latin typeface="Arial" pitchFamily="34" charset="0"/>
-              <a:cs typeface="Arial" pitchFamily="34" charset="0"/>
+            </a:endParaRPr>
+          </a:p>
+          <a:p>
+            <a:pPr algn="l"/>
+            <a:endParaRPr lang="en-US" sz="2000" dirty="0">
+              <a:solidFill>
+                <a:schemeClr val="tx1"/>
+              </a:solidFill>
             </a:endParaRPr>
           </a:p>
         </p:txBody>
@@ -10088,7 +11248,7 @@
     </p:spTree>
     <p:extLst>
       <p:ext uri="{BB962C8B-B14F-4D97-AF65-F5344CB8AC3E}">
-        <p14:creationId xmlns:p14="http://schemas.microsoft.com/office/powerpoint/2010/main" val="4278392179"/>
+        <p14:creationId xmlns:p14="http://schemas.microsoft.com/office/powerpoint/2010/main" val="4256361684"/>
       </p:ext>
     </p:extLst>
   </p:cSld>
@@ -10127,7 +11287,7 @@
         </p:nvSpPr>
         <p:spPr>
           <a:xfrm>
-            <a:off x="611560" y="260649"/>
+            <a:off x="2135560" y="260649"/>
             <a:ext cx="7772400" cy="720080"/>
           </a:xfrm>
         </p:spPr>
@@ -10139,11 +11299,7 @@
           <a:p>
             <a:r>
               <a:rPr lang="en-US" dirty="0"/>
-              <a:t>Do not repeat </a:t>
-            </a:r>
-            <a:r>
-              <a:rPr lang="en-US" dirty="0" smtClean="0"/>
-              <a:t>yourself</a:t>
+              <a:t>Do not repeat yourself</a:t>
             </a:r>
             <a:endParaRPr lang="en-US" dirty="0"/>
           </a:p>
@@ -10161,8 +11317,8 @@
         </p:nvSpPr>
         <p:spPr>
           <a:xfrm>
-            <a:off x="611560" y="1124744"/>
-            <a:ext cx="7920880" cy="4946104"/>
+            <a:off x="335360" y="1124744"/>
+            <a:ext cx="11377264" cy="4946104"/>
           </a:xfrm>
         </p:spPr>
         <p:txBody>
@@ -10173,7 +11329,7 @@
           <a:p>
             <a:pPr algn="l"/>
             <a:r>
-              <a:rPr lang="en-US" sz="2000" dirty="0" smtClean="0">
+              <a:rPr lang="en-US" sz="2000" dirty="0">
                 <a:solidFill>
                   <a:schemeClr val="tx1"/>
                 </a:solidFill>
@@ -10231,25 +11387,30 @@
           <a:p>
             <a:pPr algn="l"/>
             <a:r>
-              <a:rPr lang="en-US" sz="2000" dirty="0" smtClean="0">
+              <a:rPr lang="en-US" sz="2000" dirty="0">
                 <a:solidFill>
                   <a:schemeClr val="tx1"/>
                 </a:solidFill>
               </a:rPr>
               <a:t>Golden rule: Before writing anything check whether it is already written and if it is reuse</a:t>
             </a:r>
-          </a:p>
-        </p:txBody>
-      </p:sp>
-      <p:sp>
-        <p:nvSpPr>
-          <p:cNvPr id="4" name="Прямоугольник 3"/>
+            <a:endParaRPr lang="en-US" sz="2000" dirty="0">
+              <a:solidFill>
+                <a:schemeClr val="tx1"/>
+              </a:solidFill>
+            </a:endParaRPr>
+          </a:p>
+        </p:txBody>
+      </p:sp>
+      <p:sp>
+        <p:nvSpPr>
+          <p:cNvPr id="5" name="Прямоугольник 3"/>
           <p:cNvSpPr/>
           <p:nvPr/>
         </p:nvSpPr>
         <p:spPr>
           <a:xfrm>
-            <a:off x="611560" y="5799994"/>
+            <a:off x="8472264" y="6021288"/>
             <a:ext cx="3037948" cy="646331"/>
           </a:xfrm>
           <a:prstGeom prst="rect">
@@ -10275,7 +11436,7 @@
               <a:t>https://</a:t>
             </a:r>
             <a:r>
-              <a:rPr lang="en-US" sz="1200" dirty="0" smtClean="0">
+              <a:rPr lang="en-US" sz="1200" dirty="0">
                 <a:solidFill>
                   <a:schemeClr val="tx1">
                     <a:lumMod val="50000"/>
@@ -10286,7 +11447,7 @@
               </a:rPr>
               <a:t>www.artima.com/intv/dry.html</a:t>
             </a:r>
-            <a:endParaRPr lang="en-US" sz="1200" dirty="0" smtClean="0">
+            <a:endParaRPr lang="en-US" sz="1200" dirty="0">
               <a:solidFill>
                 <a:schemeClr val="tx1">
                   <a:lumMod val="50000"/>
@@ -10309,7 +11470,7 @@
               <a:t>https://</a:t>
             </a:r>
             <a:r>
-              <a:rPr lang="en-US" sz="1200" dirty="0" smtClean="0">
+              <a:rPr lang="en-US" sz="1200" dirty="0">
                 <a:solidFill>
                   <a:schemeClr val="tx1">
                     <a:lumMod val="50000"/>
@@ -10320,7 +11481,7 @@
               </a:rPr>
               <a:t>en.wikipedia.org/wiki/Duplicate_code</a:t>
             </a:r>
-            <a:endParaRPr lang="en-US" sz="1200" dirty="0" smtClean="0">
+            <a:endParaRPr lang="en-US" sz="1200" dirty="0">
               <a:solidFill>
                 <a:schemeClr val="tx1">
                   <a:lumMod val="50000"/>
@@ -10344,7 +11505,7 @@
     </p:spTree>
     <p:extLst>
       <p:ext uri="{BB962C8B-B14F-4D97-AF65-F5344CB8AC3E}">
-        <p14:creationId xmlns:p14="http://schemas.microsoft.com/office/powerpoint/2010/main" val="110659096"/>
+        <p14:creationId xmlns:p14="http://schemas.microsoft.com/office/powerpoint/2010/main" val="3799278813"/>
       </p:ext>
     </p:extLst>
   </p:cSld>
